--- a/Images/Figures_PPT/StramenopileHeatPlotMetaPlot.pptx
+++ b/Images/Figures_PPT/StramenopileHeatPlotMetaPlot.pptx
@@ -42551,7 +42551,7 @@
               <a:avLst/>
             </a:prstGeom>
             <a:solidFill>
-              <a:srgbClr val="63E3C5">
+              <a:srgbClr val="BEBEBE">
                 <a:alpha val="100000"/>
               </a:srgbClr>
             </a:solidFill>
@@ -43111,7 +43111,7 @@
               <a:avLst/>
             </a:prstGeom>
             <a:solidFill>
-              <a:srgbClr val="3CBA26">
+              <a:srgbClr val="BEBEBE">
                 <a:alpha val="100000"/>
               </a:srgbClr>
             </a:solidFill>
@@ -44224,7 +44224,7 @@
           </p:nvSpPr>
           <p:spPr>
             <a:xfrm>
-              <a:off x="8816207" y="2278114"/>
+              <a:off x="8816207" y="2168386"/>
               <a:ext cx="1172603" cy="1417544"/>
             </a:xfrm>
             <a:prstGeom prst="rect">
@@ -44245,7 +44245,7 @@
           </p:nvSpPr>
           <p:spPr>
             <a:xfrm>
-              <a:off x="8885796" y="2330154"/>
+              <a:off x="8885796" y="2220426"/>
               <a:ext cx="1033425" cy="115341"/>
             </a:xfrm>
             <a:prstGeom prst="rect">
@@ -44297,7 +44297,7 @@
           </p:blipFill>
           <p:spPr>
             <a:xfrm>
-              <a:off x="8885796" y="2528790"/>
+              <a:off x="8885796" y="2419062"/>
               <a:ext cx="219455" cy="1097280"/>
             </a:xfrm>
             <a:prstGeom prst="rect">
@@ -44313,7 +44313,7 @@
           </p:nvSpPr>
           <p:spPr>
             <a:xfrm>
-              <a:off x="9061361" y="3624241"/>
+              <a:off x="9061361" y="3514513"/>
               <a:ext cx="43891" cy="0"/>
             </a:xfrm>
             <a:custGeom>
@@ -44353,7 +44353,7 @@
           </p:nvSpPr>
           <p:spPr>
             <a:xfrm>
-              <a:off x="9061361" y="3441970"/>
+              <a:off x="9061361" y="3332242"/>
               <a:ext cx="43891" cy="0"/>
             </a:xfrm>
             <a:custGeom>
@@ -44393,7 +44393,7 @@
           </p:nvSpPr>
           <p:spPr>
             <a:xfrm>
-              <a:off x="9061361" y="3259700"/>
+              <a:off x="9061361" y="3149972"/>
               <a:ext cx="43891" cy="0"/>
             </a:xfrm>
             <a:custGeom>
@@ -44433,7 +44433,7 @@
           </p:nvSpPr>
           <p:spPr>
             <a:xfrm>
-              <a:off x="9061361" y="3077430"/>
+              <a:off x="9061361" y="2967702"/>
               <a:ext cx="43891" cy="0"/>
             </a:xfrm>
             <a:custGeom>
@@ -44473,7 +44473,7 @@
           </p:nvSpPr>
           <p:spPr>
             <a:xfrm>
-              <a:off x="9061361" y="2895159"/>
+              <a:off x="9061361" y="2785431"/>
               <a:ext cx="43891" cy="0"/>
             </a:xfrm>
             <a:custGeom>
@@ -44513,7 +44513,7 @@
           </p:nvSpPr>
           <p:spPr>
             <a:xfrm>
-              <a:off x="9061361" y="2712889"/>
+              <a:off x="9061361" y="2603161"/>
               <a:ext cx="43891" cy="0"/>
             </a:xfrm>
             <a:custGeom>
@@ -44553,7 +44553,7 @@
           </p:nvSpPr>
           <p:spPr>
             <a:xfrm>
-              <a:off x="9061361" y="2530618"/>
+              <a:off x="9061361" y="2420890"/>
               <a:ext cx="43891" cy="0"/>
             </a:xfrm>
             <a:custGeom>
@@ -44593,7 +44593,7 @@
           </p:nvSpPr>
           <p:spPr>
             <a:xfrm>
-              <a:off x="8885796" y="3624241"/>
+              <a:off x="8885796" y="3514513"/>
               <a:ext cx="43891" cy="0"/>
             </a:xfrm>
             <a:custGeom>
@@ -44633,7 +44633,7 @@
           </p:nvSpPr>
           <p:spPr>
             <a:xfrm>
-              <a:off x="8885796" y="3441970"/>
+              <a:off x="8885796" y="3332242"/>
               <a:ext cx="43891" cy="0"/>
             </a:xfrm>
             <a:custGeom>
@@ -44673,7 +44673,7 @@
           </p:nvSpPr>
           <p:spPr>
             <a:xfrm>
-              <a:off x="8885796" y="3259700"/>
+              <a:off x="8885796" y="3149972"/>
               <a:ext cx="43891" cy="0"/>
             </a:xfrm>
             <a:custGeom>
@@ -44713,7 +44713,7 @@
           </p:nvSpPr>
           <p:spPr>
             <a:xfrm>
-              <a:off x="8885796" y="3077430"/>
+              <a:off x="8885796" y="2967702"/>
               <a:ext cx="43891" cy="0"/>
             </a:xfrm>
             <a:custGeom>
@@ -44753,7 +44753,7 @@
           </p:nvSpPr>
           <p:spPr>
             <a:xfrm>
-              <a:off x="8885796" y="2895159"/>
+              <a:off x="8885796" y="2785431"/>
               <a:ext cx="43891" cy="0"/>
             </a:xfrm>
             <a:custGeom>
@@ -44793,7 +44793,7 @@
           </p:nvSpPr>
           <p:spPr>
             <a:xfrm>
-              <a:off x="8885796" y="2712889"/>
+              <a:off x="8885796" y="2603161"/>
               <a:ext cx="43891" cy="0"/>
             </a:xfrm>
             <a:custGeom>
@@ -44833,7 +44833,7 @@
           </p:nvSpPr>
           <p:spPr>
             <a:xfrm>
-              <a:off x="8885796" y="2530618"/>
+              <a:off x="8885796" y="2420890"/>
               <a:ext cx="43891" cy="0"/>
             </a:xfrm>
             <a:custGeom>
@@ -44873,7 +44873,7 @@
           </p:nvSpPr>
           <p:spPr>
             <a:xfrm>
-              <a:off x="9174841" y="3599343"/>
+              <a:off x="9174841" y="3489615"/>
               <a:ext cx="69850" cy="48021"/>
             </a:xfrm>
             <a:prstGeom prst="rect">
@@ -44919,7 +44919,7 @@
           </p:nvSpPr>
           <p:spPr>
             <a:xfrm>
-              <a:off x="9174841" y="3417073"/>
+              <a:off x="9174841" y="3307345"/>
               <a:ext cx="69850" cy="48021"/>
             </a:xfrm>
             <a:prstGeom prst="rect">
@@ -44965,7 +44965,7 @@
           </p:nvSpPr>
           <p:spPr>
             <a:xfrm>
-              <a:off x="9174841" y="3234802"/>
+              <a:off x="9174841" y="3125074"/>
               <a:ext cx="69850" cy="48021"/>
             </a:xfrm>
             <a:prstGeom prst="rect">
@@ -45011,7 +45011,7 @@
           </p:nvSpPr>
           <p:spPr>
             <a:xfrm>
-              <a:off x="9174841" y="3052395"/>
+              <a:off x="9174841" y="2942667"/>
               <a:ext cx="69850" cy="48158"/>
             </a:xfrm>
             <a:prstGeom prst="rect">
@@ -45057,7 +45057,7 @@
           </p:nvSpPr>
           <p:spPr>
             <a:xfrm>
-              <a:off x="9174841" y="2870261"/>
+              <a:off x="9174841" y="2760533"/>
               <a:ext cx="69850" cy="48021"/>
             </a:xfrm>
             <a:prstGeom prst="rect">
@@ -45103,7 +45103,7 @@
           </p:nvSpPr>
           <p:spPr>
             <a:xfrm>
-              <a:off x="9174841" y="2687855"/>
+              <a:off x="9174841" y="2578127"/>
               <a:ext cx="69850" cy="48158"/>
             </a:xfrm>
             <a:prstGeom prst="rect">
@@ -45149,7 +45149,7 @@
           </p:nvSpPr>
           <p:spPr>
             <a:xfrm>
-              <a:off x="9174841" y="2505721"/>
+              <a:off x="9174841" y="2395993"/>
               <a:ext cx="104775" cy="48021"/>
             </a:xfrm>
             <a:prstGeom prst="rect">
@@ -45195,7 +45195,619 @@
           </p:nvSpPr>
           <p:spPr>
             <a:xfrm>
-              <a:off x="8816207" y="3702859"/>
+              <a:off x="8816207" y="3593131"/>
+              <a:ext cx="1109041" cy="1417544"/>
+            </a:xfrm>
+            <a:prstGeom prst="rect">
+              <a:avLst/>
+            </a:prstGeom>
+          </p:spPr>
+          <p:txBody>
+            <a:bodyPr/>
+            <a:lstStyle/>
+            <a:p/>
+          </p:txBody>
+        </p:sp>
+        <p:sp>
+          <p:nvSpPr>
+            <p:cNvPr id="1139" name="tx1138"/>
+            <p:cNvSpPr/>
+            <p:nvPr/>
+          </p:nvSpPr>
+          <p:spPr>
+            <a:xfrm>
+              <a:off x="8885796" y="3644922"/>
+              <a:ext cx="969863" cy="115589"/>
+            </a:xfrm>
+            <a:prstGeom prst="rect">
+              <a:avLst/>
+            </a:prstGeom>
+            <a:noFill/>
+          </p:spPr>
+          <p:txBody>
+            <a:bodyPr lIns="0" rIns="0" tIns="0" bIns="0" anchorCtr="1" anchor="ctr" wrap="none"/>
+            <a:lstStyle/>
+            <a:p>
+              <a:pPr algn="l" marL="0" marR="0" indent="0">
+                <a:lnSpc>
+                  <a:spcPts val="1000"/>
+                </a:lnSpc>
+                <a:spcBef>
+                  <a:spcPts val="0"/>
+                </a:spcBef>
+                <a:spcAft>
+                  <a:spcPts val="0"/>
+                </a:spcAft>
+              </a:pPr>
+              <a:r>
+                <a:rPr sz="1000">
+                  <a:solidFill>
+                    <a:srgbClr val="000000">
+                      <a:alpha val="100000"/>
+                    </a:srgbClr>
+                  </a:solidFill>
+                  <a:latin typeface="Times New Roman"/>
+                  <a:cs typeface="Times New Roman"/>
+                </a:rPr>
+                <a:t>Metabolic Strategy</a:t>
+              </a:r>
+            </a:p>
+          </p:txBody>
+        </p:sp>
+        <p:sp>
+          <p:nvSpPr>
+            <p:cNvPr id="1140" name="rc1139"/>
+            <p:cNvSpPr/>
+            <p:nvPr/>
+          </p:nvSpPr>
+          <p:spPr>
+            <a:xfrm>
+              <a:off x="8885796" y="3843806"/>
+              <a:ext cx="219455" cy="219456"/>
+            </a:xfrm>
+            <a:prstGeom prst="rect">
+              <a:avLst/>
+            </a:prstGeom>
+            <a:solidFill>
+              <a:srgbClr val="FFFFFF">
+                <a:alpha val="100000"/>
+              </a:srgbClr>
+            </a:solidFill>
+            <a:ln w="13550" cap="rnd">
+              <a:solidFill>
+                <a:srgbClr val="FFFFFF">
+                  <a:alpha val="100000"/>
+                </a:srgbClr>
+              </a:solidFill>
+              <a:prstDash val="solid"/>
+              <a:round/>
+            </a:ln>
+          </p:spPr>
+          <p:txBody>
+            <a:bodyPr/>
+            <a:lstStyle/>
+            <a:p/>
+          </p:txBody>
+        </p:sp>
+        <p:sp>
+          <p:nvSpPr>
+            <p:cNvPr id="1141" name="rc1140"/>
+            <p:cNvSpPr/>
+            <p:nvPr/>
+          </p:nvSpPr>
+          <p:spPr>
+            <a:xfrm>
+              <a:off x="8887596" y="3845606"/>
+              <a:ext cx="215856" cy="215856"/>
+            </a:xfrm>
+            <a:prstGeom prst="rect">
+              <a:avLst/>
+            </a:prstGeom>
+            <a:solidFill>
+              <a:srgbClr val="3CBA26">
+                <a:alpha val="100000"/>
+              </a:srgbClr>
+            </a:solidFill>
+            <a:ln w="2710" cap="flat">
+              <a:solidFill>
+                <a:srgbClr val="FFFFFF">
+                  <a:alpha val="100000"/>
+                </a:srgbClr>
+              </a:solidFill>
+              <a:prstDash val="solid"/>
+              <a:miter/>
+            </a:ln>
+          </p:spPr>
+          <p:txBody>
+            <a:bodyPr/>
+            <a:lstStyle/>
+            <a:p/>
+          </p:txBody>
+        </p:sp>
+        <p:sp>
+          <p:nvSpPr>
+            <p:cNvPr id="1142" name="rc1141"/>
+            <p:cNvSpPr/>
+            <p:nvPr/>
+          </p:nvSpPr>
+          <p:spPr>
+            <a:xfrm>
+              <a:off x="8885796" y="4063262"/>
+              <a:ext cx="219455" cy="219455"/>
+            </a:xfrm>
+            <a:prstGeom prst="rect">
+              <a:avLst/>
+            </a:prstGeom>
+            <a:solidFill>
+              <a:srgbClr val="FFFFFF">
+                <a:alpha val="100000"/>
+              </a:srgbClr>
+            </a:solidFill>
+            <a:ln w="13550" cap="rnd">
+              <a:solidFill>
+                <a:srgbClr val="FFFFFF">
+                  <a:alpha val="100000"/>
+                </a:srgbClr>
+              </a:solidFill>
+              <a:prstDash val="solid"/>
+              <a:round/>
+            </a:ln>
+          </p:spPr>
+          <p:txBody>
+            <a:bodyPr/>
+            <a:lstStyle/>
+            <a:p/>
+          </p:txBody>
+        </p:sp>
+        <p:sp>
+          <p:nvSpPr>
+            <p:cNvPr id="1143" name="rc1142"/>
+            <p:cNvSpPr/>
+            <p:nvPr/>
+          </p:nvSpPr>
+          <p:spPr>
+            <a:xfrm>
+              <a:off x="8887596" y="4065062"/>
+              <a:ext cx="215856" cy="215855"/>
+            </a:xfrm>
+            <a:prstGeom prst="rect">
+              <a:avLst/>
+            </a:prstGeom>
+            <a:solidFill>
+              <a:srgbClr val="A87142">
+                <a:alpha val="100000"/>
+              </a:srgbClr>
+            </a:solidFill>
+            <a:ln w="2710" cap="flat">
+              <a:solidFill>
+                <a:srgbClr val="FFFFFF">
+                  <a:alpha val="100000"/>
+                </a:srgbClr>
+              </a:solidFill>
+              <a:prstDash val="solid"/>
+              <a:miter/>
+            </a:ln>
+          </p:spPr>
+          <p:txBody>
+            <a:bodyPr/>
+            <a:lstStyle/>
+            <a:p/>
+          </p:txBody>
+        </p:sp>
+        <p:sp>
+          <p:nvSpPr>
+            <p:cNvPr id="1144" name="rc1143"/>
+            <p:cNvSpPr/>
+            <p:nvPr/>
+          </p:nvSpPr>
+          <p:spPr>
+            <a:xfrm>
+              <a:off x="8885796" y="4282718"/>
+              <a:ext cx="219455" cy="219455"/>
+            </a:xfrm>
+            <a:prstGeom prst="rect">
+              <a:avLst/>
+            </a:prstGeom>
+            <a:solidFill>
+              <a:srgbClr val="FFFFFF">
+                <a:alpha val="100000"/>
+              </a:srgbClr>
+            </a:solidFill>
+            <a:ln w="13550" cap="rnd">
+              <a:solidFill>
+                <a:srgbClr val="FFFFFF">
+                  <a:alpha val="100000"/>
+                </a:srgbClr>
+              </a:solidFill>
+              <a:prstDash val="solid"/>
+              <a:round/>
+            </a:ln>
+          </p:spPr>
+          <p:txBody>
+            <a:bodyPr/>
+            <a:lstStyle/>
+            <a:p/>
+          </p:txBody>
+        </p:sp>
+        <p:sp>
+          <p:nvSpPr>
+            <p:cNvPr id="1145" name="rc1144"/>
+            <p:cNvSpPr/>
+            <p:nvPr/>
+          </p:nvSpPr>
+          <p:spPr>
+            <a:xfrm>
+              <a:off x="8887596" y="4284518"/>
+              <a:ext cx="215856" cy="215855"/>
+            </a:xfrm>
+            <a:prstGeom prst="rect">
+              <a:avLst/>
+            </a:prstGeom>
+            <a:solidFill>
+              <a:srgbClr val="63E3C5">
+                <a:alpha val="100000"/>
+              </a:srgbClr>
+            </a:solidFill>
+            <a:ln w="2710" cap="flat">
+              <a:solidFill>
+                <a:srgbClr val="FFFFFF">
+                  <a:alpha val="100000"/>
+                </a:srgbClr>
+              </a:solidFill>
+              <a:prstDash val="solid"/>
+              <a:miter/>
+            </a:ln>
+          </p:spPr>
+          <p:txBody>
+            <a:bodyPr/>
+            <a:lstStyle/>
+            <a:p/>
+          </p:txBody>
+        </p:sp>
+        <p:sp>
+          <p:nvSpPr>
+            <p:cNvPr id="1146" name="rc1145"/>
+            <p:cNvSpPr/>
+            <p:nvPr/>
+          </p:nvSpPr>
+          <p:spPr>
+            <a:xfrm>
+              <a:off x="8885796" y="4502174"/>
+              <a:ext cx="219455" cy="219455"/>
+            </a:xfrm>
+            <a:prstGeom prst="rect">
+              <a:avLst/>
+            </a:prstGeom>
+            <a:solidFill>
+              <a:srgbClr val="FFFFFF">
+                <a:alpha val="100000"/>
+              </a:srgbClr>
+            </a:solidFill>
+            <a:ln w="13550" cap="rnd">
+              <a:solidFill>
+                <a:srgbClr val="FFFFFF">
+                  <a:alpha val="100000"/>
+                </a:srgbClr>
+              </a:solidFill>
+              <a:prstDash val="solid"/>
+              <a:round/>
+            </a:ln>
+          </p:spPr>
+          <p:txBody>
+            <a:bodyPr/>
+            <a:lstStyle/>
+            <a:p/>
+          </p:txBody>
+        </p:sp>
+        <p:sp>
+          <p:nvSpPr>
+            <p:cNvPr id="1147" name="rc1146"/>
+            <p:cNvSpPr/>
+            <p:nvPr/>
+          </p:nvSpPr>
+          <p:spPr>
+            <a:xfrm>
+              <a:off x="8887596" y="4503974"/>
+              <a:ext cx="215856" cy="215855"/>
+            </a:xfrm>
+            <a:prstGeom prst="rect">
+              <a:avLst/>
+            </a:prstGeom>
+            <a:solidFill>
+              <a:srgbClr val="FE4A49">
+                <a:alpha val="100000"/>
+              </a:srgbClr>
+            </a:solidFill>
+            <a:ln w="2710" cap="flat">
+              <a:solidFill>
+                <a:srgbClr val="FFFFFF">
+                  <a:alpha val="100000"/>
+                </a:srgbClr>
+              </a:solidFill>
+              <a:prstDash val="solid"/>
+              <a:miter/>
+            </a:ln>
+          </p:spPr>
+          <p:txBody>
+            <a:bodyPr/>
+            <a:lstStyle/>
+            <a:p/>
+          </p:txBody>
+        </p:sp>
+        <p:sp>
+          <p:nvSpPr>
+            <p:cNvPr id="1148" name="rc1147"/>
+            <p:cNvSpPr/>
+            <p:nvPr/>
+          </p:nvSpPr>
+          <p:spPr>
+            <a:xfrm>
+              <a:off x="8885796" y="4721630"/>
+              <a:ext cx="219455" cy="219455"/>
+            </a:xfrm>
+            <a:prstGeom prst="rect">
+              <a:avLst/>
+            </a:prstGeom>
+            <a:solidFill>
+              <a:srgbClr val="FFFFFF">
+                <a:alpha val="100000"/>
+              </a:srgbClr>
+            </a:solidFill>
+            <a:ln w="13550" cap="rnd">
+              <a:solidFill>
+                <a:srgbClr val="FFFFFF">
+                  <a:alpha val="100000"/>
+                </a:srgbClr>
+              </a:solidFill>
+              <a:prstDash val="solid"/>
+              <a:round/>
+            </a:ln>
+          </p:spPr>
+          <p:txBody>
+            <a:bodyPr/>
+            <a:lstStyle/>
+            <a:p/>
+          </p:txBody>
+        </p:sp>
+        <p:sp>
+          <p:nvSpPr>
+            <p:cNvPr id="1149" name="tx1148"/>
+            <p:cNvSpPr/>
+            <p:nvPr/>
+          </p:nvSpPr>
+          <p:spPr>
+            <a:xfrm>
+              <a:off x="9174841" y="3913220"/>
+              <a:ext cx="337551" cy="63437"/>
+            </a:xfrm>
+            <a:prstGeom prst="rect">
+              <a:avLst/>
+            </a:prstGeom>
+            <a:noFill/>
+          </p:spPr>
+          <p:txBody>
+            <a:bodyPr lIns="0" rIns="0" tIns="0" bIns="0" anchorCtr="1" anchor="ctr" wrap="none"/>
+            <a:lstStyle/>
+            <a:p>
+              <a:pPr algn="l" marL="0" marR="0" indent="0">
+                <a:lnSpc>
+                  <a:spcPts val="550"/>
+                </a:lnSpc>
+                <a:spcBef>
+                  <a:spcPts val="0"/>
+                </a:spcBef>
+                <a:spcAft>
+                  <a:spcPts val="0"/>
+                </a:spcAft>
+              </a:pPr>
+              <a:r>
+                <a:rPr sz="550">
+                  <a:solidFill>
+                    <a:srgbClr val="000000">
+                      <a:alpha val="100000"/>
+                    </a:srgbClr>
+                  </a:solidFill>
+                  <a:latin typeface="Times New Roman"/>
+                  <a:cs typeface="Times New Roman"/>
+                </a:rPr>
+                <a:t>Autotrophic</a:t>
+              </a:r>
+            </a:p>
+          </p:txBody>
+        </p:sp>
+        <p:sp>
+          <p:nvSpPr>
+            <p:cNvPr id="1150" name="tx1149"/>
+            <p:cNvSpPr/>
+            <p:nvPr/>
+          </p:nvSpPr>
+          <p:spPr>
+            <a:xfrm>
+              <a:off x="9174841" y="4132676"/>
+              <a:ext cx="337483" cy="63437"/>
+            </a:xfrm>
+            <a:prstGeom prst="rect">
+              <a:avLst/>
+            </a:prstGeom>
+            <a:noFill/>
+          </p:spPr>
+          <p:txBody>
+            <a:bodyPr lIns="0" rIns="0" tIns="0" bIns="0" anchorCtr="1" anchor="ctr" wrap="none"/>
+            <a:lstStyle/>
+            <a:p>
+              <a:pPr algn="l" marL="0" marR="0" indent="0">
+                <a:lnSpc>
+                  <a:spcPts val="550"/>
+                </a:lnSpc>
+                <a:spcBef>
+                  <a:spcPts val="0"/>
+                </a:spcBef>
+                <a:spcAft>
+                  <a:spcPts val="0"/>
+                </a:spcAft>
+              </a:pPr>
+              <a:r>
+                <a:rPr sz="550">
+                  <a:solidFill>
+                    <a:srgbClr val="000000">
+                      <a:alpha val="100000"/>
+                    </a:srgbClr>
+                  </a:solidFill>
+                  <a:latin typeface="Times New Roman"/>
+                  <a:cs typeface="Times New Roman"/>
+                </a:rPr>
+                <a:t>Heterotroph</a:t>
+              </a:r>
+            </a:p>
+          </p:txBody>
+        </p:sp>
+        <p:sp>
+          <p:nvSpPr>
+            <p:cNvPr id="1151" name="tx1150"/>
+            <p:cNvSpPr/>
+            <p:nvPr/>
+          </p:nvSpPr>
+          <p:spPr>
+            <a:xfrm>
+              <a:off x="9174841" y="4352132"/>
+              <a:ext cx="298806" cy="63437"/>
+            </a:xfrm>
+            <a:prstGeom prst="rect">
+              <a:avLst/>
+            </a:prstGeom>
+            <a:noFill/>
+          </p:spPr>
+          <p:txBody>
+            <a:bodyPr lIns="0" rIns="0" tIns="0" bIns="0" anchorCtr="1" anchor="ctr" wrap="none"/>
+            <a:lstStyle/>
+            <a:p>
+              <a:pPr algn="l" marL="0" marR="0" indent="0">
+                <a:lnSpc>
+                  <a:spcPts val="550"/>
+                </a:lnSpc>
+                <a:spcBef>
+                  <a:spcPts val="0"/>
+                </a:spcBef>
+                <a:spcAft>
+                  <a:spcPts val="0"/>
+                </a:spcAft>
+              </a:pPr>
+              <a:r>
+                <a:rPr sz="550">
+                  <a:solidFill>
+                    <a:srgbClr val="000000">
+                      <a:alpha val="100000"/>
+                    </a:srgbClr>
+                  </a:solidFill>
+                  <a:latin typeface="Times New Roman"/>
+                  <a:cs typeface="Times New Roman"/>
+                </a:rPr>
+                <a:t>Mixotroph</a:t>
+              </a:r>
+            </a:p>
+          </p:txBody>
+        </p:sp>
+        <p:sp>
+          <p:nvSpPr>
+            <p:cNvPr id="1152" name="tx1151"/>
+            <p:cNvSpPr/>
+            <p:nvPr/>
+          </p:nvSpPr>
+          <p:spPr>
+            <a:xfrm>
+              <a:off x="9174841" y="4585572"/>
+              <a:ext cx="221112" cy="49454"/>
+            </a:xfrm>
+            <a:prstGeom prst="rect">
+              <a:avLst/>
+            </a:prstGeom>
+            <a:noFill/>
+          </p:spPr>
+          <p:txBody>
+            <a:bodyPr lIns="0" rIns="0" tIns="0" bIns="0" anchorCtr="1" anchor="ctr" wrap="none"/>
+            <a:lstStyle/>
+            <a:p>
+              <a:pPr algn="l" marL="0" marR="0" indent="0">
+                <a:lnSpc>
+                  <a:spcPts val="550"/>
+                </a:lnSpc>
+                <a:spcBef>
+                  <a:spcPts val="0"/>
+                </a:spcBef>
+                <a:spcAft>
+                  <a:spcPts val="0"/>
+                </a:spcAft>
+              </a:pPr>
+              <a:r>
+                <a:rPr sz="550">
+                  <a:solidFill>
+                    <a:srgbClr val="000000">
+                      <a:alpha val="100000"/>
+                    </a:srgbClr>
+                  </a:solidFill>
+                  <a:latin typeface="Times New Roman"/>
+                  <a:cs typeface="Times New Roman"/>
+                </a:rPr>
+                <a:t>Parasite</a:t>
+              </a:r>
+            </a:p>
+          </p:txBody>
+        </p:sp>
+        <p:sp>
+          <p:nvSpPr>
+            <p:cNvPr id="1153" name="tx1152"/>
+            <p:cNvSpPr/>
+            <p:nvPr/>
+          </p:nvSpPr>
+          <p:spPr>
+            <a:xfrm>
+              <a:off x="9174841" y="4790908"/>
+              <a:ext cx="422954" cy="63574"/>
+            </a:xfrm>
+            <a:prstGeom prst="rect">
+              <a:avLst/>
+            </a:prstGeom>
+            <a:noFill/>
+          </p:spPr>
+          <p:txBody>
+            <a:bodyPr lIns="0" rIns="0" tIns="0" bIns="0" anchorCtr="1" anchor="ctr" wrap="none"/>
+            <a:lstStyle/>
+            <a:p>
+              <a:pPr algn="l" marL="0" marR="0" indent="0">
+                <a:lnSpc>
+                  <a:spcPts val="550"/>
+                </a:lnSpc>
+                <a:spcBef>
+                  <a:spcPts val="0"/>
+                </a:spcBef>
+                <a:spcAft>
+                  <a:spcPts val="0"/>
+                </a:spcAft>
+              </a:pPr>
+              <a:r>
+                <a:rPr sz="550">
+                  <a:solidFill>
+                    <a:srgbClr val="000000">
+                      <a:alpha val="100000"/>
+                    </a:srgbClr>
+                  </a:solidFill>
+                  <a:latin typeface="Times New Roman"/>
+                  <a:cs typeface="Times New Roman"/>
+                </a:rPr>
+                <a:t>Endosymbiotic</a:t>
+              </a:r>
+            </a:p>
+          </p:txBody>
+        </p:sp>
+        <p:sp>
+          <p:nvSpPr>
+            <p:cNvPr id="1154" name="rc1153"/>
+            <p:cNvSpPr/>
+            <p:nvPr/>
+          </p:nvSpPr>
+          <p:spPr>
+            <a:xfrm>
+              <a:off x="8816207" y="5017875"/>
               <a:ext cx="939935" cy="1417544"/>
             </a:xfrm>
             <a:prstGeom prst="rect">
@@ -45210,13 +45822,13 @@
         </p:sp>
         <p:sp>
           <p:nvSpPr>
-            <p:cNvPr id="1139" name="tx1138"/>
-            <p:cNvSpPr/>
-            <p:nvPr/>
-          </p:nvSpPr>
-          <p:spPr>
-            <a:xfrm>
-              <a:off x="8885796" y="3782308"/>
+            <p:cNvPr id="1155" name="tx1154"/>
+            <p:cNvSpPr/>
+            <p:nvPr/>
+          </p:nvSpPr>
+          <p:spPr>
+            <a:xfrm>
+              <a:off x="8885796" y="5097324"/>
               <a:ext cx="800757" cy="87932"/>
             </a:xfrm>
             <a:prstGeom prst="rect">
@@ -45256,13 +45868,13 @@
         </p:sp>
         <p:sp>
           <p:nvSpPr>
-            <p:cNvPr id="1140" name="rc1139"/>
-            <p:cNvSpPr/>
-            <p:nvPr/>
-          </p:nvSpPr>
-          <p:spPr>
-            <a:xfrm>
-              <a:off x="8885796" y="3953534"/>
+            <p:cNvPr id="1156" name="rc1155"/>
+            <p:cNvSpPr/>
+            <p:nvPr/>
+          </p:nvSpPr>
+          <p:spPr>
+            <a:xfrm>
+              <a:off x="8885796" y="5268550"/>
               <a:ext cx="219455" cy="219455"/>
             </a:xfrm>
             <a:prstGeom prst="rect">
@@ -45291,13 +45903,13 @@
         </p:sp>
         <p:sp>
           <p:nvSpPr>
-            <p:cNvPr id="1141" name="rc1140"/>
-            <p:cNvSpPr/>
-            <p:nvPr/>
-          </p:nvSpPr>
-          <p:spPr>
-            <a:xfrm>
-              <a:off x="8887596" y="3955334"/>
+            <p:cNvPr id="1157" name="rc1156"/>
+            <p:cNvSpPr/>
+            <p:nvPr/>
+          </p:nvSpPr>
+          <p:spPr>
+            <a:xfrm>
+              <a:off x="8887596" y="5270350"/>
               <a:ext cx="215856" cy="215855"/>
             </a:xfrm>
             <a:prstGeom prst="rect">
@@ -45326,13 +45938,13 @@
         </p:sp>
         <p:sp>
           <p:nvSpPr>
-            <p:cNvPr id="1142" name="rc1141"/>
-            <p:cNvSpPr/>
-            <p:nvPr/>
-          </p:nvSpPr>
-          <p:spPr>
-            <a:xfrm>
-              <a:off x="8885796" y="4172990"/>
+            <p:cNvPr id="1158" name="rc1157"/>
+            <p:cNvSpPr/>
+            <p:nvPr/>
+          </p:nvSpPr>
+          <p:spPr>
+            <a:xfrm>
+              <a:off x="8885796" y="5488006"/>
               <a:ext cx="219455" cy="219455"/>
             </a:xfrm>
             <a:prstGeom prst="rect">
@@ -45361,13 +45973,13 @@
         </p:sp>
         <p:sp>
           <p:nvSpPr>
-            <p:cNvPr id="1143" name="rc1142"/>
-            <p:cNvSpPr/>
-            <p:nvPr/>
-          </p:nvSpPr>
-          <p:spPr>
-            <a:xfrm>
-              <a:off x="8887596" y="4174790"/>
+            <p:cNvPr id="1159" name="rc1158"/>
+            <p:cNvSpPr/>
+            <p:nvPr/>
+          </p:nvSpPr>
+          <p:spPr>
+            <a:xfrm>
+              <a:off x="8887596" y="5489806"/>
               <a:ext cx="215856" cy="215855"/>
             </a:xfrm>
             <a:prstGeom prst="rect">
@@ -45396,13 +46008,13 @@
         </p:sp>
         <p:sp>
           <p:nvSpPr>
-            <p:cNvPr id="1144" name="rc1143"/>
-            <p:cNvSpPr/>
-            <p:nvPr/>
-          </p:nvSpPr>
-          <p:spPr>
-            <a:xfrm>
-              <a:off x="8885796" y="4392446"/>
+            <p:cNvPr id="1160" name="rc1159"/>
+            <p:cNvSpPr/>
+            <p:nvPr/>
+          </p:nvSpPr>
+          <p:spPr>
+            <a:xfrm>
+              <a:off x="8885796" y="5707462"/>
               <a:ext cx="219455" cy="219455"/>
             </a:xfrm>
             <a:prstGeom prst="rect">
@@ -45431,13 +46043,13 @@
         </p:sp>
         <p:sp>
           <p:nvSpPr>
-            <p:cNvPr id="1145" name="rc1144"/>
-            <p:cNvSpPr/>
-            <p:nvPr/>
-          </p:nvSpPr>
-          <p:spPr>
-            <a:xfrm>
-              <a:off x="8887596" y="4394246"/>
+            <p:cNvPr id="1161" name="rc1160"/>
+            <p:cNvSpPr/>
+            <p:nvPr/>
+          </p:nvSpPr>
+          <p:spPr>
+            <a:xfrm>
+              <a:off x="8887596" y="5709262"/>
               <a:ext cx="215856" cy="215855"/>
             </a:xfrm>
             <a:prstGeom prst="rect">
@@ -45466,13 +46078,13 @@
         </p:sp>
         <p:sp>
           <p:nvSpPr>
-            <p:cNvPr id="1146" name="rc1145"/>
-            <p:cNvSpPr/>
-            <p:nvPr/>
-          </p:nvSpPr>
-          <p:spPr>
-            <a:xfrm>
-              <a:off x="8885796" y="4611902"/>
+            <p:cNvPr id="1162" name="rc1161"/>
+            <p:cNvSpPr/>
+            <p:nvPr/>
+          </p:nvSpPr>
+          <p:spPr>
+            <a:xfrm>
+              <a:off x="8885796" y="5926918"/>
               <a:ext cx="219455" cy="219455"/>
             </a:xfrm>
             <a:prstGeom prst="rect">
@@ -45501,13 +46113,13 @@
         </p:sp>
         <p:sp>
           <p:nvSpPr>
-            <p:cNvPr id="1147" name="rc1146"/>
-            <p:cNvSpPr/>
-            <p:nvPr/>
-          </p:nvSpPr>
-          <p:spPr>
-            <a:xfrm>
-              <a:off x="8887596" y="4613702"/>
+            <p:cNvPr id="1163" name="rc1162"/>
+            <p:cNvSpPr/>
+            <p:nvPr/>
+          </p:nvSpPr>
+          <p:spPr>
+            <a:xfrm>
+              <a:off x="8887596" y="5928718"/>
               <a:ext cx="215856" cy="215855"/>
             </a:xfrm>
             <a:prstGeom prst="rect">
@@ -45536,13 +46148,13 @@
         </p:sp>
         <p:sp>
           <p:nvSpPr>
-            <p:cNvPr id="1148" name="rc1147"/>
-            <p:cNvSpPr/>
-            <p:nvPr/>
-          </p:nvSpPr>
-          <p:spPr>
-            <a:xfrm>
-              <a:off x="8885796" y="4831358"/>
+            <p:cNvPr id="1164" name="rc1163"/>
+            <p:cNvSpPr/>
+            <p:nvPr/>
+          </p:nvSpPr>
+          <p:spPr>
+            <a:xfrm>
+              <a:off x="8885796" y="6146374"/>
               <a:ext cx="219455" cy="219455"/>
             </a:xfrm>
             <a:prstGeom prst="rect">
@@ -45571,13 +46183,13 @@
         </p:sp>
         <p:sp>
           <p:nvSpPr>
-            <p:cNvPr id="1149" name="rc1148"/>
-            <p:cNvSpPr/>
-            <p:nvPr/>
-          </p:nvSpPr>
-          <p:spPr>
-            <a:xfrm>
-              <a:off x="8887596" y="4833158"/>
+            <p:cNvPr id="1165" name="rc1164"/>
+            <p:cNvSpPr/>
+            <p:nvPr/>
+          </p:nvSpPr>
+          <p:spPr>
+            <a:xfrm>
+              <a:off x="8887596" y="6148174"/>
               <a:ext cx="215856" cy="215855"/>
             </a:xfrm>
             <a:prstGeom prst="rect">
@@ -45606,13 +46218,13 @@
         </p:sp>
         <p:sp>
           <p:nvSpPr>
-            <p:cNvPr id="1150" name="tx1149"/>
-            <p:cNvSpPr/>
-            <p:nvPr/>
-          </p:nvSpPr>
-          <p:spPr>
-            <a:xfrm>
-              <a:off x="9174841" y="4040138"/>
+            <p:cNvPr id="1166" name="tx1165"/>
+            <p:cNvSpPr/>
+            <p:nvPr/>
+          </p:nvSpPr>
+          <p:spPr>
+            <a:xfrm>
+              <a:off x="9174841" y="5355154"/>
               <a:ext cx="50443" cy="46248"/>
             </a:xfrm>
             <a:prstGeom prst="rect">
@@ -45652,13 +46264,13 @@
         </p:sp>
         <p:sp>
           <p:nvSpPr>
-            <p:cNvPr id="1151" name="tx1150"/>
-            <p:cNvSpPr/>
-            <p:nvPr/>
-          </p:nvSpPr>
-          <p:spPr>
-            <a:xfrm>
-              <a:off x="9174841" y="4259594"/>
+            <p:cNvPr id="1167" name="tx1166"/>
+            <p:cNvSpPr/>
+            <p:nvPr/>
+          </p:nvSpPr>
+          <p:spPr>
+            <a:xfrm>
+              <a:off x="9174841" y="5574610"/>
               <a:ext cx="62107" cy="46248"/>
             </a:xfrm>
             <a:prstGeom prst="rect">
@@ -45698,13 +46310,13 @@
         </p:sp>
         <p:sp>
           <p:nvSpPr>
-            <p:cNvPr id="1152" name="tx1151"/>
-            <p:cNvSpPr/>
-            <p:nvPr/>
-          </p:nvSpPr>
-          <p:spPr>
-            <a:xfrm>
-              <a:off x="9174841" y="4479050"/>
+            <p:cNvPr id="1168" name="tx1167"/>
+            <p:cNvSpPr/>
+            <p:nvPr/>
+          </p:nvSpPr>
+          <p:spPr>
+            <a:xfrm>
+              <a:off x="9174841" y="5794066"/>
               <a:ext cx="42667" cy="46248"/>
             </a:xfrm>
             <a:prstGeom prst="rect">
@@ -45744,13 +46356,13 @@
         </p:sp>
         <p:sp>
           <p:nvSpPr>
-            <p:cNvPr id="1153" name="tx1152"/>
-            <p:cNvSpPr/>
-            <p:nvPr/>
-          </p:nvSpPr>
-          <p:spPr>
-            <a:xfrm>
-              <a:off x="9174841" y="4698506"/>
+            <p:cNvPr id="1169" name="tx1168"/>
+            <p:cNvSpPr/>
+            <p:nvPr/>
+          </p:nvSpPr>
+          <p:spPr>
+            <a:xfrm>
+              <a:off x="9174841" y="6013522"/>
               <a:ext cx="38847" cy="46248"/>
             </a:xfrm>
             <a:prstGeom prst="rect">
@@ -45790,13 +46402,13 @@
         </p:sp>
         <p:sp>
           <p:nvSpPr>
-            <p:cNvPr id="1154" name="tx1153"/>
-            <p:cNvSpPr/>
-            <p:nvPr/>
-          </p:nvSpPr>
-          <p:spPr>
-            <a:xfrm>
-              <a:off x="9174841" y="4916154"/>
+            <p:cNvPr id="1170" name="tx1169"/>
+            <p:cNvSpPr/>
+            <p:nvPr/>
+          </p:nvSpPr>
+          <p:spPr>
+            <a:xfrm>
+              <a:off x="9174841" y="6231170"/>
               <a:ext cx="100886" cy="48055"/>
             </a:xfrm>
             <a:prstGeom prst="rect">
@@ -45836,538 +46448,7 @@
         </p:sp>
         <p:sp>
           <p:nvSpPr>
-            <p:cNvPr id="1155" name="rc1154"/>
-            <p:cNvSpPr/>
-            <p:nvPr/>
-          </p:nvSpPr>
-          <p:spPr>
-            <a:xfrm>
-              <a:off x="8816207" y="5127603"/>
-              <a:ext cx="1109041" cy="1198088"/>
-            </a:xfrm>
-            <a:prstGeom prst="rect">
-              <a:avLst/>
-            </a:prstGeom>
-          </p:spPr>
-          <p:txBody>
-            <a:bodyPr/>
-            <a:lstStyle/>
-            <a:p/>
-          </p:txBody>
-        </p:sp>
-        <p:sp>
-          <p:nvSpPr>
-            <p:cNvPr id="1156" name="tx1155"/>
-            <p:cNvSpPr/>
-            <p:nvPr/>
-          </p:nvSpPr>
-          <p:spPr>
-            <a:xfrm>
-              <a:off x="8885796" y="5179395"/>
-              <a:ext cx="969863" cy="115589"/>
-            </a:xfrm>
-            <a:prstGeom prst="rect">
-              <a:avLst/>
-            </a:prstGeom>
-            <a:noFill/>
-          </p:spPr>
-          <p:txBody>
-            <a:bodyPr lIns="0" rIns="0" tIns="0" bIns="0" anchorCtr="1" anchor="ctr" wrap="none"/>
-            <a:lstStyle/>
-            <a:p>
-              <a:pPr algn="l" marL="0" marR="0" indent="0">
-                <a:lnSpc>
-                  <a:spcPts val="1000"/>
-                </a:lnSpc>
-                <a:spcBef>
-                  <a:spcPts val="0"/>
-                </a:spcBef>
-                <a:spcAft>
-                  <a:spcPts val="0"/>
-                </a:spcAft>
-              </a:pPr>
-              <a:r>
-                <a:rPr sz="1000">
-                  <a:solidFill>
-                    <a:srgbClr val="000000">
-                      <a:alpha val="100000"/>
-                    </a:srgbClr>
-                  </a:solidFill>
-                  <a:latin typeface="Times New Roman"/>
-                  <a:cs typeface="Times New Roman"/>
-                </a:rPr>
-                <a:t>Metabolic Strategy</a:t>
-              </a:r>
-            </a:p>
-          </p:txBody>
-        </p:sp>
-        <p:sp>
-          <p:nvSpPr>
-            <p:cNvPr id="1157" name="rc1156"/>
-            <p:cNvSpPr/>
-            <p:nvPr/>
-          </p:nvSpPr>
-          <p:spPr>
-            <a:xfrm>
-              <a:off x="8885796" y="5378278"/>
-              <a:ext cx="219455" cy="219455"/>
-            </a:xfrm>
-            <a:prstGeom prst="rect">
-              <a:avLst/>
-            </a:prstGeom>
-            <a:solidFill>
-              <a:srgbClr val="FFFFFF">
-                <a:alpha val="100000"/>
-              </a:srgbClr>
-            </a:solidFill>
-            <a:ln w="13550" cap="rnd">
-              <a:solidFill>
-                <a:srgbClr val="FFFFFF">
-                  <a:alpha val="100000"/>
-                </a:srgbClr>
-              </a:solidFill>
-              <a:prstDash val="solid"/>
-              <a:round/>
-            </a:ln>
-          </p:spPr>
-          <p:txBody>
-            <a:bodyPr/>
-            <a:lstStyle/>
-            <a:p/>
-          </p:txBody>
-        </p:sp>
-        <p:sp>
-          <p:nvSpPr>
-            <p:cNvPr id="1158" name="rc1157"/>
-            <p:cNvSpPr/>
-            <p:nvPr/>
-          </p:nvSpPr>
-          <p:spPr>
-            <a:xfrm>
-              <a:off x="8887596" y="5380078"/>
-              <a:ext cx="215856" cy="215855"/>
-            </a:xfrm>
-            <a:prstGeom prst="rect">
-              <a:avLst/>
-            </a:prstGeom>
-            <a:solidFill>
-              <a:srgbClr val="3CBA26">
-                <a:alpha val="100000"/>
-              </a:srgbClr>
-            </a:solidFill>
-            <a:ln w="2710" cap="flat">
-              <a:solidFill>
-                <a:srgbClr val="FFFFFF">
-                  <a:alpha val="100000"/>
-                </a:srgbClr>
-              </a:solidFill>
-              <a:prstDash val="solid"/>
-              <a:miter/>
-            </a:ln>
-          </p:spPr>
-          <p:txBody>
-            <a:bodyPr/>
-            <a:lstStyle/>
-            <a:p/>
-          </p:txBody>
-        </p:sp>
-        <p:sp>
-          <p:nvSpPr>
-            <p:cNvPr id="1159" name="rc1158"/>
-            <p:cNvSpPr/>
-            <p:nvPr/>
-          </p:nvSpPr>
-          <p:spPr>
-            <a:xfrm>
-              <a:off x="8885796" y="5597734"/>
-              <a:ext cx="219455" cy="219455"/>
-            </a:xfrm>
-            <a:prstGeom prst="rect">
-              <a:avLst/>
-            </a:prstGeom>
-            <a:solidFill>
-              <a:srgbClr val="FFFFFF">
-                <a:alpha val="100000"/>
-              </a:srgbClr>
-            </a:solidFill>
-            <a:ln w="13550" cap="rnd">
-              <a:solidFill>
-                <a:srgbClr val="FFFFFF">
-                  <a:alpha val="100000"/>
-                </a:srgbClr>
-              </a:solidFill>
-              <a:prstDash val="solid"/>
-              <a:round/>
-            </a:ln>
-          </p:spPr>
-          <p:txBody>
-            <a:bodyPr/>
-            <a:lstStyle/>
-            <a:p/>
-          </p:txBody>
-        </p:sp>
-        <p:sp>
-          <p:nvSpPr>
-            <p:cNvPr id="1160" name="rc1159"/>
-            <p:cNvSpPr/>
-            <p:nvPr/>
-          </p:nvSpPr>
-          <p:spPr>
-            <a:xfrm>
-              <a:off x="8887596" y="5599534"/>
-              <a:ext cx="215856" cy="215855"/>
-            </a:xfrm>
-            <a:prstGeom prst="rect">
-              <a:avLst/>
-            </a:prstGeom>
-            <a:solidFill>
-              <a:srgbClr val="A87142">
-                <a:alpha val="100000"/>
-              </a:srgbClr>
-            </a:solidFill>
-            <a:ln w="2710" cap="flat">
-              <a:solidFill>
-                <a:srgbClr val="FFFFFF">
-                  <a:alpha val="100000"/>
-                </a:srgbClr>
-              </a:solidFill>
-              <a:prstDash val="solid"/>
-              <a:miter/>
-            </a:ln>
-          </p:spPr>
-          <p:txBody>
-            <a:bodyPr/>
-            <a:lstStyle/>
-            <a:p/>
-          </p:txBody>
-        </p:sp>
-        <p:sp>
-          <p:nvSpPr>
-            <p:cNvPr id="1161" name="rc1160"/>
-            <p:cNvSpPr/>
-            <p:nvPr/>
-          </p:nvSpPr>
-          <p:spPr>
-            <a:xfrm>
-              <a:off x="8885796" y="5817190"/>
-              <a:ext cx="219455" cy="219455"/>
-            </a:xfrm>
-            <a:prstGeom prst="rect">
-              <a:avLst/>
-            </a:prstGeom>
-            <a:solidFill>
-              <a:srgbClr val="FFFFFF">
-                <a:alpha val="100000"/>
-              </a:srgbClr>
-            </a:solidFill>
-            <a:ln w="13550" cap="rnd">
-              <a:solidFill>
-                <a:srgbClr val="FFFFFF">
-                  <a:alpha val="100000"/>
-                </a:srgbClr>
-              </a:solidFill>
-              <a:prstDash val="solid"/>
-              <a:round/>
-            </a:ln>
-          </p:spPr>
-          <p:txBody>
-            <a:bodyPr/>
-            <a:lstStyle/>
-            <a:p/>
-          </p:txBody>
-        </p:sp>
-        <p:sp>
-          <p:nvSpPr>
-            <p:cNvPr id="1162" name="rc1161"/>
-            <p:cNvSpPr/>
-            <p:nvPr/>
-          </p:nvSpPr>
-          <p:spPr>
-            <a:xfrm>
-              <a:off x="8887596" y="5818990"/>
-              <a:ext cx="215856" cy="215855"/>
-            </a:xfrm>
-            <a:prstGeom prst="rect">
-              <a:avLst/>
-            </a:prstGeom>
-            <a:solidFill>
-              <a:srgbClr val="63E3C5">
-                <a:alpha val="100000"/>
-              </a:srgbClr>
-            </a:solidFill>
-            <a:ln w="2710" cap="flat">
-              <a:solidFill>
-                <a:srgbClr val="FFFFFF">
-                  <a:alpha val="100000"/>
-                </a:srgbClr>
-              </a:solidFill>
-              <a:prstDash val="solid"/>
-              <a:miter/>
-            </a:ln>
-          </p:spPr>
-          <p:txBody>
-            <a:bodyPr/>
-            <a:lstStyle/>
-            <a:p/>
-          </p:txBody>
-        </p:sp>
-        <p:sp>
-          <p:nvSpPr>
-            <p:cNvPr id="1163" name="rc1162"/>
-            <p:cNvSpPr/>
-            <p:nvPr/>
-          </p:nvSpPr>
-          <p:spPr>
-            <a:xfrm>
-              <a:off x="8885796" y="6036646"/>
-              <a:ext cx="219455" cy="219455"/>
-            </a:xfrm>
-            <a:prstGeom prst="rect">
-              <a:avLst/>
-            </a:prstGeom>
-            <a:solidFill>
-              <a:srgbClr val="FFFFFF">
-                <a:alpha val="100000"/>
-              </a:srgbClr>
-            </a:solidFill>
-            <a:ln w="13550" cap="rnd">
-              <a:solidFill>
-                <a:srgbClr val="FFFFFF">
-                  <a:alpha val="100000"/>
-                </a:srgbClr>
-              </a:solidFill>
-              <a:prstDash val="solid"/>
-              <a:round/>
-            </a:ln>
-          </p:spPr>
-          <p:txBody>
-            <a:bodyPr/>
-            <a:lstStyle/>
-            <a:p/>
-          </p:txBody>
-        </p:sp>
-        <p:sp>
-          <p:nvSpPr>
-            <p:cNvPr id="1164" name="rc1163"/>
-            <p:cNvSpPr/>
-            <p:nvPr/>
-          </p:nvSpPr>
-          <p:spPr>
-            <a:xfrm>
-              <a:off x="8887596" y="6038446"/>
-              <a:ext cx="215856" cy="215855"/>
-            </a:xfrm>
-            <a:prstGeom prst="rect">
-              <a:avLst/>
-            </a:prstGeom>
-            <a:solidFill>
-              <a:srgbClr val="FE4A49">
-                <a:alpha val="100000"/>
-              </a:srgbClr>
-            </a:solidFill>
-            <a:ln w="2710" cap="flat">
-              <a:solidFill>
-                <a:srgbClr val="FFFFFF">
-                  <a:alpha val="100000"/>
-                </a:srgbClr>
-              </a:solidFill>
-              <a:prstDash val="solid"/>
-              <a:miter/>
-            </a:ln>
-          </p:spPr>
-          <p:txBody>
-            <a:bodyPr/>
-            <a:lstStyle/>
-            <a:p/>
-          </p:txBody>
-        </p:sp>
-        <p:sp>
-          <p:nvSpPr>
-            <p:cNvPr id="1165" name="tx1164"/>
-            <p:cNvSpPr/>
-            <p:nvPr/>
-          </p:nvSpPr>
-          <p:spPr>
-            <a:xfrm>
-              <a:off x="9174841" y="5447692"/>
-              <a:ext cx="337551" cy="63437"/>
-            </a:xfrm>
-            <a:prstGeom prst="rect">
-              <a:avLst/>
-            </a:prstGeom>
-            <a:noFill/>
-          </p:spPr>
-          <p:txBody>
-            <a:bodyPr lIns="0" rIns="0" tIns="0" bIns="0" anchorCtr="1" anchor="ctr" wrap="none"/>
-            <a:lstStyle/>
-            <a:p>
-              <a:pPr algn="l" marL="0" marR="0" indent="0">
-                <a:lnSpc>
-                  <a:spcPts val="550"/>
-                </a:lnSpc>
-                <a:spcBef>
-                  <a:spcPts val="0"/>
-                </a:spcBef>
-                <a:spcAft>
-                  <a:spcPts val="0"/>
-                </a:spcAft>
-              </a:pPr>
-              <a:r>
-                <a:rPr sz="550">
-                  <a:solidFill>
-                    <a:srgbClr val="000000">
-                      <a:alpha val="100000"/>
-                    </a:srgbClr>
-                  </a:solidFill>
-                  <a:latin typeface="Times New Roman"/>
-                  <a:cs typeface="Times New Roman"/>
-                </a:rPr>
-                <a:t>Autotrophic</a:t>
-              </a:r>
-            </a:p>
-          </p:txBody>
-        </p:sp>
-        <p:sp>
-          <p:nvSpPr>
-            <p:cNvPr id="1166" name="tx1165"/>
-            <p:cNvSpPr/>
-            <p:nvPr/>
-          </p:nvSpPr>
-          <p:spPr>
-            <a:xfrm>
-              <a:off x="9174841" y="5667148"/>
-              <a:ext cx="337483" cy="63437"/>
-            </a:xfrm>
-            <a:prstGeom prst="rect">
-              <a:avLst/>
-            </a:prstGeom>
-            <a:noFill/>
-          </p:spPr>
-          <p:txBody>
-            <a:bodyPr lIns="0" rIns="0" tIns="0" bIns="0" anchorCtr="1" anchor="ctr" wrap="none"/>
-            <a:lstStyle/>
-            <a:p>
-              <a:pPr algn="l" marL="0" marR="0" indent="0">
-                <a:lnSpc>
-                  <a:spcPts val="550"/>
-                </a:lnSpc>
-                <a:spcBef>
-                  <a:spcPts val="0"/>
-                </a:spcBef>
-                <a:spcAft>
-                  <a:spcPts val="0"/>
-                </a:spcAft>
-              </a:pPr>
-              <a:r>
-                <a:rPr sz="550">
-                  <a:solidFill>
-                    <a:srgbClr val="000000">
-                      <a:alpha val="100000"/>
-                    </a:srgbClr>
-                  </a:solidFill>
-                  <a:latin typeface="Times New Roman"/>
-                  <a:cs typeface="Times New Roman"/>
-                </a:rPr>
-                <a:t>Heterotroph</a:t>
-              </a:r>
-            </a:p>
-          </p:txBody>
-        </p:sp>
-        <p:sp>
-          <p:nvSpPr>
-            <p:cNvPr id="1167" name="tx1166"/>
-            <p:cNvSpPr/>
-            <p:nvPr/>
-          </p:nvSpPr>
-          <p:spPr>
-            <a:xfrm>
-              <a:off x="9174841" y="5886604"/>
-              <a:ext cx="298806" cy="63437"/>
-            </a:xfrm>
-            <a:prstGeom prst="rect">
-              <a:avLst/>
-            </a:prstGeom>
-            <a:noFill/>
-          </p:spPr>
-          <p:txBody>
-            <a:bodyPr lIns="0" rIns="0" tIns="0" bIns="0" anchorCtr="1" anchor="ctr" wrap="none"/>
-            <a:lstStyle/>
-            <a:p>
-              <a:pPr algn="l" marL="0" marR="0" indent="0">
-                <a:lnSpc>
-                  <a:spcPts val="550"/>
-                </a:lnSpc>
-                <a:spcBef>
-                  <a:spcPts val="0"/>
-                </a:spcBef>
-                <a:spcAft>
-                  <a:spcPts val="0"/>
-                </a:spcAft>
-              </a:pPr>
-              <a:r>
-                <a:rPr sz="550">
-                  <a:solidFill>
-                    <a:srgbClr val="000000">
-                      <a:alpha val="100000"/>
-                    </a:srgbClr>
-                  </a:solidFill>
-                  <a:latin typeface="Times New Roman"/>
-                  <a:cs typeface="Times New Roman"/>
-                </a:rPr>
-                <a:t>Mixotroph</a:t>
-              </a:r>
-            </a:p>
-          </p:txBody>
-        </p:sp>
-        <p:sp>
-          <p:nvSpPr>
-            <p:cNvPr id="1168" name="tx1167"/>
-            <p:cNvSpPr/>
-            <p:nvPr/>
-          </p:nvSpPr>
-          <p:spPr>
-            <a:xfrm>
-              <a:off x="9174841" y="6120044"/>
-              <a:ext cx="221112" cy="49454"/>
-            </a:xfrm>
-            <a:prstGeom prst="rect">
-              <a:avLst/>
-            </a:prstGeom>
-            <a:noFill/>
-          </p:spPr>
-          <p:txBody>
-            <a:bodyPr lIns="0" rIns="0" tIns="0" bIns="0" anchorCtr="1" anchor="ctr" wrap="none"/>
-            <a:lstStyle/>
-            <a:p>
-              <a:pPr algn="l" marL="0" marR="0" indent="0">
-                <a:lnSpc>
-                  <a:spcPts val="550"/>
-                </a:lnSpc>
-                <a:spcBef>
-                  <a:spcPts val="0"/>
-                </a:spcBef>
-                <a:spcAft>
-                  <a:spcPts val="0"/>
-                </a:spcAft>
-              </a:pPr>
-              <a:r>
-                <a:rPr sz="550">
-                  <a:solidFill>
-                    <a:srgbClr val="000000">
-                      <a:alpha val="100000"/>
-                    </a:srgbClr>
-                  </a:solidFill>
-                  <a:latin typeface="Times New Roman"/>
-                  <a:cs typeface="Times New Roman"/>
-                </a:rPr>
-                <a:t>Parasite</a:t>
-              </a:r>
-            </a:p>
-          </p:txBody>
-        </p:sp>
-        <p:sp>
-          <p:nvSpPr>
-            <p:cNvPr id="1169" name="tx1168"/>
+            <p:cNvPr id="1171" name="tx1170"/>
             <p:cNvSpPr/>
             <p:nvPr/>
           </p:nvSpPr>
@@ -46413,7 +46494,7 @@
         </p:sp>
         <p:sp>
           <p:nvSpPr>
-            <p:cNvPr id="1170" name="tx1169"/>
+            <p:cNvPr id="1172" name="tx1171"/>
             <p:cNvSpPr/>
             <p:nvPr/>
           </p:nvSpPr>

--- a/Images/Figures_PPT/StramenopileHeatPlotMetaPlot.pptx
+++ b/Images/Figures_PPT/StramenopileHeatPlotMetaPlot.pptx
@@ -23014,8 +23014,8 @@
           </p:nvSpPr>
           <p:spPr>
             <a:xfrm>
-              <a:off x="5933024" y="7153214"/>
-              <a:ext cx="249673" cy="57602"/>
+              <a:off x="5971436" y="7153214"/>
+              <a:ext cx="326495" cy="57602"/>
             </a:xfrm>
             <a:prstGeom prst="rect">
               <a:avLst/>
@@ -23049,8 +23049,8 @@
           </p:nvSpPr>
           <p:spPr>
             <a:xfrm>
-              <a:off x="5933024" y="7095611"/>
-              <a:ext cx="249673" cy="57602"/>
+              <a:off x="5971436" y="7095611"/>
+              <a:ext cx="326495" cy="57602"/>
             </a:xfrm>
             <a:prstGeom prst="rect">
               <a:avLst/>
@@ -23084,8 +23084,8 @@
           </p:nvSpPr>
           <p:spPr>
             <a:xfrm>
-              <a:off x="5933024" y="7038009"/>
-              <a:ext cx="249673" cy="57602"/>
+              <a:off x="5971436" y="7038009"/>
+              <a:ext cx="326495" cy="57602"/>
             </a:xfrm>
             <a:prstGeom prst="rect">
               <a:avLst/>
@@ -23119,8 +23119,8 @@
           </p:nvSpPr>
           <p:spPr>
             <a:xfrm>
-              <a:off x="5933024" y="6980407"/>
-              <a:ext cx="249673" cy="57602"/>
+              <a:off x="5971436" y="6980407"/>
+              <a:ext cx="326495" cy="57602"/>
             </a:xfrm>
             <a:prstGeom prst="rect">
               <a:avLst/>
@@ -23154,8 +23154,8 @@
           </p:nvSpPr>
           <p:spPr>
             <a:xfrm>
-              <a:off x="5933024" y="6922805"/>
-              <a:ext cx="249673" cy="57602"/>
+              <a:off x="5971436" y="6922805"/>
+              <a:ext cx="326495" cy="57602"/>
             </a:xfrm>
             <a:prstGeom prst="rect">
               <a:avLst/>
@@ -23189,8 +23189,8 @@
           </p:nvSpPr>
           <p:spPr>
             <a:xfrm>
-              <a:off x="5933024" y="6865202"/>
-              <a:ext cx="249673" cy="57602"/>
+              <a:off x="5971436" y="6865202"/>
+              <a:ext cx="326495" cy="57602"/>
             </a:xfrm>
             <a:prstGeom prst="rect">
               <a:avLst/>
@@ -23224,8 +23224,8 @@
           </p:nvSpPr>
           <p:spPr>
             <a:xfrm>
-              <a:off x="5933024" y="6807600"/>
-              <a:ext cx="249673" cy="57602"/>
+              <a:off x="5971436" y="6807600"/>
+              <a:ext cx="326495" cy="57602"/>
             </a:xfrm>
             <a:prstGeom prst="rect">
               <a:avLst/>
@@ -23259,8 +23259,8 @@
           </p:nvSpPr>
           <p:spPr>
             <a:xfrm>
-              <a:off x="5933024" y="6749998"/>
-              <a:ext cx="249673" cy="57602"/>
+              <a:off x="5971436" y="6749998"/>
+              <a:ext cx="326495" cy="57602"/>
             </a:xfrm>
             <a:prstGeom prst="rect">
               <a:avLst/>
@@ -23294,8 +23294,8 @@
           </p:nvSpPr>
           <p:spPr>
             <a:xfrm>
-              <a:off x="5933024" y="6692396"/>
-              <a:ext cx="249673" cy="57602"/>
+              <a:off x="5971436" y="6692396"/>
+              <a:ext cx="326495" cy="57602"/>
             </a:xfrm>
             <a:prstGeom prst="rect">
               <a:avLst/>
@@ -23329,8 +23329,8 @@
           </p:nvSpPr>
           <p:spPr>
             <a:xfrm>
-              <a:off x="5933024" y="6634794"/>
-              <a:ext cx="249673" cy="57602"/>
+              <a:off x="5971436" y="6634794"/>
+              <a:ext cx="326495" cy="57602"/>
             </a:xfrm>
             <a:prstGeom prst="rect">
               <a:avLst/>
@@ -23364,8 +23364,8 @@
           </p:nvSpPr>
           <p:spPr>
             <a:xfrm>
-              <a:off x="5933024" y="6577191"/>
-              <a:ext cx="249673" cy="57602"/>
+              <a:off x="5971436" y="6577191"/>
+              <a:ext cx="326495" cy="57602"/>
             </a:xfrm>
             <a:prstGeom prst="rect">
               <a:avLst/>
@@ -23399,8 +23399,8 @@
           </p:nvSpPr>
           <p:spPr>
             <a:xfrm>
-              <a:off x="5933024" y="6519589"/>
-              <a:ext cx="249673" cy="57602"/>
+              <a:off x="5971436" y="6519589"/>
+              <a:ext cx="326495" cy="57602"/>
             </a:xfrm>
             <a:prstGeom prst="rect">
               <a:avLst/>
@@ -23434,8 +23434,8 @@
           </p:nvSpPr>
           <p:spPr>
             <a:xfrm>
-              <a:off x="5933024" y="6461987"/>
-              <a:ext cx="249673" cy="57602"/>
+              <a:off x="5971436" y="6461987"/>
+              <a:ext cx="326495" cy="57602"/>
             </a:xfrm>
             <a:prstGeom prst="rect">
               <a:avLst/>
@@ -23469,8 +23469,8 @@
           </p:nvSpPr>
           <p:spPr>
             <a:xfrm>
-              <a:off x="5933024" y="6404385"/>
-              <a:ext cx="249673" cy="57602"/>
+              <a:off x="5971436" y="6404385"/>
+              <a:ext cx="326495" cy="57602"/>
             </a:xfrm>
             <a:prstGeom prst="rect">
               <a:avLst/>
@@ -23504,8 +23504,8 @@
           </p:nvSpPr>
           <p:spPr>
             <a:xfrm>
-              <a:off x="5933024" y="6346782"/>
-              <a:ext cx="249673" cy="57602"/>
+              <a:off x="5971436" y="6346782"/>
+              <a:ext cx="326495" cy="57602"/>
             </a:xfrm>
             <a:prstGeom prst="rect">
               <a:avLst/>
@@ -23539,8 +23539,8 @@
           </p:nvSpPr>
           <p:spPr>
             <a:xfrm>
-              <a:off x="5933024" y="6289180"/>
-              <a:ext cx="249673" cy="57602"/>
+              <a:off x="5971436" y="6289180"/>
+              <a:ext cx="326495" cy="57602"/>
             </a:xfrm>
             <a:prstGeom prst="rect">
               <a:avLst/>
@@ -23574,8 +23574,8 @@
           </p:nvSpPr>
           <p:spPr>
             <a:xfrm>
-              <a:off x="5933024" y="6231578"/>
-              <a:ext cx="249673" cy="57602"/>
+              <a:off x="5971436" y="6231578"/>
+              <a:ext cx="326495" cy="57602"/>
             </a:xfrm>
             <a:prstGeom prst="rect">
               <a:avLst/>
@@ -23609,8 +23609,8 @@
           </p:nvSpPr>
           <p:spPr>
             <a:xfrm>
-              <a:off x="5933024" y="6173976"/>
-              <a:ext cx="249673" cy="57602"/>
+              <a:off x="5971436" y="6173976"/>
+              <a:ext cx="326495" cy="57602"/>
             </a:xfrm>
             <a:prstGeom prst="rect">
               <a:avLst/>
@@ -23644,8 +23644,8 @@
           </p:nvSpPr>
           <p:spPr>
             <a:xfrm>
-              <a:off x="5933024" y="6116373"/>
-              <a:ext cx="249673" cy="57602"/>
+              <a:off x="5971436" y="6116373"/>
+              <a:ext cx="326495" cy="57602"/>
             </a:xfrm>
             <a:prstGeom prst="rect">
               <a:avLst/>
@@ -23679,8 +23679,8 @@
           </p:nvSpPr>
           <p:spPr>
             <a:xfrm>
-              <a:off x="5933024" y="6058771"/>
-              <a:ext cx="249673" cy="57602"/>
+              <a:off x="5971436" y="6058771"/>
+              <a:ext cx="326495" cy="57602"/>
             </a:xfrm>
             <a:prstGeom prst="rect">
               <a:avLst/>
@@ -23714,8 +23714,8 @@
           </p:nvSpPr>
           <p:spPr>
             <a:xfrm>
-              <a:off x="5933024" y="6001169"/>
-              <a:ext cx="249673" cy="57602"/>
+              <a:off x="5971436" y="6001169"/>
+              <a:ext cx="326495" cy="57602"/>
             </a:xfrm>
             <a:prstGeom prst="rect">
               <a:avLst/>
@@ -23749,8 +23749,8 @@
           </p:nvSpPr>
           <p:spPr>
             <a:xfrm>
-              <a:off x="5933024" y="5943567"/>
-              <a:ext cx="249673" cy="57602"/>
+              <a:off x="5971436" y="5943567"/>
+              <a:ext cx="326495" cy="57602"/>
             </a:xfrm>
             <a:prstGeom prst="rect">
               <a:avLst/>
@@ -23784,8 +23784,8 @@
           </p:nvSpPr>
           <p:spPr>
             <a:xfrm>
-              <a:off x="5933024" y="5885964"/>
-              <a:ext cx="249673" cy="57602"/>
+              <a:off x="5971436" y="5885964"/>
+              <a:ext cx="326495" cy="57602"/>
             </a:xfrm>
             <a:prstGeom prst="rect">
               <a:avLst/>
@@ -23819,8 +23819,8 @@
           </p:nvSpPr>
           <p:spPr>
             <a:xfrm>
-              <a:off x="5933024" y="5828362"/>
-              <a:ext cx="249673" cy="57602"/>
+              <a:off x="5971436" y="5828362"/>
+              <a:ext cx="326495" cy="57602"/>
             </a:xfrm>
             <a:prstGeom prst="rect">
               <a:avLst/>
@@ -23854,8 +23854,8 @@
           </p:nvSpPr>
           <p:spPr>
             <a:xfrm>
-              <a:off x="5933024" y="5770760"/>
-              <a:ext cx="249673" cy="57602"/>
+              <a:off x="5971436" y="5770760"/>
+              <a:ext cx="326495" cy="57602"/>
             </a:xfrm>
             <a:prstGeom prst="rect">
               <a:avLst/>
@@ -23889,8 +23889,8 @@
           </p:nvSpPr>
           <p:spPr>
             <a:xfrm>
-              <a:off x="5933024" y="5713158"/>
-              <a:ext cx="249673" cy="57602"/>
+              <a:off x="5971436" y="5713158"/>
+              <a:ext cx="326495" cy="57602"/>
             </a:xfrm>
             <a:prstGeom prst="rect">
               <a:avLst/>
@@ -23924,8 +23924,8 @@
           </p:nvSpPr>
           <p:spPr>
             <a:xfrm>
-              <a:off x="5933024" y="5655555"/>
-              <a:ext cx="249673" cy="57602"/>
+              <a:off x="5971436" y="5655555"/>
+              <a:ext cx="326495" cy="57602"/>
             </a:xfrm>
             <a:prstGeom prst="rect">
               <a:avLst/>
@@ -23959,8 +23959,8 @@
           </p:nvSpPr>
           <p:spPr>
             <a:xfrm>
-              <a:off x="5933024" y="5597953"/>
-              <a:ext cx="249673" cy="57602"/>
+              <a:off x="5971436" y="5597953"/>
+              <a:ext cx="326495" cy="57602"/>
             </a:xfrm>
             <a:prstGeom prst="rect">
               <a:avLst/>
@@ -23994,8 +23994,8 @@
           </p:nvSpPr>
           <p:spPr>
             <a:xfrm>
-              <a:off x="5933024" y="5540351"/>
-              <a:ext cx="249673" cy="57602"/>
+              <a:off x="5971436" y="5540351"/>
+              <a:ext cx="326495" cy="57602"/>
             </a:xfrm>
             <a:prstGeom prst="rect">
               <a:avLst/>
@@ -24029,8 +24029,8 @@
           </p:nvSpPr>
           <p:spPr>
             <a:xfrm>
-              <a:off x="5933024" y="5482749"/>
-              <a:ext cx="249673" cy="57602"/>
+              <a:off x="5971436" y="5482749"/>
+              <a:ext cx="326495" cy="57602"/>
             </a:xfrm>
             <a:prstGeom prst="rect">
               <a:avLst/>
@@ -24064,8 +24064,8 @@
           </p:nvSpPr>
           <p:spPr>
             <a:xfrm>
-              <a:off x="5933024" y="5425146"/>
-              <a:ext cx="249673" cy="57602"/>
+              <a:off x="5971436" y="5425146"/>
+              <a:ext cx="326495" cy="57602"/>
             </a:xfrm>
             <a:prstGeom prst="rect">
               <a:avLst/>
@@ -24099,8 +24099,8 @@
           </p:nvSpPr>
           <p:spPr>
             <a:xfrm>
-              <a:off x="5933024" y="5367544"/>
-              <a:ext cx="249673" cy="57602"/>
+              <a:off x="5971436" y="5367544"/>
+              <a:ext cx="326495" cy="57602"/>
             </a:xfrm>
             <a:prstGeom prst="rect">
               <a:avLst/>
@@ -24134,8 +24134,8 @@
           </p:nvSpPr>
           <p:spPr>
             <a:xfrm>
-              <a:off x="5933024" y="5309942"/>
-              <a:ext cx="249673" cy="57602"/>
+              <a:off x="5971436" y="5309942"/>
+              <a:ext cx="326495" cy="57602"/>
             </a:xfrm>
             <a:prstGeom prst="rect">
               <a:avLst/>
@@ -24169,8 +24169,8 @@
           </p:nvSpPr>
           <p:spPr>
             <a:xfrm>
-              <a:off x="5933024" y="5252340"/>
-              <a:ext cx="249673" cy="57602"/>
+              <a:off x="5971436" y="5252340"/>
+              <a:ext cx="326495" cy="57602"/>
             </a:xfrm>
             <a:prstGeom prst="rect">
               <a:avLst/>
@@ -24204,8 +24204,8 @@
           </p:nvSpPr>
           <p:spPr>
             <a:xfrm>
-              <a:off x="5933024" y="5194737"/>
-              <a:ext cx="249673" cy="57602"/>
+              <a:off x="5971436" y="5194737"/>
+              <a:ext cx="326495" cy="57602"/>
             </a:xfrm>
             <a:prstGeom prst="rect">
               <a:avLst/>
@@ -24239,8 +24239,8 @@
           </p:nvSpPr>
           <p:spPr>
             <a:xfrm>
-              <a:off x="5933024" y="5137135"/>
-              <a:ext cx="249673" cy="57602"/>
+              <a:off x="5971436" y="5137135"/>
+              <a:ext cx="326495" cy="57602"/>
             </a:xfrm>
             <a:prstGeom prst="rect">
               <a:avLst/>
@@ -24274,8 +24274,8 @@
           </p:nvSpPr>
           <p:spPr>
             <a:xfrm>
-              <a:off x="5933024" y="5079533"/>
-              <a:ext cx="249673" cy="57602"/>
+              <a:off x="5971436" y="5079533"/>
+              <a:ext cx="326495" cy="57602"/>
             </a:xfrm>
             <a:prstGeom prst="rect">
               <a:avLst/>
@@ -24309,8 +24309,8 @@
           </p:nvSpPr>
           <p:spPr>
             <a:xfrm>
-              <a:off x="5933024" y="5021931"/>
-              <a:ext cx="249673" cy="57602"/>
+              <a:off x="5971436" y="5021931"/>
+              <a:ext cx="326495" cy="57602"/>
             </a:xfrm>
             <a:prstGeom prst="rect">
               <a:avLst/>
@@ -24344,8 +24344,8 @@
           </p:nvSpPr>
           <p:spPr>
             <a:xfrm>
-              <a:off x="5933024" y="4964329"/>
-              <a:ext cx="249673" cy="57602"/>
+              <a:off x="5971436" y="4964329"/>
+              <a:ext cx="326495" cy="57602"/>
             </a:xfrm>
             <a:prstGeom prst="rect">
               <a:avLst/>
@@ -24379,8 +24379,8 @@
           </p:nvSpPr>
           <p:spPr>
             <a:xfrm>
-              <a:off x="5933024" y="4906726"/>
-              <a:ext cx="249673" cy="57602"/>
+              <a:off x="5971436" y="4906726"/>
+              <a:ext cx="326495" cy="57602"/>
             </a:xfrm>
             <a:prstGeom prst="rect">
               <a:avLst/>
@@ -24414,8 +24414,8 @@
           </p:nvSpPr>
           <p:spPr>
             <a:xfrm>
-              <a:off x="5933024" y="4849124"/>
-              <a:ext cx="249673" cy="57602"/>
+              <a:off x="5971436" y="4849124"/>
+              <a:ext cx="326495" cy="57602"/>
             </a:xfrm>
             <a:prstGeom prst="rect">
               <a:avLst/>
@@ -24449,8 +24449,8 @@
           </p:nvSpPr>
           <p:spPr>
             <a:xfrm>
-              <a:off x="5933024" y="4791522"/>
-              <a:ext cx="249673" cy="57602"/>
+              <a:off x="5971436" y="4791522"/>
+              <a:ext cx="326495" cy="57602"/>
             </a:xfrm>
             <a:prstGeom prst="rect">
               <a:avLst/>
@@ -24484,8 +24484,8 @@
           </p:nvSpPr>
           <p:spPr>
             <a:xfrm>
-              <a:off x="5933024" y="4733920"/>
-              <a:ext cx="249673" cy="57602"/>
+              <a:off x="5971436" y="4733920"/>
+              <a:ext cx="326495" cy="57602"/>
             </a:xfrm>
             <a:prstGeom prst="rect">
               <a:avLst/>
@@ -24519,8 +24519,8 @@
           </p:nvSpPr>
           <p:spPr>
             <a:xfrm>
-              <a:off x="5933024" y="4676317"/>
-              <a:ext cx="249673" cy="57602"/>
+              <a:off x="5971436" y="4676317"/>
+              <a:ext cx="326495" cy="57602"/>
             </a:xfrm>
             <a:prstGeom prst="rect">
               <a:avLst/>
@@ -24554,8 +24554,8 @@
           </p:nvSpPr>
           <p:spPr>
             <a:xfrm>
-              <a:off x="5933024" y="4618715"/>
-              <a:ext cx="249673" cy="57602"/>
+              <a:off x="5971436" y="4618715"/>
+              <a:ext cx="326495" cy="57602"/>
             </a:xfrm>
             <a:prstGeom prst="rect">
               <a:avLst/>
@@ -24589,8 +24589,8 @@
           </p:nvSpPr>
           <p:spPr>
             <a:xfrm>
-              <a:off x="5933024" y="4561113"/>
-              <a:ext cx="249673" cy="57602"/>
+              <a:off x="5971436" y="4561113"/>
+              <a:ext cx="326495" cy="57602"/>
             </a:xfrm>
             <a:prstGeom prst="rect">
               <a:avLst/>
@@ -24624,8 +24624,8 @@
           </p:nvSpPr>
           <p:spPr>
             <a:xfrm>
-              <a:off x="5933024" y="4503511"/>
-              <a:ext cx="249673" cy="57602"/>
+              <a:off x="5971436" y="4503511"/>
+              <a:ext cx="326495" cy="57602"/>
             </a:xfrm>
             <a:prstGeom prst="rect">
               <a:avLst/>
@@ -24659,8 +24659,8 @@
           </p:nvSpPr>
           <p:spPr>
             <a:xfrm>
-              <a:off x="5933024" y="4445908"/>
-              <a:ext cx="249673" cy="57602"/>
+              <a:off x="5971436" y="4445908"/>
+              <a:ext cx="326495" cy="57602"/>
             </a:xfrm>
             <a:prstGeom prst="rect">
               <a:avLst/>
@@ -24694,8 +24694,8 @@
           </p:nvSpPr>
           <p:spPr>
             <a:xfrm>
-              <a:off x="5933024" y="4388306"/>
-              <a:ext cx="249673" cy="57602"/>
+              <a:off x="5971436" y="4388306"/>
+              <a:ext cx="326495" cy="57602"/>
             </a:xfrm>
             <a:prstGeom prst="rect">
               <a:avLst/>
@@ -24729,8 +24729,8 @@
           </p:nvSpPr>
           <p:spPr>
             <a:xfrm>
-              <a:off x="5933024" y="4330704"/>
-              <a:ext cx="249673" cy="57602"/>
+              <a:off x="5971436" y="4330704"/>
+              <a:ext cx="326495" cy="57602"/>
             </a:xfrm>
             <a:prstGeom prst="rect">
               <a:avLst/>
@@ -24764,8 +24764,8 @@
           </p:nvSpPr>
           <p:spPr>
             <a:xfrm>
-              <a:off x="5933024" y="4273102"/>
-              <a:ext cx="249673" cy="57602"/>
+              <a:off x="5971436" y="4273102"/>
+              <a:ext cx="326495" cy="57602"/>
             </a:xfrm>
             <a:prstGeom prst="rect">
               <a:avLst/>
@@ -24799,8 +24799,8 @@
           </p:nvSpPr>
           <p:spPr>
             <a:xfrm>
-              <a:off x="5933024" y="4215499"/>
-              <a:ext cx="249673" cy="57602"/>
+              <a:off x="5971436" y="4215499"/>
+              <a:ext cx="326495" cy="57602"/>
             </a:xfrm>
             <a:prstGeom prst="rect">
               <a:avLst/>
@@ -24834,8 +24834,8 @@
           </p:nvSpPr>
           <p:spPr>
             <a:xfrm>
-              <a:off x="5933024" y="4157897"/>
-              <a:ext cx="249673" cy="57602"/>
+              <a:off x="5971436" y="4157897"/>
+              <a:ext cx="326495" cy="57602"/>
             </a:xfrm>
             <a:prstGeom prst="rect">
               <a:avLst/>
@@ -24869,8 +24869,8 @@
           </p:nvSpPr>
           <p:spPr>
             <a:xfrm>
-              <a:off x="5933024" y="4100295"/>
-              <a:ext cx="249673" cy="57602"/>
+              <a:off x="5971436" y="4100295"/>
+              <a:ext cx="326495" cy="57602"/>
             </a:xfrm>
             <a:prstGeom prst="rect">
               <a:avLst/>
@@ -24904,8 +24904,8 @@
           </p:nvSpPr>
           <p:spPr>
             <a:xfrm>
-              <a:off x="5933024" y="4042693"/>
-              <a:ext cx="249673" cy="57602"/>
+              <a:off x="5971436" y="4042693"/>
+              <a:ext cx="326495" cy="57602"/>
             </a:xfrm>
             <a:prstGeom prst="rect">
               <a:avLst/>
@@ -24939,8 +24939,8 @@
           </p:nvSpPr>
           <p:spPr>
             <a:xfrm>
-              <a:off x="5933024" y="3985090"/>
-              <a:ext cx="249673" cy="57602"/>
+              <a:off x="5971436" y="3985090"/>
+              <a:ext cx="326495" cy="57602"/>
             </a:xfrm>
             <a:prstGeom prst="rect">
               <a:avLst/>
@@ -24974,8 +24974,8 @@
           </p:nvSpPr>
           <p:spPr>
             <a:xfrm>
-              <a:off x="5933024" y="3927488"/>
-              <a:ext cx="249673" cy="57602"/>
+              <a:off x="5971436" y="3927488"/>
+              <a:ext cx="326495" cy="57602"/>
             </a:xfrm>
             <a:prstGeom prst="rect">
               <a:avLst/>
@@ -25009,8 +25009,8 @@
           </p:nvSpPr>
           <p:spPr>
             <a:xfrm>
-              <a:off x="5933024" y="3869886"/>
-              <a:ext cx="249673" cy="57602"/>
+              <a:off x="5971436" y="3869886"/>
+              <a:ext cx="326495" cy="57602"/>
             </a:xfrm>
             <a:prstGeom prst="rect">
               <a:avLst/>
@@ -25044,8 +25044,8 @@
           </p:nvSpPr>
           <p:spPr>
             <a:xfrm>
-              <a:off x="5933024" y="3812284"/>
-              <a:ext cx="249673" cy="57602"/>
+              <a:off x="5971436" y="3812284"/>
+              <a:ext cx="326495" cy="57602"/>
             </a:xfrm>
             <a:prstGeom prst="rect">
               <a:avLst/>
@@ -25079,8 +25079,8 @@
           </p:nvSpPr>
           <p:spPr>
             <a:xfrm>
-              <a:off x="5933024" y="3754681"/>
-              <a:ext cx="249673" cy="57602"/>
+              <a:off x="5971436" y="3754681"/>
+              <a:ext cx="326495" cy="57602"/>
             </a:xfrm>
             <a:prstGeom prst="rect">
               <a:avLst/>
@@ -25114,8 +25114,8 @@
           </p:nvSpPr>
           <p:spPr>
             <a:xfrm>
-              <a:off x="5933024" y="3697079"/>
-              <a:ext cx="249673" cy="57602"/>
+              <a:off x="5971436" y="3697079"/>
+              <a:ext cx="326495" cy="57602"/>
             </a:xfrm>
             <a:prstGeom prst="rect">
               <a:avLst/>
@@ -25149,8 +25149,8 @@
           </p:nvSpPr>
           <p:spPr>
             <a:xfrm>
-              <a:off x="5933024" y="3639477"/>
-              <a:ext cx="249673" cy="57602"/>
+              <a:off x="5971436" y="3639477"/>
+              <a:ext cx="326495" cy="57602"/>
             </a:xfrm>
             <a:prstGeom prst="rect">
               <a:avLst/>
@@ -25184,8 +25184,8 @@
           </p:nvSpPr>
           <p:spPr>
             <a:xfrm>
-              <a:off x="5933024" y="3581875"/>
-              <a:ext cx="249673" cy="57602"/>
+              <a:off x="5971436" y="3581875"/>
+              <a:ext cx="326495" cy="57602"/>
             </a:xfrm>
             <a:prstGeom prst="rect">
               <a:avLst/>
@@ -25219,8 +25219,8 @@
           </p:nvSpPr>
           <p:spPr>
             <a:xfrm>
-              <a:off x="5933024" y="3524272"/>
-              <a:ext cx="249673" cy="57602"/>
+              <a:off x="5971436" y="3524272"/>
+              <a:ext cx="326495" cy="57602"/>
             </a:xfrm>
             <a:prstGeom prst="rect">
               <a:avLst/>
@@ -25254,8 +25254,8 @@
           </p:nvSpPr>
           <p:spPr>
             <a:xfrm>
-              <a:off x="5933024" y="3466670"/>
-              <a:ext cx="249673" cy="57602"/>
+              <a:off x="5971436" y="3466670"/>
+              <a:ext cx="326495" cy="57602"/>
             </a:xfrm>
             <a:prstGeom prst="rect">
               <a:avLst/>
@@ -25289,8 +25289,8 @@
           </p:nvSpPr>
           <p:spPr>
             <a:xfrm>
-              <a:off x="5933024" y="3409068"/>
-              <a:ext cx="249673" cy="57602"/>
+              <a:off x="5971436" y="3409068"/>
+              <a:ext cx="326495" cy="57602"/>
             </a:xfrm>
             <a:prstGeom prst="rect">
               <a:avLst/>
@@ -25324,8 +25324,8 @@
           </p:nvSpPr>
           <p:spPr>
             <a:xfrm>
-              <a:off x="5933024" y="3351466"/>
-              <a:ext cx="249673" cy="57602"/>
+              <a:off x="5971436" y="3351466"/>
+              <a:ext cx="326495" cy="57602"/>
             </a:xfrm>
             <a:prstGeom prst="rect">
               <a:avLst/>
@@ -25359,8 +25359,8 @@
           </p:nvSpPr>
           <p:spPr>
             <a:xfrm>
-              <a:off x="5933024" y="3293864"/>
-              <a:ext cx="249673" cy="57602"/>
+              <a:off x="5971436" y="3293864"/>
+              <a:ext cx="326495" cy="57602"/>
             </a:xfrm>
             <a:prstGeom prst="rect">
               <a:avLst/>
@@ -25394,8 +25394,8 @@
           </p:nvSpPr>
           <p:spPr>
             <a:xfrm>
-              <a:off x="5933024" y="3236261"/>
-              <a:ext cx="249673" cy="57602"/>
+              <a:off x="5971436" y="3236261"/>
+              <a:ext cx="326495" cy="57602"/>
             </a:xfrm>
             <a:prstGeom prst="rect">
               <a:avLst/>
@@ -25429,8 +25429,8 @@
           </p:nvSpPr>
           <p:spPr>
             <a:xfrm>
-              <a:off x="5933024" y="3178659"/>
-              <a:ext cx="249673" cy="57602"/>
+              <a:off x="5971436" y="3178659"/>
+              <a:ext cx="326495" cy="57602"/>
             </a:xfrm>
             <a:prstGeom prst="rect">
               <a:avLst/>
@@ -25464,8 +25464,8 @@
           </p:nvSpPr>
           <p:spPr>
             <a:xfrm>
-              <a:off x="5933024" y="3121057"/>
-              <a:ext cx="249673" cy="57602"/>
+              <a:off x="5971436" y="3121057"/>
+              <a:ext cx="326495" cy="57602"/>
             </a:xfrm>
             <a:prstGeom prst="rect">
               <a:avLst/>
@@ -25499,8 +25499,8 @@
           </p:nvSpPr>
           <p:spPr>
             <a:xfrm>
-              <a:off x="5933024" y="3063455"/>
-              <a:ext cx="249673" cy="57602"/>
+              <a:off x="5971436" y="3063455"/>
+              <a:ext cx="326495" cy="57602"/>
             </a:xfrm>
             <a:prstGeom prst="rect">
               <a:avLst/>
@@ -25534,8 +25534,8 @@
           </p:nvSpPr>
           <p:spPr>
             <a:xfrm>
-              <a:off x="5933024" y="3005852"/>
-              <a:ext cx="249673" cy="57602"/>
+              <a:off x="5971436" y="3005852"/>
+              <a:ext cx="326495" cy="57602"/>
             </a:xfrm>
             <a:prstGeom prst="rect">
               <a:avLst/>
@@ -25569,8 +25569,8 @@
           </p:nvSpPr>
           <p:spPr>
             <a:xfrm>
-              <a:off x="5933024" y="2948250"/>
-              <a:ext cx="249673" cy="57602"/>
+              <a:off x="5971436" y="2948250"/>
+              <a:ext cx="326495" cy="57602"/>
             </a:xfrm>
             <a:prstGeom prst="rect">
               <a:avLst/>
@@ -25604,8 +25604,8 @@
           </p:nvSpPr>
           <p:spPr>
             <a:xfrm>
-              <a:off x="5933024" y="2890648"/>
-              <a:ext cx="249673" cy="57602"/>
+              <a:off x="5971436" y="2890648"/>
+              <a:ext cx="326495" cy="57602"/>
             </a:xfrm>
             <a:prstGeom prst="rect">
               <a:avLst/>
@@ -25639,8 +25639,8 @@
           </p:nvSpPr>
           <p:spPr>
             <a:xfrm>
-              <a:off x="5933024" y="2833046"/>
-              <a:ext cx="249673" cy="57602"/>
+              <a:off x="5971436" y="2833046"/>
+              <a:ext cx="326495" cy="57602"/>
             </a:xfrm>
             <a:prstGeom prst="rect">
               <a:avLst/>
@@ -25674,8 +25674,8 @@
           </p:nvSpPr>
           <p:spPr>
             <a:xfrm>
-              <a:off x="5933024" y="2775443"/>
-              <a:ext cx="249673" cy="57602"/>
+              <a:off x="5971436" y="2775443"/>
+              <a:ext cx="326495" cy="57602"/>
             </a:xfrm>
             <a:prstGeom prst="rect">
               <a:avLst/>
@@ -25709,8 +25709,8 @@
           </p:nvSpPr>
           <p:spPr>
             <a:xfrm>
-              <a:off x="5933024" y="2717841"/>
-              <a:ext cx="249673" cy="57602"/>
+              <a:off x="5971436" y="2717841"/>
+              <a:ext cx="326495" cy="57602"/>
             </a:xfrm>
             <a:prstGeom prst="rect">
               <a:avLst/>
@@ -25744,8 +25744,8 @@
           </p:nvSpPr>
           <p:spPr>
             <a:xfrm>
-              <a:off x="5933024" y="2660239"/>
-              <a:ext cx="249673" cy="57602"/>
+              <a:off x="5971436" y="2660239"/>
+              <a:ext cx="326495" cy="57602"/>
             </a:xfrm>
             <a:prstGeom prst="rect">
               <a:avLst/>
@@ -25779,8 +25779,8 @@
           </p:nvSpPr>
           <p:spPr>
             <a:xfrm>
-              <a:off x="5933024" y="2602637"/>
-              <a:ext cx="249673" cy="57602"/>
+              <a:off x="5971436" y="2602637"/>
+              <a:ext cx="326495" cy="57602"/>
             </a:xfrm>
             <a:prstGeom prst="rect">
               <a:avLst/>
@@ -25814,8 +25814,8 @@
           </p:nvSpPr>
           <p:spPr>
             <a:xfrm>
-              <a:off x="5933024" y="2545034"/>
-              <a:ext cx="249673" cy="57602"/>
+              <a:off x="5971436" y="2545034"/>
+              <a:ext cx="326495" cy="57602"/>
             </a:xfrm>
             <a:prstGeom prst="rect">
               <a:avLst/>
@@ -25849,8 +25849,8 @@
           </p:nvSpPr>
           <p:spPr>
             <a:xfrm>
-              <a:off x="5933024" y="2487432"/>
-              <a:ext cx="249673" cy="57602"/>
+              <a:off x="5971436" y="2487432"/>
+              <a:ext cx="326495" cy="57602"/>
             </a:xfrm>
             <a:prstGeom prst="rect">
               <a:avLst/>
@@ -25884,8 +25884,8 @@
           </p:nvSpPr>
           <p:spPr>
             <a:xfrm>
-              <a:off x="5933024" y="2429830"/>
-              <a:ext cx="249673" cy="57602"/>
+              <a:off x="5971436" y="2429830"/>
+              <a:ext cx="326495" cy="57602"/>
             </a:xfrm>
             <a:prstGeom prst="rect">
               <a:avLst/>
@@ -25919,8 +25919,8 @@
           </p:nvSpPr>
           <p:spPr>
             <a:xfrm>
-              <a:off x="5933024" y="2372228"/>
-              <a:ext cx="249673" cy="57602"/>
+              <a:off x="5971436" y="2372228"/>
+              <a:ext cx="326495" cy="57602"/>
             </a:xfrm>
             <a:prstGeom prst="rect">
               <a:avLst/>
@@ -25954,8 +25954,8 @@
           </p:nvSpPr>
           <p:spPr>
             <a:xfrm>
-              <a:off x="5933024" y="2314625"/>
-              <a:ext cx="249673" cy="57602"/>
+              <a:off x="5971436" y="2314625"/>
+              <a:ext cx="326495" cy="57602"/>
             </a:xfrm>
             <a:prstGeom prst="rect">
               <a:avLst/>
@@ -25989,8 +25989,8 @@
           </p:nvSpPr>
           <p:spPr>
             <a:xfrm>
-              <a:off x="5933024" y="2257023"/>
-              <a:ext cx="249673" cy="57602"/>
+              <a:off x="5971436" y="2257023"/>
+              <a:ext cx="326495" cy="57602"/>
             </a:xfrm>
             <a:prstGeom prst="rect">
               <a:avLst/>
@@ -26024,8 +26024,8 @@
           </p:nvSpPr>
           <p:spPr>
             <a:xfrm>
-              <a:off x="5933024" y="2199421"/>
-              <a:ext cx="249673" cy="57602"/>
+              <a:off x="5971436" y="2199421"/>
+              <a:ext cx="326495" cy="57602"/>
             </a:xfrm>
             <a:prstGeom prst="rect">
               <a:avLst/>
@@ -26059,8 +26059,8 @@
           </p:nvSpPr>
           <p:spPr>
             <a:xfrm>
-              <a:off x="5933024" y="2141819"/>
-              <a:ext cx="249673" cy="57602"/>
+              <a:off x="5971436" y="2141819"/>
+              <a:ext cx="326495" cy="57602"/>
             </a:xfrm>
             <a:prstGeom prst="rect">
               <a:avLst/>
@@ -26094,8 +26094,8 @@
           </p:nvSpPr>
           <p:spPr>
             <a:xfrm>
-              <a:off x="5933024" y="2084216"/>
-              <a:ext cx="249673" cy="57602"/>
+              <a:off x="5971436" y="2084216"/>
+              <a:ext cx="326495" cy="57602"/>
             </a:xfrm>
             <a:prstGeom prst="rect">
               <a:avLst/>
@@ -26129,8 +26129,8 @@
           </p:nvSpPr>
           <p:spPr>
             <a:xfrm>
-              <a:off x="5933024" y="2026614"/>
-              <a:ext cx="249673" cy="57602"/>
+              <a:off x="5971436" y="2026614"/>
+              <a:ext cx="326495" cy="57602"/>
             </a:xfrm>
             <a:prstGeom prst="rect">
               <a:avLst/>
@@ -26164,8 +26164,8 @@
           </p:nvSpPr>
           <p:spPr>
             <a:xfrm>
-              <a:off x="5933024" y="1969012"/>
-              <a:ext cx="249673" cy="57602"/>
+              <a:off x="5971436" y="1969012"/>
+              <a:ext cx="326495" cy="57602"/>
             </a:xfrm>
             <a:prstGeom prst="rect">
               <a:avLst/>
@@ -26199,8 +26199,8 @@
           </p:nvSpPr>
           <p:spPr>
             <a:xfrm>
-              <a:off x="5933024" y="1911410"/>
-              <a:ext cx="249673" cy="57602"/>
+              <a:off x="5971436" y="1911410"/>
+              <a:ext cx="326495" cy="57602"/>
             </a:xfrm>
             <a:prstGeom prst="rect">
               <a:avLst/>
@@ -26234,8 +26234,8 @@
           </p:nvSpPr>
           <p:spPr>
             <a:xfrm>
-              <a:off x="5933024" y="1853807"/>
-              <a:ext cx="249673" cy="57602"/>
+              <a:off x="5971436" y="1853807"/>
+              <a:ext cx="326495" cy="57602"/>
             </a:xfrm>
             <a:prstGeom prst="rect">
               <a:avLst/>
@@ -26269,8 +26269,8 @@
           </p:nvSpPr>
           <p:spPr>
             <a:xfrm>
-              <a:off x="5933024" y="1796205"/>
-              <a:ext cx="249673" cy="57602"/>
+              <a:off x="5971436" y="1796205"/>
+              <a:ext cx="326495" cy="57602"/>
             </a:xfrm>
             <a:prstGeom prst="rect">
               <a:avLst/>
@@ -26304,8 +26304,8 @@
           </p:nvSpPr>
           <p:spPr>
             <a:xfrm>
-              <a:off x="5933024" y="1738603"/>
-              <a:ext cx="249673" cy="57602"/>
+              <a:off x="5971436" y="1738603"/>
+              <a:ext cx="326495" cy="57602"/>
             </a:xfrm>
             <a:prstGeom prst="rect">
               <a:avLst/>
@@ -26339,8 +26339,8 @@
           </p:nvSpPr>
           <p:spPr>
             <a:xfrm>
-              <a:off x="5933024" y="1681001"/>
-              <a:ext cx="249673" cy="57602"/>
+              <a:off x="5971436" y="1681001"/>
+              <a:ext cx="326495" cy="57602"/>
             </a:xfrm>
             <a:prstGeom prst="rect">
               <a:avLst/>
@@ -26374,8 +26374,8 @@
           </p:nvSpPr>
           <p:spPr>
             <a:xfrm>
-              <a:off x="5933024" y="1623398"/>
-              <a:ext cx="249673" cy="57602"/>
+              <a:off x="5971436" y="1623398"/>
+              <a:ext cx="326495" cy="57602"/>
             </a:xfrm>
             <a:prstGeom prst="rect">
               <a:avLst/>
@@ -26409,8 +26409,8 @@
           </p:nvSpPr>
           <p:spPr>
             <a:xfrm>
-              <a:off x="5933024" y="1565796"/>
-              <a:ext cx="249673" cy="57602"/>
+              <a:off x="5971436" y="1565796"/>
+              <a:ext cx="326495" cy="57602"/>
             </a:xfrm>
             <a:prstGeom prst="rect">
               <a:avLst/>
@@ -26444,8 +26444,8 @@
           </p:nvSpPr>
           <p:spPr>
             <a:xfrm>
-              <a:off x="5933024" y="1508194"/>
-              <a:ext cx="249673" cy="57602"/>
+              <a:off x="5971436" y="1508194"/>
+              <a:ext cx="326495" cy="57602"/>
             </a:xfrm>
             <a:prstGeom prst="rect">
               <a:avLst/>
@@ -26479,8 +26479,8 @@
           </p:nvSpPr>
           <p:spPr>
             <a:xfrm>
-              <a:off x="5933024" y="1450592"/>
-              <a:ext cx="249673" cy="57602"/>
+              <a:off x="5971436" y="1450592"/>
+              <a:ext cx="326495" cy="57602"/>
             </a:xfrm>
             <a:prstGeom prst="rect">
               <a:avLst/>
@@ -26514,8 +26514,8 @@
           </p:nvSpPr>
           <p:spPr>
             <a:xfrm>
-              <a:off x="5933024" y="1392990"/>
-              <a:ext cx="249673" cy="57602"/>
+              <a:off x="5971436" y="1392990"/>
+              <a:ext cx="326495" cy="57602"/>
             </a:xfrm>
             <a:prstGeom prst="rect">
               <a:avLst/>
@@ -26549,8 +26549,8 @@
           </p:nvSpPr>
           <p:spPr>
             <a:xfrm>
-              <a:off x="6182697" y="7153214"/>
-              <a:ext cx="249673" cy="57602"/>
+              <a:off x="6297931" y="7153214"/>
+              <a:ext cx="326495" cy="57602"/>
             </a:xfrm>
             <a:prstGeom prst="rect">
               <a:avLst/>
@@ -26584,8 +26584,8 @@
           </p:nvSpPr>
           <p:spPr>
             <a:xfrm>
-              <a:off x="6182697" y="7095611"/>
-              <a:ext cx="249673" cy="57602"/>
+              <a:off x="6297931" y="7095611"/>
+              <a:ext cx="326495" cy="57602"/>
             </a:xfrm>
             <a:prstGeom prst="rect">
               <a:avLst/>
@@ -26619,8 +26619,8 @@
           </p:nvSpPr>
           <p:spPr>
             <a:xfrm>
-              <a:off x="6182697" y="7038009"/>
-              <a:ext cx="249673" cy="57602"/>
+              <a:off x="6297931" y="7038009"/>
+              <a:ext cx="326495" cy="57602"/>
             </a:xfrm>
             <a:prstGeom prst="rect">
               <a:avLst/>
@@ -26654,8 +26654,8 @@
           </p:nvSpPr>
           <p:spPr>
             <a:xfrm>
-              <a:off x="6182697" y="6980407"/>
-              <a:ext cx="249673" cy="57602"/>
+              <a:off x="6297931" y="6980407"/>
+              <a:ext cx="326495" cy="57602"/>
             </a:xfrm>
             <a:prstGeom prst="rect">
               <a:avLst/>
@@ -26689,8 +26689,8 @@
           </p:nvSpPr>
           <p:spPr>
             <a:xfrm>
-              <a:off x="6182697" y="6922805"/>
-              <a:ext cx="249673" cy="57602"/>
+              <a:off x="6297931" y="6922805"/>
+              <a:ext cx="326495" cy="57602"/>
             </a:xfrm>
             <a:prstGeom prst="rect">
               <a:avLst/>
@@ -26724,8 +26724,8 @@
           </p:nvSpPr>
           <p:spPr>
             <a:xfrm>
-              <a:off x="6182697" y="6865202"/>
-              <a:ext cx="249673" cy="57602"/>
+              <a:off x="6297931" y="6865202"/>
+              <a:ext cx="326495" cy="57602"/>
             </a:xfrm>
             <a:prstGeom prst="rect">
               <a:avLst/>
@@ -26759,8 +26759,8 @@
           </p:nvSpPr>
           <p:spPr>
             <a:xfrm>
-              <a:off x="6182697" y="6807600"/>
-              <a:ext cx="249673" cy="57602"/>
+              <a:off x="6297931" y="6807600"/>
+              <a:ext cx="326495" cy="57602"/>
             </a:xfrm>
             <a:prstGeom prst="rect">
               <a:avLst/>
@@ -26794,8 +26794,8 @@
           </p:nvSpPr>
           <p:spPr>
             <a:xfrm>
-              <a:off x="6182697" y="6749998"/>
-              <a:ext cx="249673" cy="57602"/>
+              <a:off x="6297931" y="6749998"/>
+              <a:ext cx="326495" cy="57602"/>
             </a:xfrm>
             <a:prstGeom prst="rect">
               <a:avLst/>
@@ -26829,8 +26829,8 @@
           </p:nvSpPr>
           <p:spPr>
             <a:xfrm>
-              <a:off x="6182697" y="6692396"/>
-              <a:ext cx="249673" cy="57602"/>
+              <a:off x="6297931" y="6692396"/>
+              <a:ext cx="326495" cy="57602"/>
             </a:xfrm>
             <a:prstGeom prst="rect">
               <a:avLst/>
@@ -26864,8 +26864,8 @@
           </p:nvSpPr>
           <p:spPr>
             <a:xfrm>
-              <a:off x="6182697" y="6634794"/>
-              <a:ext cx="249673" cy="57602"/>
+              <a:off x="6297931" y="6634794"/>
+              <a:ext cx="326495" cy="57602"/>
             </a:xfrm>
             <a:prstGeom prst="rect">
               <a:avLst/>
@@ -26899,8 +26899,8 @@
           </p:nvSpPr>
           <p:spPr>
             <a:xfrm>
-              <a:off x="6182697" y="6577191"/>
-              <a:ext cx="249673" cy="57602"/>
+              <a:off x="6297931" y="6577191"/>
+              <a:ext cx="326495" cy="57602"/>
             </a:xfrm>
             <a:prstGeom prst="rect">
               <a:avLst/>
@@ -26934,8 +26934,8 @@
           </p:nvSpPr>
           <p:spPr>
             <a:xfrm>
-              <a:off x="6182697" y="6519589"/>
-              <a:ext cx="249673" cy="57602"/>
+              <a:off x="6297931" y="6519589"/>
+              <a:ext cx="326495" cy="57602"/>
             </a:xfrm>
             <a:prstGeom prst="rect">
               <a:avLst/>
@@ -26969,8 +26969,8 @@
           </p:nvSpPr>
           <p:spPr>
             <a:xfrm>
-              <a:off x="6182697" y="6461987"/>
-              <a:ext cx="249673" cy="57602"/>
+              <a:off x="6297931" y="6461987"/>
+              <a:ext cx="326495" cy="57602"/>
             </a:xfrm>
             <a:prstGeom prst="rect">
               <a:avLst/>
@@ -27004,8 +27004,8 @@
           </p:nvSpPr>
           <p:spPr>
             <a:xfrm>
-              <a:off x="6182697" y="6404385"/>
-              <a:ext cx="249673" cy="57602"/>
+              <a:off x="6297931" y="6404385"/>
+              <a:ext cx="326495" cy="57602"/>
             </a:xfrm>
             <a:prstGeom prst="rect">
               <a:avLst/>
@@ -27039,8 +27039,8 @@
           </p:nvSpPr>
           <p:spPr>
             <a:xfrm>
-              <a:off x="6182697" y="6346782"/>
-              <a:ext cx="249673" cy="57602"/>
+              <a:off x="6297931" y="6346782"/>
+              <a:ext cx="326495" cy="57602"/>
             </a:xfrm>
             <a:prstGeom prst="rect">
               <a:avLst/>
@@ -27074,8 +27074,8 @@
           </p:nvSpPr>
           <p:spPr>
             <a:xfrm>
-              <a:off x="6182697" y="6289180"/>
-              <a:ext cx="249673" cy="57602"/>
+              <a:off x="6297931" y="6289180"/>
+              <a:ext cx="326495" cy="57602"/>
             </a:xfrm>
             <a:prstGeom prst="rect">
               <a:avLst/>
@@ -27109,8 +27109,8 @@
           </p:nvSpPr>
           <p:spPr>
             <a:xfrm>
-              <a:off x="6182697" y="6231578"/>
-              <a:ext cx="249673" cy="57602"/>
+              <a:off x="6297931" y="6231578"/>
+              <a:ext cx="326495" cy="57602"/>
             </a:xfrm>
             <a:prstGeom prst="rect">
               <a:avLst/>
@@ -27144,8 +27144,8 @@
           </p:nvSpPr>
           <p:spPr>
             <a:xfrm>
-              <a:off x="6182697" y="6173976"/>
-              <a:ext cx="249673" cy="57602"/>
+              <a:off x="6297931" y="6173976"/>
+              <a:ext cx="326495" cy="57602"/>
             </a:xfrm>
             <a:prstGeom prst="rect">
               <a:avLst/>
@@ -27179,8 +27179,8 @@
           </p:nvSpPr>
           <p:spPr>
             <a:xfrm>
-              <a:off x="6182697" y="6116373"/>
-              <a:ext cx="249673" cy="57602"/>
+              <a:off x="6297931" y="6116373"/>
+              <a:ext cx="326495" cy="57602"/>
             </a:xfrm>
             <a:prstGeom prst="rect">
               <a:avLst/>
@@ -27214,8 +27214,8 @@
           </p:nvSpPr>
           <p:spPr>
             <a:xfrm>
-              <a:off x="6182697" y="6058771"/>
-              <a:ext cx="249673" cy="57602"/>
+              <a:off x="6297931" y="6058771"/>
+              <a:ext cx="326495" cy="57602"/>
             </a:xfrm>
             <a:prstGeom prst="rect">
               <a:avLst/>
@@ -27249,8 +27249,8 @@
           </p:nvSpPr>
           <p:spPr>
             <a:xfrm>
-              <a:off x="6182697" y="6001169"/>
-              <a:ext cx="249673" cy="57602"/>
+              <a:off x="6297931" y="6001169"/>
+              <a:ext cx="326495" cy="57602"/>
             </a:xfrm>
             <a:prstGeom prst="rect">
               <a:avLst/>
@@ -27284,8 +27284,8 @@
           </p:nvSpPr>
           <p:spPr>
             <a:xfrm>
-              <a:off x="6182697" y="5943567"/>
-              <a:ext cx="249673" cy="57602"/>
+              <a:off x="6297931" y="5943567"/>
+              <a:ext cx="326495" cy="57602"/>
             </a:xfrm>
             <a:prstGeom prst="rect">
               <a:avLst/>
@@ -27319,8 +27319,8 @@
           </p:nvSpPr>
           <p:spPr>
             <a:xfrm>
-              <a:off x="6182697" y="5885964"/>
-              <a:ext cx="249673" cy="57602"/>
+              <a:off x="6297931" y="5885964"/>
+              <a:ext cx="326495" cy="57602"/>
             </a:xfrm>
             <a:prstGeom prst="rect">
               <a:avLst/>
@@ -27354,8 +27354,8 @@
           </p:nvSpPr>
           <p:spPr>
             <a:xfrm>
-              <a:off x="6182697" y="5828362"/>
-              <a:ext cx="249673" cy="57602"/>
+              <a:off x="6297931" y="5828362"/>
+              <a:ext cx="326495" cy="57602"/>
             </a:xfrm>
             <a:prstGeom prst="rect">
               <a:avLst/>
@@ -27389,8 +27389,8 @@
           </p:nvSpPr>
           <p:spPr>
             <a:xfrm>
-              <a:off x="6182697" y="5770760"/>
-              <a:ext cx="249673" cy="57602"/>
+              <a:off x="6297931" y="5770760"/>
+              <a:ext cx="326495" cy="57602"/>
             </a:xfrm>
             <a:prstGeom prst="rect">
               <a:avLst/>
@@ -27424,8 +27424,8 @@
           </p:nvSpPr>
           <p:spPr>
             <a:xfrm>
-              <a:off x="6182697" y="5713158"/>
-              <a:ext cx="249673" cy="57602"/>
+              <a:off x="6297931" y="5713158"/>
+              <a:ext cx="326495" cy="57602"/>
             </a:xfrm>
             <a:prstGeom prst="rect">
               <a:avLst/>
@@ -27459,8 +27459,8 @@
           </p:nvSpPr>
           <p:spPr>
             <a:xfrm>
-              <a:off x="6182697" y="5655555"/>
-              <a:ext cx="249673" cy="57602"/>
+              <a:off x="6297931" y="5655555"/>
+              <a:ext cx="326495" cy="57602"/>
             </a:xfrm>
             <a:prstGeom prst="rect">
               <a:avLst/>
@@ -27494,8 +27494,8 @@
           </p:nvSpPr>
           <p:spPr>
             <a:xfrm>
-              <a:off x="6182697" y="5597953"/>
-              <a:ext cx="249673" cy="57602"/>
+              <a:off x="6297931" y="5597953"/>
+              <a:ext cx="326495" cy="57602"/>
             </a:xfrm>
             <a:prstGeom prst="rect">
               <a:avLst/>
@@ -27529,8 +27529,8 @@
           </p:nvSpPr>
           <p:spPr>
             <a:xfrm>
-              <a:off x="6182697" y="5540351"/>
-              <a:ext cx="249673" cy="57602"/>
+              <a:off x="6297931" y="5540351"/>
+              <a:ext cx="326495" cy="57602"/>
             </a:xfrm>
             <a:prstGeom prst="rect">
               <a:avLst/>
@@ -27564,8 +27564,8 @@
           </p:nvSpPr>
           <p:spPr>
             <a:xfrm>
-              <a:off x="6182697" y="5482749"/>
-              <a:ext cx="249673" cy="57602"/>
+              <a:off x="6297931" y="5482749"/>
+              <a:ext cx="326495" cy="57602"/>
             </a:xfrm>
             <a:prstGeom prst="rect">
               <a:avLst/>
@@ -27599,8 +27599,8 @@
           </p:nvSpPr>
           <p:spPr>
             <a:xfrm>
-              <a:off x="6182697" y="5425146"/>
-              <a:ext cx="249673" cy="57602"/>
+              <a:off x="6297931" y="5425146"/>
+              <a:ext cx="326495" cy="57602"/>
             </a:xfrm>
             <a:prstGeom prst="rect">
               <a:avLst/>
@@ -27634,8 +27634,8 @@
           </p:nvSpPr>
           <p:spPr>
             <a:xfrm>
-              <a:off x="6182697" y="5367544"/>
-              <a:ext cx="249673" cy="57602"/>
+              <a:off x="6297931" y="5367544"/>
+              <a:ext cx="326495" cy="57602"/>
             </a:xfrm>
             <a:prstGeom prst="rect">
               <a:avLst/>
@@ -27669,8 +27669,8 @@
           </p:nvSpPr>
           <p:spPr>
             <a:xfrm>
-              <a:off x="6182697" y="5309942"/>
-              <a:ext cx="249673" cy="57602"/>
+              <a:off x="6297931" y="5309942"/>
+              <a:ext cx="326495" cy="57602"/>
             </a:xfrm>
             <a:prstGeom prst="rect">
               <a:avLst/>
@@ -27704,8 +27704,8 @@
           </p:nvSpPr>
           <p:spPr>
             <a:xfrm>
-              <a:off x="6182697" y="5252340"/>
-              <a:ext cx="249673" cy="57602"/>
+              <a:off x="6297931" y="5252340"/>
+              <a:ext cx="326495" cy="57602"/>
             </a:xfrm>
             <a:prstGeom prst="rect">
               <a:avLst/>
@@ -27739,8 +27739,8 @@
           </p:nvSpPr>
           <p:spPr>
             <a:xfrm>
-              <a:off x="6182697" y="5194737"/>
-              <a:ext cx="249673" cy="57602"/>
+              <a:off x="6297931" y="5194737"/>
+              <a:ext cx="326495" cy="57602"/>
             </a:xfrm>
             <a:prstGeom prst="rect">
               <a:avLst/>
@@ -27774,8 +27774,8 @@
           </p:nvSpPr>
           <p:spPr>
             <a:xfrm>
-              <a:off x="6182697" y="5137135"/>
-              <a:ext cx="249673" cy="57602"/>
+              <a:off x="6297931" y="5137135"/>
+              <a:ext cx="326495" cy="57602"/>
             </a:xfrm>
             <a:prstGeom prst="rect">
               <a:avLst/>
@@ -27809,8 +27809,8 @@
           </p:nvSpPr>
           <p:spPr>
             <a:xfrm>
-              <a:off x="6182697" y="5079533"/>
-              <a:ext cx="249673" cy="57602"/>
+              <a:off x="6297931" y="5079533"/>
+              <a:ext cx="326495" cy="57602"/>
             </a:xfrm>
             <a:prstGeom prst="rect">
               <a:avLst/>
@@ -27844,8 +27844,8 @@
           </p:nvSpPr>
           <p:spPr>
             <a:xfrm>
-              <a:off x="6182697" y="5021931"/>
-              <a:ext cx="249673" cy="57602"/>
+              <a:off x="6297931" y="5021931"/>
+              <a:ext cx="326495" cy="57602"/>
             </a:xfrm>
             <a:prstGeom prst="rect">
               <a:avLst/>
@@ -27879,8 +27879,8 @@
           </p:nvSpPr>
           <p:spPr>
             <a:xfrm>
-              <a:off x="6182697" y="4964329"/>
-              <a:ext cx="249673" cy="57602"/>
+              <a:off x="6297931" y="4964329"/>
+              <a:ext cx="326495" cy="57602"/>
             </a:xfrm>
             <a:prstGeom prst="rect">
               <a:avLst/>
@@ -27914,8 +27914,8 @@
           </p:nvSpPr>
           <p:spPr>
             <a:xfrm>
-              <a:off x="6182697" y="4906726"/>
-              <a:ext cx="249673" cy="57602"/>
+              <a:off x="6297931" y="4906726"/>
+              <a:ext cx="326495" cy="57602"/>
             </a:xfrm>
             <a:prstGeom prst="rect">
               <a:avLst/>
@@ -27949,8 +27949,8 @@
           </p:nvSpPr>
           <p:spPr>
             <a:xfrm>
-              <a:off x="6182697" y="4849124"/>
-              <a:ext cx="249673" cy="57602"/>
+              <a:off x="6297931" y="4849124"/>
+              <a:ext cx="326495" cy="57602"/>
             </a:xfrm>
             <a:prstGeom prst="rect">
               <a:avLst/>
@@ -27984,8 +27984,8 @@
           </p:nvSpPr>
           <p:spPr>
             <a:xfrm>
-              <a:off x="6182697" y="4791522"/>
-              <a:ext cx="249673" cy="57602"/>
+              <a:off x="6297931" y="4791522"/>
+              <a:ext cx="326495" cy="57602"/>
             </a:xfrm>
             <a:prstGeom prst="rect">
               <a:avLst/>
@@ -28019,8 +28019,8 @@
           </p:nvSpPr>
           <p:spPr>
             <a:xfrm>
-              <a:off x="6182697" y="4733920"/>
-              <a:ext cx="249673" cy="57602"/>
+              <a:off x="6297931" y="4733920"/>
+              <a:ext cx="326495" cy="57602"/>
             </a:xfrm>
             <a:prstGeom prst="rect">
               <a:avLst/>
@@ -28054,8 +28054,8 @@
           </p:nvSpPr>
           <p:spPr>
             <a:xfrm>
-              <a:off x="6182697" y="4676317"/>
-              <a:ext cx="249673" cy="57602"/>
+              <a:off x="6297931" y="4676317"/>
+              <a:ext cx="326495" cy="57602"/>
             </a:xfrm>
             <a:prstGeom prst="rect">
               <a:avLst/>
@@ -28089,8 +28089,8 @@
           </p:nvSpPr>
           <p:spPr>
             <a:xfrm>
-              <a:off x="6182697" y="4618715"/>
-              <a:ext cx="249673" cy="57602"/>
+              <a:off x="6297931" y="4618715"/>
+              <a:ext cx="326495" cy="57602"/>
             </a:xfrm>
             <a:prstGeom prst="rect">
               <a:avLst/>
@@ -28124,8 +28124,8 @@
           </p:nvSpPr>
           <p:spPr>
             <a:xfrm>
-              <a:off x="6182697" y="4561113"/>
-              <a:ext cx="249673" cy="57602"/>
+              <a:off x="6297931" y="4561113"/>
+              <a:ext cx="326495" cy="57602"/>
             </a:xfrm>
             <a:prstGeom prst="rect">
               <a:avLst/>
@@ -28159,8 +28159,8 @@
           </p:nvSpPr>
           <p:spPr>
             <a:xfrm>
-              <a:off x="6182697" y="4503511"/>
-              <a:ext cx="249673" cy="57602"/>
+              <a:off x="6297931" y="4503511"/>
+              <a:ext cx="326495" cy="57602"/>
             </a:xfrm>
             <a:prstGeom prst="rect">
               <a:avLst/>
@@ -28194,8 +28194,8 @@
           </p:nvSpPr>
           <p:spPr>
             <a:xfrm>
-              <a:off x="6182697" y="4445908"/>
-              <a:ext cx="249673" cy="57602"/>
+              <a:off x="6297931" y="4445908"/>
+              <a:ext cx="326495" cy="57602"/>
             </a:xfrm>
             <a:prstGeom prst="rect">
               <a:avLst/>
@@ -28229,8 +28229,8 @@
           </p:nvSpPr>
           <p:spPr>
             <a:xfrm>
-              <a:off x="6182697" y="4388306"/>
-              <a:ext cx="249673" cy="57602"/>
+              <a:off x="6297931" y="4388306"/>
+              <a:ext cx="326495" cy="57602"/>
             </a:xfrm>
             <a:prstGeom prst="rect">
               <a:avLst/>
@@ -28264,8 +28264,8 @@
           </p:nvSpPr>
           <p:spPr>
             <a:xfrm>
-              <a:off x="6182697" y="4330704"/>
-              <a:ext cx="249673" cy="57602"/>
+              <a:off x="6297931" y="4330704"/>
+              <a:ext cx="326495" cy="57602"/>
             </a:xfrm>
             <a:prstGeom prst="rect">
               <a:avLst/>
@@ -28299,8 +28299,8 @@
           </p:nvSpPr>
           <p:spPr>
             <a:xfrm>
-              <a:off x="6182697" y="4273102"/>
-              <a:ext cx="249673" cy="57602"/>
+              <a:off x="6297931" y="4273102"/>
+              <a:ext cx="326495" cy="57602"/>
             </a:xfrm>
             <a:prstGeom prst="rect">
               <a:avLst/>
@@ -28334,8 +28334,8 @@
           </p:nvSpPr>
           <p:spPr>
             <a:xfrm>
-              <a:off x="6182697" y="4215499"/>
-              <a:ext cx="249673" cy="57602"/>
+              <a:off x="6297931" y="4215499"/>
+              <a:ext cx="326495" cy="57602"/>
             </a:xfrm>
             <a:prstGeom prst="rect">
               <a:avLst/>
@@ -28369,8 +28369,8 @@
           </p:nvSpPr>
           <p:spPr>
             <a:xfrm>
-              <a:off x="6182697" y="4157897"/>
-              <a:ext cx="249673" cy="57602"/>
+              <a:off x="6297931" y="4157897"/>
+              <a:ext cx="326495" cy="57602"/>
             </a:xfrm>
             <a:prstGeom prst="rect">
               <a:avLst/>
@@ -28404,8 +28404,8 @@
           </p:nvSpPr>
           <p:spPr>
             <a:xfrm>
-              <a:off x="6182697" y="4100295"/>
-              <a:ext cx="249673" cy="57602"/>
+              <a:off x="6297931" y="4100295"/>
+              <a:ext cx="326495" cy="57602"/>
             </a:xfrm>
             <a:prstGeom prst="rect">
               <a:avLst/>
@@ -28439,8 +28439,8 @@
           </p:nvSpPr>
           <p:spPr>
             <a:xfrm>
-              <a:off x="6182697" y="4042693"/>
-              <a:ext cx="249673" cy="57602"/>
+              <a:off x="6297931" y="4042693"/>
+              <a:ext cx="326495" cy="57602"/>
             </a:xfrm>
             <a:prstGeom prst="rect">
               <a:avLst/>
@@ -28474,8 +28474,8 @@
           </p:nvSpPr>
           <p:spPr>
             <a:xfrm>
-              <a:off x="6182697" y="3985090"/>
-              <a:ext cx="249673" cy="57602"/>
+              <a:off x="6297931" y="3985090"/>
+              <a:ext cx="326495" cy="57602"/>
             </a:xfrm>
             <a:prstGeom prst="rect">
               <a:avLst/>
@@ -28509,8 +28509,8 @@
           </p:nvSpPr>
           <p:spPr>
             <a:xfrm>
-              <a:off x="6182697" y="3927488"/>
-              <a:ext cx="249673" cy="57602"/>
+              <a:off x="6297931" y="3927488"/>
+              <a:ext cx="326495" cy="57602"/>
             </a:xfrm>
             <a:prstGeom prst="rect">
               <a:avLst/>
@@ -28544,8 +28544,8 @@
           </p:nvSpPr>
           <p:spPr>
             <a:xfrm>
-              <a:off x="6182697" y="3869886"/>
-              <a:ext cx="249673" cy="57602"/>
+              <a:off x="6297931" y="3869886"/>
+              <a:ext cx="326495" cy="57602"/>
             </a:xfrm>
             <a:prstGeom prst="rect">
               <a:avLst/>
@@ -28579,8 +28579,8 @@
           </p:nvSpPr>
           <p:spPr>
             <a:xfrm>
-              <a:off x="6182697" y="3812284"/>
-              <a:ext cx="249673" cy="57602"/>
+              <a:off x="6297931" y="3812284"/>
+              <a:ext cx="326495" cy="57602"/>
             </a:xfrm>
             <a:prstGeom prst="rect">
               <a:avLst/>
@@ -28614,8 +28614,8 @@
           </p:nvSpPr>
           <p:spPr>
             <a:xfrm>
-              <a:off x="6182697" y="3754681"/>
-              <a:ext cx="249673" cy="57602"/>
+              <a:off x="6297931" y="3754681"/>
+              <a:ext cx="326495" cy="57602"/>
             </a:xfrm>
             <a:prstGeom prst="rect">
               <a:avLst/>
@@ -28649,8 +28649,8 @@
           </p:nvSpPr>
           <p:spPr>
             <a:xfrm>
-              <a:off x="6182697" y="3697079"/>
-              <a:ext cx="249673" cy="57602"/>
+              <a:off x="6297931" y="3697079"/>
+              <a:ext cx="326495" cy="57602"/>
             </a:xfrm>
             <a:prstGeom prst="rect">
               <a:avLst/>
@@ -28684,8 +28684,8 @@
           </p:nvSpPr>
           <p:spPr>
             <a:xfrm>
-              <a:off x="6182697" y="3639477"/>
-              <a:ext cx="249673" cy="57602"/>
+              <a:off x="6297931" y="3639477"/>
+              <a:ext cx="326495" cy="57602"/>
             </a:xfrm>
             <a:prstGeom prst="rect">
               <a:avLst/>
@@ -28719,8 +28719,8 @@
           </p:nvSpPr>
           <p:spPr>
             <a:xfrm>
-              <a:off x="6182697" y="3581875"/>
-              <a:ext cx="249673" cy="57602"/>
+              <a:off x="6297931" y="3581875"/>
+              <a:ext cx="326495" cy="57602"/>
             </a:xfrm>
             <a:prstGeom prst="rect">
               <a:avLst/>
@@ -28754,8 +28754,8 @@
           </p:nvSpPr>
           <p:spPr>
             <a:xfrm>
-              <a:off x="6182697" y="3524272"/>
-              <a:ext cx="249673" cy="57602"/>
+              <a:off x="6297931" y="3524272"/>
+              <a:ext cx="326495" cy="57602"/>
             </a:xfrm>
             <a:prstGeom prst="rect">
               <a:avLst/>
@@ -28789,8 +28789,8 @@
           </p:nvSpPr>
           <p:spPr>
             <a:xfrm>
-              <a:off x="6182697" y="3466670"/>
-              <a:ext cx="249673" cy="57602"/>
+              <a:off x="6297931" y="3466670"/>
+              <a:ext cx="326495" cy="57602"/>
             </a:xfrm>
             <a:prstGeom prst="rect">
               <a:avLst/>
@@ -28824,8 +28824,8 @@
           </p:nvSpPr>
           <p:spPr>
             <a:xfrm>
-              <a:off x="6182697" y="3409068"/>
-              <a:ext cx="249673" cy="57602"/>
+              <a:off x="6297931" y="3409068"/>
+              <a:ext cx="326495" cy="57602"/>
             </a:xfrm>
             <a:prstGeom prst="rect">
               <a:avLst/>
@@ -28859,8 +28859,8 @@
           </p:nvSpPr>
           <p:spPr>
             <a:xfrm>
-              <a:off x="6182697" y="3351466"/>
-              <a:ext cx="249673" cy="57602"/>
+              <a:off x="6297931" y="3351466"/>
+              <a:ext cx="326495" cy="57602"/>
             </a:xfrm>
             <a:prstGeom prst="rect">
               <a:avLst/>
@@ -28894,8 +28894,8 @@
           </p:nvSpPr>
           <p:spPr>
             <a:xfrm>
-              <a:off x="6182697" y="3293864"/>
-              <a:ext cx="249673" cy="57602"/>
+              <a:off x="6297931" y="3293864"/>
+              <a:ext cx="326495" cy="57602"/>
             </a:xfrm>
             <a:prstGeom prst="rect">
               <a:avLst/>
@@ -28929,8 +28929,8 @@
           </p:nvSpPr>
           <p:spPr>
             <a:xfrm>
-              <a:off x="6182697" y="3236261"/>
-              <a:ext cx="249673" cy="57602"/>
+              <a:off x="6297931" y="3236261"/>
+              <a:ext cx="326495" cy="57602"/>
             </a:xfrm>
             <a:prstGeom prst="rect">
               <a:avLst/>
@@ -28964,8 +28964,8 @@
           </p:nvSpPr>
           <p:spPr>
             <a:xfrm>
-              <a:off x="6182697" y="3178659"/>
-              <a:ext cx="249673" cy="57602"/>
+              <a:off x="6297931" y="3178659"/>
+              <a:ext cx="326495" cy="57602"/>
             </a:xfrm>
             <a:prstGeom prst="rect">
               <a:avLst/>
@@ -28999,8 +28999,8 @@
           </p:nvSpPr>
           <p:spPr>
             <a:xfrm>
-              <a:off x="6182697" y="3121057"/>
-              <a:ext cx="249673" cy="57602"/>
+              <a:off x="6297931" y="3121057"/>
+              <a:ext cx="326495" cy="57602"/>
             </a:xfrm>
             <a:prstGeom prst="rect">
               <a:avLst/>
@@ -29034,8 +29034,8 @@
           </p:nvSpPr>
           <p:spPr>
             <a:xfrm>
-              <a:off x="6182697" y="3063455"/>
-              <a:ext cx="249673" cy="57602"/>
+              <a:off x="6297931" y="3063455"/>
+              <a:ext cx="326495" cy="57602"/>
             </a:xfrm>
             <a:prstGeom prst="rect">
               <a:avLst/>
@@ -29069,8 +29069,8 @@
           </p:nvSpPr>
           <p:spPr>
             <a:xfrm>
-              <a:off x="6182697" y="3005852"/>
-              <a:ext cx="249673" cy="57602"/>
+              <a:off x="6297931" y="3005852"/>
+              <a:ext cx="326495" cy="57602"/>
             </a:xfrm>
             <a:prstGeom prst="rect">
               <a:avLst/>
@@ -29104,8 +29104,8 @@
           </p:nvSpPr>
           <p:spPr>
             <a:xfrm>
-              <a:off x="6182697" y="2948250"/>
-              <a:ext cx="249673" cy="57602"/>
+              <a:off x="6297931" y="2948250"/>
+              <a:ext cx="326495" cy="57602"/>
             </a:xfrm>
             <a:prstGeom prst="rect">
               <a:avLst/>
@@ -29139,8 +29139,8 @@
           </p:nvSpPr>
           <p:spPr>
             <a:xfrm>
-              <a:off x="6182697" y="2890648"/>
-              <a:ext cx="249673" cy="57602"/>
+              <a:off x="6297931" y="2890648"/>
+              <a:ext cx="326495" cy="57602"/>
             </a:xfrm>
             <a:prstGeom prst="rect">
               <a:avLst/>
@@ -29174,8 +29174,8 @@
           </p:nvSpPr>
           <p:spPr>
             <a:xfrm>
-              <a:off x="6182697" y="2833046"/>
-              <a:ext cx="249673" cy="57602"/>
+              <a:off x="6297931" y="2833046"/>
+              <a:ext cx="326495" cy="57602"/>
             </a:xfrm>
             <a:prstGeom prst="rect">
               <a:avLst/>
@@ -29209,8 +29209,8 @@
           </p:nvSpPr>
           <p:spPr>
             <a:xfrm>
-              <a:off x="6182697" y="2775443"/>
-              <a:ext cx="249673" cy="57602"/>
+              <a:off x="6297931" y="2775443"/>
+              <a:ext cx="326495" cy="57602"/>
             </a:xfrm>
             <a:prstGeom prst="rect">
               <a:avLst/>
@@ -29244,8 +29244,8 @@
           </p:nvSpPr>
           <p:spPr>
             <a:xfrm>
-              <a:off x="6182697" y="2717841"/>
-              <a:ext cx="249673" cy="57602"/>
+              <a:off x="6297931" y="2717841"/>
+              <a:ext cx="326495" cy="57602"/>
             </a:xfrm>
             <a:prstGeom prst="rect">
               <a:avLst/>
@@ -29279,8 +29279,8 @@
           </p:nvSpPr>
           <p:spPr>
             <a:xfrm>
-              <a:off x="6182697" y="2660239"/>
-              <a:ext cx="249673" cy="57602"/>
+              <a:off x="6297931" y="2660239"/>
+              <a:ext cx="326495" cy="57602"/>
             </a:xfrm>
             <a:prstGeom prst="rect">
               <a:avLst/>
@@ -29314,8 +29314,8 @@
           </p:nvSpPr>
           <p:spPr>
             <a:xfrm>
-              <a:off x="6182697" y="2602637"/>
-              <a:ext cx="249673" cy="57602"/>
+              <a:off x="6297931" y="2602637"/>
+              <a:ext cx="326495" cy="57602"/>
             </a:xfrm>
             <a:prstGeom prst="rect">
               <a:avLst/>
@@ -29349,8 +29349,8 @@
           </p:nvSpPr>
           <p:spPr>
             <a:xfrm>
-              <a:off x="6182697" y="2545034"/>
-              <a:ext cx="249673" cy="57602"/>
+              <a:off x="6297931" y="2545034"/>
+              <a:ext cx="326495" cy="57602"/>
             </a:xfrm>
             <a:prstGeom prst="rect">
               <a:avLst/>
@@ -29384,8 +29384,8 @@
           </p:nvSpPr>
           <p:spPr>
             <a:xfrm>
-              <a:off x="6182697" y="2487432"/>
-              <a:ext cx="249673" cy="57602"/>
+              <a:off x="6297931" y="2487432"/>
+              <a:ext cx="326495" cy="57602"/>
             </a:xfrm>
             <a:prstGeom prst="rect">
               <a:avLst/>
@@ -29419,8 +29419,8 @@
           </p:nvSpPr>
           <p:spPr>
             <a:xfrm>
-              <a:off x="6182697" y="2429830"/>
-              <a:ext cx="249673" cy="57602"/>
+              <a:off x="6297931" y="2429830"/>
+              <a:ext cx="326495" cy="57602"/>
             </a:xfrm>
             <a:prstGeom prst="rect">
               <a:avLst/>
@@ -29454,8 +29454,8 @@
           </p:nvSpPr>
           <p:spPr>
             <a:xfrm>
-              <a:off x="6182697" y="2372228"/>
-              <a:ext cx="249673" cy="57602"/>
+              <a:off x="6297931" y="2372228"/>
+              <a:ext cx="326495" cy="57602"/>
             </a:xfrm>
             <a:prstGeom prst="rect">
               <a:avLst/>
@@ -29489,8 +29489,8 @@
           </p:nvSpPr>
           <p:spPr>
             <a:xfrm>
-              <a:off x="6182697" y="2314625"/>
-              <a:ext cx="249673" cy="57602"/>
+              <a:off x="6297931" y="2314625"/>
+              <a:ext cx="326495" cy="57602"/>
             </a:xfrm>
             <a:prstGeom prst="rect">
               <a:avLst/>
@@ -29524,8 +29524,8 @@
           </p:nvSpPr>
           <p:spPr>
             <a:xfrm>
-              <a:off x="6182697" y="2257023"/>
-              <a:ext cx="249673" cy="57602"/>
+              <a:off x="6297931" y="2257023"/>
+              <a:ext cx="326495" cy="57602"/>
             </a:xfrm>
             <a:prstGeom prst="rect">
               <a:avLst/>
@@ -29559,8 +29559,8 @@
           </p:nvSpPr>
           <p:spPr>
             <a:xfrm>
-              <a:off x="6182697" y="2199421"/>
-              <a:ext cx="249673" cy="57602"/>
+              <a:off x="6297931" y="2199421"/>
+              <a:ext cx="326495" cy="57602"/>
             </a:xfrm>
             <a:prstGeom prst="rect">
               <a:avLst/>
@@ -29594,8 +29594,8 @@
           </p:nvSpPr>
           <p:spPr>
             <a:xfrm>
-              <a:off x="6182697" y="2141819"/>
-              <a:ext cx="249673" cy="57602"/>
+              <a:off x="6297931" y="2141819"/>
+              <a:ext cx="326495" cy="57602"/>
             </a:xfrm>
             <a:prstGeom prst="rect">
               <a:avLst/>
@@ -29629,8 +29629,8 @@
           </p:nvSpPr>
           <p:spPr>
             <a:xfrm>
-              <a:off x="6182697" y="2084216"/>
-              <a:ext cx="249673" cy="57602"/>
+              <a:off x="6297931" y="2084216"/>
+              <a:ext cx="326495" cy="57602"/>
             </a:xfrm>
             <a:prstGeom prst="rect">
               <a:avLst/>
@@ -29664,8 +29664,8 @@
           </p:nvSpPr>
           <p:spPr>
             <a:xfrm>
-              <a:off x="6182697" y="2026614"/>
-              <a:ext cx="249673" cy="57602"/>
+              <a:off x="6297931" y="2026614"/>
+              <a:ext cx="326495" cy="57602"/>
             </a:xfrm>
             <a:prstGeom prst="rect">
               <a:avLst/>
@@ -29699,8 +29699,8 @@
           </p:nvSpPr>
           <p:spPr>
             <a:xfrm>
-              <a:off x="6182697" y="1969012"/>
-              <a:ext cx="249673" cy="57602"/>
+              <a:off x="6297931" y="1969012"/>
+              <a:ext cx="326495" cy="57602"/>
             </a:xfrm>
             <a:prstGeom prst="rect">
               <a:avLst/>
@@ -29734,8 +29734,8 @@
           </p:nvSpPr>
           <p:spPr>
             <a:xfrm>
-              <a:off x="6182697" y="1911410"/>
-              <a:ext cx="249673" cy="57602"/>
+              <a:off x="6297931" y="1911410"/>
+              <a:ext cx="326495" cy="57602"/>
             </a:xfrm>
             <a:prstGeom prst="rect">
               <a:avLst/>
@@ -29769,8 +29769,8 @@
           </p:nvSpPr>
           <p:spPr>
             <a:xfrm>
-              <a:off x="6182697" y="1853807"/>
-              <a:ext cx="249673" cy="57602"/>
+              <a:off x="6297931" y="1853807"/>
+              <a:ext cx="326495" cy="57602"/>
             </a:xfrm>
             <a:prstGeom prst="rect">
               <a:avLst/>
@@ -29804,8 +29804,8 @@
           </p:nvSpPr>
           <p:spPr>
             <a:xfrm>
-              <a:off x="6182697" y="1796205"/>
-              <a:ext cx="249673" cy="57602"/>
+              <a:off x="6297931" y="1796205"/>
+              <a:ext cx="326495" cy="57602"/>
             </a:xfrm>
             <a:prstGeom prst="rect">
               <a:avLst/>
@@ -29839,8 +29839,8 @@
           </p:nvSpPr>
           <p:spPr>
             <a:xfrm>
-              <a:off x="6182697" y="1738603"/>
-              <a:ext cx="249673" cy="57602"/>
+              <a:off x="6297931" y="1738603"/>
+              <a:ext cx="326495" cy="57602"/>
             </a:xfrm>
             <a:prstGeom prst="rect">
               <a:avLst/>
@@ -29874,8 +29874,8 @@
           </p:nvSpPr>
           <p:spPr>
             <a:xfrm>
-              <a:off x="6182697" y="1681001"/>
-              <a:ext cx="249673" cy="57602"/>
+              <a:off x="6297931" y="1681001"/>
+              <a:ext cx="326495" cy="57602"/>
             </a:xfrm>
             <a:prstGeom prst="rect">
               <a:avLst/>
@@ -29909,8 +29909,8 @@
           </p:nvSpPr>
           <p:spPr>
             <a:xfrm>
-              <a:off x="6182697" y="1623398"/>
-              <a:ext cx="249673" cy="57602"/>
+              <a:off x="6297931" y="1623398"/>
+              <a:ext cx="326495" cy="57602"/>
             </a:xfrm>
             <a:prstGeom prst="rect">
               <a:avLst/>
@@ -29944,8 +29944,8 @@
           </p:nvSpPr>
           <p:spPr>
             <a:xfrm>
-              <a:off x="6182697" y="1565796"/>
-              <a:ext cx="249673" cy="57602"/>
+              <a:off x="6297931" y="1565796"/>
+              <a:ext cx="326495" cy="57602"/>
             </a:xfrm>
             <a:prstGeom prst="rect">
               <a:avLst/>
@@ -29979,8 +29979,8 @@
           </p:nvSpPr>
           <p:spPr>
             <a:xfrm>
-              <a:off x="6182697" y="1508194"/>
-              <a:ext cx="249673" cy="57602"/>
+              <a:off x="6297931" y="1508194"/>
+              <a:ext cx="326495" cy="57602"/>
             </a:xfrm>
             <a:prstGeom prst="rect">
               <a:avLst/>
@@ -30014,8 +30014,8 @@
           </p:nvSpPr>
           <p:spPr>
             <a:xfrm>
-              <a:off x="6182697" y="1450592"/>
-              <a:ext cx="249673" cy="57602"/>
+              <a:off x="6297931" y="1450592"/>
+              <a:ext cx="326495" cy="57602"/>
             </a:xfrm>
             <a:prstGeom prst="rect">
               <a:avLst/>
@@ -30049,8 +30049,8 @@
           </p:nvSpPr>
           <p:spPr>
             <a:xfrm>
-              <a:off x="6182697" y="1392990"/>
-              <a:ext cx="249673" cy="57602"/>
+              <a:off x="6297931" y="1392990"/>
+              <a:ext cx="326495" cy="57602"/>
             </a:xfrm>
             <a:prstGeom prst="rect">
               <a:avLst/>
@@ -30084,8 +30084,8 @@
           </p:nvSpPr>
           <p:spPr>
             <a:xfrm>
-              <a:off x="6432371" y="7153214"/>
-              <a:ext cx="249673" cy="57602"/>
+              <a:off x="6624427" y="7153214"/>
+              <a:ext cx="326495" cy="57602"/>
             </a:xfrm>
             <a:prstGeom prst="rect">
               <a:avLst/>
@@ -30119,8 +30119,8 @@
           </p:nvSpPr>
           <p:spPr>
             <a:xfrm>
-              <a:off x="6432371" y="7095611"/>
-              <a:ext cx="249673" cy="57602"/>
+              <a:off x="6624427" y="7095611"/>
+              <a:ext cx="326495" cy="57602"/>
             </a:xfrm>
             <a:prstGeom prst="rect">
               <a:avLst/>
@@ -30154,8 +30154,8 @@
           </p:nvSpPr>
           <p:spPr>
             <a:xfrm>
-              <a:off x="6432371" y="7038009"/>
-              <a:ext cx="249673" cy="57602"/>
+              <a:off x="6624427" y="7038009"/>
+              <a:ext cx="326495" cy="57602"/>
             </a:xfrm>
             <a:prstGeom prst="rect">
               <a:avLst/>
@@ -30189,8 +30189,8 @@
           </p:nvSpPr>
           <p:spPr>
             <a:xfrm>
-              <a:off x="6432371" y="6980407"/>
-              <a:ext cx="249673" cy="57602"/>
+              <a:off x="6624427" y="6980407"/>
+              <a:ext cx="326495" cy="57602"/>
             </a:xfrm>
             <a:prstGeom prst="rect">
               <a:avLst/>
@@ -30224,8 +30224,8 @@
           </p:nvSpPr>
           <p:spPr>
             <a:xfrm>
-              <a:off x="6432371" y="6922805"/>
-              <a:ext cx="249673" cy="57602"/>
+              <a:off x="6624427" y="6922805"/>
+              <a:ext cx="326495" cy="57602"/>
             </a:xfrm>
             <a:prstGeom prst="rect">
               <a:avLst/>
@@ -30259,8 +30259,8 @@
           </p:nvSpPr>
           <p:spPr>
             <a:xfrm>
-              <a:off x="6432371" y="6865202"/>
-              <a:ext cx="249673" cy="57602"/>
+              <a:off x="6624427" y="6865202"/>
+              <a:ext cx="326495" cy="57602"/>
             </a:xfrm>
             <a:prstGeom prst="rect">
               <a:avLst/>
@@ -30294,8 +30294,8 @@
           </p:nvSpPr>
           <p:spPr>
             <a:xfrm>
-              <a:off x="6432371" y="6807600"/>
-              <a:ext cx="249673" cy="57602"/>
+              <a:off x="6624427" y="6807600"/>
+              <a:ext cx="326495" cy="57602"/>
             </a:xfrm>
             <a:prstGeom prst="rect">
               <a:avLst/>
@@ -30329,8 +30329,8 @@
           </p:nvSpPr>
           <p:spPr>
             <a:xfrm>
-              <a:off x="6432371" y="6749998"/>
-              <a:ext cx="249673" cy="57602"/>
+              <a:off x="6624427" y="6749998"/>
+              <a:ext cx="326495" cy="57602"/>
             </a:xfrm>
             <a:prstGeom prst="rect">
               <a:avLst/>
@@ -30364,8 +30364,8 @@
           </p:nvSpPr>
           <p:spPr>
             <a:xfrm>
-              <a:off x="6432371" y="6692396"/>
-              <a:ext cx="249673" cy="57602"/>
+              <a:off x="6624427" y="6692396"/>
+              <a:ext cx="326495" cy="57602"/>
             </a:xfrm>
             <a:prstGeom prst="rect">
               <a:avLst/>
@@ -30399,8 +30399,8 @@
           </p:nvSpPr>
           <p:spPr>
             <a:xfrm>
-              <a:off x="6432371" y="6634794"/>
-              <a:ext cx="249673" cy="57602"/>
+              <a:off x="6624427" y="6634794"/>
+              <a:ext cx="326495" cy="57602"/>
             </a:xfrm>
             <a:prstGeom prst="rect">
               <a:avLst/>
@@ -30434,8 +30434,8 @@
           </p:nvSpPr>
           <p:spPr>
             <a:xfrm>
-              <a:off x="6432371" y="6577191"/>
-              <a:ext cx="249673" cy="57602"/>
+              <a:off x="6624427" y="6577191"/>
+              <a:ext cx="326495" cy="57602"/>
             </a:xfrm>
             <a:prstGeom prst="rect">
               <a:avLst/>
@@ -30469,8 +30469,8 @@
           </p:nvSpPr>
           <p:spPr>
             <a:xfrm>
-              <a:off x="6432371" y="6519589"/>
-              <a:ext cx="249673" cy="57602"/>
+              <a:off x="6624427" y="6519589"/>
+              <a:ext cx="326495" cy="57602"/>
             </a:xfrm>
             <a:prstGeom prst="rect">
               <a:avLst/>
@@ -30504,8 +30504,8 @@
           </p:nvSpPr>
           <p:spPr>
             <a:xfrm>
-              <a:off x="6432371" y="6461987"/>
-              <a:ext cx="249673" cy="57602"/>
+              <a:off x="6624427" y="6461987"/>
+              <a:ext cx="326495" cy="57602"/>
             </a:xfrm>
             <a:prstGeom prst="rect">
               <a:avLst/>
@@ -30539,8 +30539,8 @@
           </p:nvSpPr>
           <p:spPr>
             <a:xfrm>
-              <a:off x="6432371" y="6404385"/>
-              <a:ext cx="249673" cy="57602"/>
+              <a:off x="6624427" y="6404385"/>
+              <a:ext cx="326495" cy="57602"/>
             </a:xfrm>
             <a:prstGeom prst="rect">
               <a:avLst/>
@@ -30574,8 +30574,8 @@
           </p:nvSpPr>
           <p:spPr>
             <a:xfrm>
-              <a:off x="6432371" y="6346782"/>
-              <a:ext cx="249673" cy="57602"/>
+              <a:off x="6624427" y="6346782"/>
+              <a:ext cx="326495" cy="57602"/>
             </a:xfrm>
             <a:prstGeom prst="rect">
               <a:avLst/>
@@ -30609,8 +30609,8 @@
           </p:nvSpPr>
           <p:spPr>
             <a:xfrm>
-              <a:off x="6432371" y="6289180"/>
-              <a:ext cx="249673" cy="57602"/>
+              <a:off x="6624427" y="6289180"/>
+              <a:ext cx="326495" cy="57602"/>
             </a:xfrm>
             <a:prstGeom prst="rect">
               <a:avLst/>
@@ -30644,8 +30644,8 @@
           </p:nvSpPr>
           <p:spPr>
             <a:xfrm>
-              <a:off x="6432371" y="6231578"/>
-              <a:ext cx="249673" cy="57602"/>
+              <a:off x="6624427" y="6231578"/>
+              <a:ext cx="326495" cy="57602"/>
             </a:xfrm>
             <a:prstGeom prst="rect">
               <a:avLst/>
@@ -30679,8 +30679,8 @@
           </p:nvSpPr>
           <p:spPr>
             <a:xfrm>
-              <a:off x="6432371" y="6173976"/>
-              <a:ext cx="249673" cy="57602"/>
+              <a:off x="6624427" y="6173976"/>
+              <a:ext cx="326495" cy="57602"/>
             </a:xfrm>
             <a:prstGeom prst="rect">
               <a:avLst/>
@@ -30714,8 +30714,8 @@
           </p:nvSpPr>
           <p:spPr>
             <a:xfrm>
-              <a:off x="6432371" y="6116373"/>
-              <a:ext cx="249673" cy="57602"/>
+              <a:off x="6624427" y="6116373"/>
+              <a:ext cx="326495" cy="57602"/>
             </a:xfrm>
             <a:prstGeom prst="rect">
               <a:avLst/>
@@ -30749,8 +30749,8 @@
           </p:nvSpPr>
           <p:spPr>
             <a:xfrm>
-              <a:off x="6432371" y="6058771"/>
-              <a:ext cx="249673" cy="57602"/>
+              <a:off x="6624427" y="6058771"/>
+              <a:ext cx="326495" cy="57602"/>
             </a:xfrm>
             <a:prstGeom prst="rect">
               <a:avLst/>
@@ -30784,8 +30784,8 @@
           </p:nvSpPr>
           <p:spPr>
             <a:xfrm>
-              <a:off x="6432371" y="6001169"/>
-              <a:ext cx="249673" cy="57602"/>
+              <a:off x="6624427" y="6001169"/>
+              <a:ext cx="326495" cy="57602"/>
             </a:xfrm>
             <a:prstGeom prst="rect">
               <a:avLst/>
@@ -30819,8 +30819,8 @@
           </p:nvSpPr>
           <p:spPr>
             <a:xfrm>
-              <a:off x="6432371" y="5943567"/>
-              <a:ext cx="249673" cy="57602"/>
+              <a:off x="6624427" y="5943567"/>
+              <a:ext cx="326495" cy="57602"/>
             </a:xfrm>
             <a:prstGeom prst="rect">
               <a:avLst/>
@@ -30854,8 +30854,8 @@
           </p:nvSpPr>
           <p:spPr>
             <a:xfrm>
-              <a:off x="6432371" y="5885964"/>
-              <a:ext cx="249673" cy="57602"/>
+              <a:off x="6624427" y="5885964"/>
+              <a:ext cx="326495" cy="57602"/>
             </a:xfrm>
             <a:prstGeom prst="rect">
               <a:avLst/>
@@ -30889,8 +30889,8 @@
           </p:nvSpPr>
           <p:spPr>
             <a:xfrm>
-              <a:off x="6432371" y="5828362"/>
-              <a:ext cx="249673" cy="57602"/>
+              <a:off x="6624427" y="5828362"/>
+              <a:ext cx="326495" cy="57602"/>
             </a:xfrm>
             <a:prstGeom prst="rect">
               <a:avLst/>
@@ -30924,8 +30924,8 @@
           </p:nvSpPr>
           <p:spPr>
             <a:xfrm>
-              <a:off x="6432371" y="5770760"/>
-              <a:ext cx="249673" cy="57602"/>
+              <a:off x="6624427" y="5770760"/>
+              <a:ext cx="326495" cy="57602"/>
             </a:xfrm>
             <a:prstGeom prst="rect">
               <a:avLst/>
@@ -30959,8 +30959,8 @@
           </p:nvSpPr>
           <p:spPr>
             <a:xfrm>
-              <a:off x="6432371" y="5713158"/>
-              <a:ext cx="249673" cy="57602"/>
+              <a:off x="6624427" y="5713158"/>
+              <a:ext cx="326495" cy="57602"/>
             </a:xfrm>
             <a:prstGeom prst="rect">
               <a:avLst/>
@@ -30994,8 +30994,8 @@
           </p:nvSpPr>
           <p:spPr>
             <a:xfrm>
-              <a:off x="6432371" y="5655555"/>
-              <a:ext cx="249673" cy="57602"/>
+              <a:off x="6624427" y="5655555"/>
+              <a:ext cx="326495" cy="57602"/>
             </a:xfrm>
             <a:prstGeom prst="rect">
               <a:avLst/>
@@ -31029,8 +31029,8 @@
           </p:nvSpPr>
           <p:spPr>
             <a:xfrm>
-              <a:off x="6432371" y="5597953"/>
-              <a:ext cx="249673" cy="57602"/>
+              <a:off x="6624427" y="5597953"/>
+              <a:ext cx="326495" cy="57602"/>
             </a:xfrm>
             <a:prstGeom prst="rect">
               <a:avLst/>
@@ -31064,8 +31064,8 @@
           </p:nvSpPr>
           <p:spPr>
             <a:xfrm>
-              <a:off x="6432371" y="5540351"/>
-              <a:ext cx="249673" cy="57602"/>
+              <a:off x="6624427" y="5540351"/>
+              <a:ext cx="326495" cy="57602"/>
             </a:xfrm>
             <a:prstGeom prst="rect">
               <a:avLst/>
@@ -31099,8 +31099,8 @@
           </p:nvSpPr>
           <p:spPr>
             <a:xfrm>
-              <a:off x="6432371" y="5482749"/>
-              <a:ext cx="249673" cy="57602"/>
+              <a:off x="6624427" y="5482749"/>
+              <a:ext cx="326495" cy="57602"/>
             </a:xfrm>
             <a:prstGeom prst="rect">
               <a:avLst/>
@@ -31134,8 +31134,8 @@
           </p:nvSpPr>
           <p:spPr>
             <a:xfrm>
-              <a:off x="6432371" y="5425146"/>
-              <a:ext cx="249673" cy="57602"/>
+              <a:off x="6624427" y="5425146"/>
+              <a:ext cx="326495" cy="57602"/>
             </a:xfrm>
             <a:prstGeom prst="rect">
               <a:avLst/>
@@ -31169,8 +31169,8 @@
           </p:nvSpPr>
           <p:spPr>
             <a:xfrm>
-              <a:off x="6432371" y="5367544"/>
-              <a:ext cx="249673" cy="57602"/>
+              <a:off x="6624427" y="5367544"/>
+              <a:ext cx="326495" cy="57602"/>
             </a:xfrm>
             <a:prstGeom prst="rect">
               <a:avLst/>
@@ -31204,8 +31204,8 @@
           </p:nvSpPr>
           <p:spPr>
             <a:xfrm>
-              <a:off x="6432371" y="5309942"/>
-              <a:ext cx="249673" cy="57602"/>
+              <a:off x="6624427" y="5309942"/>
+              <a:ext cx="326495" cy="57602"/>
             </a:xfrm>
             <a:prstGeom prst="rect">
               <a:avLst/>
@@ -31239,8 +31239,8 @@
           </p:nvSpPr>
           <p:spPr>
             <a:xfrm>
-              <a:off x="6432371" y="5252340"/>
-              <a:ext cx="249673" cy="57602"/>
+              <a:off x="6624427" y="5252340"/>
+              <a:ext cx="326495" cy="57602"/>
             </a:xfrm>
             <a:prstGeom prst="rect">
               <a:avLst/>
@@ -31274,8 +31274,8 @@
           </p:nvSpPr>
           <p:spPr>
             <a:xfrm>
-              <a:off x="6432371" y="5194737"/>
-              <a:ext cx="249673" cy="57602"/>
+              <a:off x="6624427" y="5194737"/>
+              <a:ext cx="326495" cy="57602"/>
             </a:xfrm>
             <a:prstGeom prst="rect">
               <a:avLst/>
@@ -31309,8 +31309,8 @@
           </p:nvSpPr>
           <p:spPr>
             <a:xfrm>
-              <a:off x="6432371" y="5137135"/>
-              <a:ext cx="249673" cy="57602"/>
+              <a:off x="6624427" y="5137135"/>
+              <a:ext cx="326495" cy="57602"/>
             </a:xfrm>
             <a:prstGeom prst="rect">
               <a:avLst/>
@@ -31344,8 +31344,8 @@
           </p:nvSpPr>
           <p:spPr>
             <a:xfrm>
-              <a:off x="6432371" y="5079533"/>
-              <a:ext cx="249673" cy="57602"/>
+              <a:off x="6624427" y="5079533"/>
+              <a:ext cx="326495" cy="57602"/>
             </a:xfrm>
             <a:prstGeom prst="rect">
               <a:avLst/>
@@ -31379,8 +31379,8 @@
           </p:nvSpPr>
           <p:spPr>
             <a:xfrm>
-              <a:off x="6432371" y="5021931"/>
-              <a:ext cx="249673" cy="57602"/>
+              <a:off x="6624427" y="5021931"/>
+              <a:ext cx="326495" cy="57602"/>
             </a:xfrm>
             <a:prstGeom prst="rect">
               <a:avLst/>
@@ -31414,8 +31414,8 @@
           </p:nvSpPr>
           <p:spPr>
             <a:xfrm>
-              <a:off x="6432371" y="4964329"/>
-              <a:ext cx="249673" cy="57602"/>
+              <a:off x="6624427" y="4964329"/>
+              <a:ext cx="326495" cy="57602"/>
             </a:xfrm>
             <a:prstGeom prst="rect">
               <a:avLst/>
@@ -31449,8 +31449,8 @@
           </p:nvSpPr>
           <p:spPr>
             <a:xfrm>
-              <a:off x="6432371" y="4906726"/>
-              <a:ext cx="249673" cy="57602"/>
+              <a:off x="6624427" y="4906726"/>
+              <a:ext cx="326495" cy="57602"/>
             </a:xfrm>
             <a:prstGeom prst="rect">
               <a:avLst/>
@@ -31484,8 +31484,8 @@
           </p:nvSpPr>
           <p:spPr>
             <a:xfrm>
-              <a:off x="6432371" y="4849124"/>
-              <a:ext cx="249673" cy="57602"/>
+              <a:off x="6624427" y="4849124"/>
+              <a:ext cx="326495" cy="57602"/>
             </a:xfrm>
             <a:prstGeom prst="rect">
               <a:avLst/>
@@ -31519,8 +31519,8 @@
           </p:nvSpPr>
           <p:spPr>
             <a:xfrm>
-              <a:off x="6432371" y="4791522"/>
-              <a:ext cx="249673" cy="57602"/>
+              <a:off x="6624427" y="4791522"/>
+              <a:ext cx="326495" cy="57602"/>
             </a:xfrm>
             <a:prstGeom prst="rect">
               <a:avLst/>
@@ -31554,8 +31554,8 @@
           </p:nvSpPr>
           <p:spPr>
             <a:xfrm>
-              <a:off x="6432371" y="4733920"/>
-              <a:ext cx="249673" cy="57602"/>
+              <a:off x="6624427" y="4733920"/>
+              <a:ext cx="326495" cy="57602"/>
             </a:xfrm>
             <a:prstGeom prst="rect">
               <a:avLst/>
@@ -31589,8 +31589,8 @@
           </p:nvSpPr>
           <p:spPr>
             <a:xfrm>
-              <a:off x="6432371" y="4676317"/>
-              <a:ext cx="249673" cy="57602"/>
+              <a:off x="6624427" y="4676317"/>
+              <a:ext cx="326495" cy="57602"/>
             </a:xfrm>
             <a:prstGeom prst="rect">
               <a:avLst/>
@@ -31624,8 +31624,8 @@
           </p:nvSpPr>
           <p:spPr>
             <a:xfrm>
-              <a:off x="6432371" y="4618715"/>
-              <a:ext cx="249673" cy="57602"/>
+              <a:off x="6624427" y="4618715"/>
+              <a:ext cx="326495" cy="57602"/>
             </a:xfrm>
             <a:prstGeom prst="rect">
               <a:avLst/>
@@ -31659,8 +31659,8 @@
           </p:nvSpPr>
           <p:spPr>
             <a:xfrm>
-              <a:off x="6432371" y="4561113"/>
-              <a:ext cx="249673" cy="57602"/>
+              <a:off x="6624427" y="4561113"/>
+              <a:ext cx="326495" cy="57602"/>
             </a:xfrm>
             <a:prstGeom prst="rect">
               <a:avLst/>
@@ -31694,8 +31694,8 @@
           </p:nvSpPr>
           <p:spPr>
             <a:xfrm>
-              <a:off x="6432371" y="4503511"/>
-              <a:ext cx="249673" cy="57602"/>
+              <a:off x="6624427" y="4503511"/>
+              <a:ext cx="326495" cy="57602"/>
             </a:xfrm>
             <a:prstGeom prst="rect">
               <a:avLst/>
@@ -31729,8 +31729,8 @@
           </p:nvSpPr>
           <p:spPr>
             <a:xfrm>
-              <a:off x="6432371" y="4445908"/>
-              <a:ext cx="249673" cy="57602"/>
+              <a:off x="6624427" y="4445908"/>
+              <a:ext cx="326495" cy="57602"/>
             </a:xfrm>
             <a:prstGeom prst="rect">
               <a:avLst/>
@@ -31764,8 +31764,8 @@
           </p:nvSpPr>
           <p:spPr>
             <a:xfrm>
-              <a:off x="6432371" y="4388306"/>
-              <a:ext cx="249673" cy="57602"/>
+              <a:off x="6624427" y="4388306"/>
+              <a:ext cx="326495" cy="57602"/>
             </a:xfrm>
             <a:prstGeom prst="rect">
               <a:avLst/>
@@ -31799,8 +31799,8 @@
           </p:nvSpPr>
           <p:spPr>
             <a:xfrm>
-              <a:off x="6432371" y="4330704"/>
-              <a:ext cx="249673" cy="57602"/>
+              <a:off x="6624427" y="4330704"/>
+              <a:ext cx="326495" cy="57602"/>
             </a:xfrm>
             <a:prstGeom prst="rect">
               <a:avLst/>
@@ -31834,8 +31834,8 @@
           </p:nvSpPr>
           <p:spPr>
             <a:xfrm>
-              <a:off x="6432371" y="4273102"/>
-              <a:ext cx="249673" cy="57602"/>
+              <a:off x="6624427" y="4273102"/>
+              <a:ext cx="326495" cy="57602"/>
             </a:xfrm>
             <a:prstGeom prst="rect">
               <a:avLst/>
@@ -31869,8 +31869,8 @@
           </p:nvSpPr>
           <p:spPr>
             <a:xfrm>
-              <a:off x="6432371" y="4215499"/>
-              <a:ext cx="249673" cy="57602"/>
+              <a:off x="6624427" y="4215499"/>
+              <a:ext cx="326495" cy="57602"/>
             </a:xfrm>
             <a:prstGeom prst="rect">
               <a:avLst/>
@@ -31904,8 +31904,8 @@
           </p:nvSpPr>
           <p:spPr>
             <a:xfrm>
-              <a:off x="6432371" y="4157897"/>
-              <a:ext cx="249673" cy="57602"/>
+              <a:off x="6624427" y="4157897"/>
+              <a:ext cx="326495" cy="57602"/>
             </a:xfrm>
             <a:prstGeom prst="rect">
               <a:avLst/>
@@ -31939,8 +31939,8 @@
           </p:nvSpPr>
           <p:spPr>
             <a:xfrm>
-              <a:off x="6432371" y="4100295"/>
-              <a:ext cx="249673" cy="57602"/>
+              <a:off x="6624427" y="4100295"/>
+              <a:ext cx="326495" cy="57602"/>
             </a:xfrm>
             <a:prstGeom prst="rect">
               <a:avLst/>
@@ -31974,8 +31974,8 @@
           </p:nvSpPr>
           <p:spPr>
             <a:xfrm>
-              <a:off x="6432371" y="4042693"/>
-              <a:ext cx="249673" cy="57602"/>
+              <a:off x="6624427" y="4042693"/>
+              <a:ext cx="326495" cy="57602"/>
             </a:xfrm>
             <a:prstGeom prst="rect">
               <a:avLst/>
@@ -32009,8 +32009,8 @@
           </p:nvSpPr>
           <p:spPr>
             <a:xfrm>
-              <a:off x="6432371" y="3985090"/>
-              <a:ext cx="249673" cy="57602"/>
+              <a:off x="6624427" y="3985090"/>
+              <a:ext cx="326495" cy="57602"/>
             </a:xfrm>
             <a:prstGeom prst="rect">
               <a:avLst/>
@@ -32044,8 +32044,8 @@
           </p:nvSpPr>
           <p:spPr>
             <a:xfrm>
-              <a:off x="6432371" y="3927488"/>
-              <a:ext cx="249673" cy="57602"/>
+              <a:off x="6624427" y="3927488"/>
+              <a:ext cx="326495" cy="57602"/>
             </a:xfrm>
             <a:prstGeom prst="rect">
               <a:avLst/>
@@ -32079,8 +32079,8 @@
           </p:nvSpPr>
           <p:spPr>
             <a:xfrm>
-              <a:off x="6432371" y="3869886"/>
-              <a:ext cx="249673" cy="57602"/>
+              <a:off x="6624427" y="3869886"/>
+              <a:ext cx="326495" cy="57602"/>
             </a:xfrm>
             <a:prstGeom prst="rect">
               <a:avLst/>
@@ -32114,8 +32114,8 @@
           </p:nvSpPr>
           <p:spPr>
             <a:xfrm>
-              <a:off x="6432371" y="3812284"/>
-              <a:ext cx="249673" cy="57602"/>
+              <a:off x="6624427" y="3812284"/>
+              <a:ext cx="326495" cy="57602"/>
             </a:xfrm>
             <a:prstGeom prst="rect">
               <a:avLst/>
@@ -32149,8 +32149,8 @@
           </p:nvSpPr>
           <p:spPr>
             <a:xfrm>
-              <a:off x="6432371" y="3754681"/>
-              <a:ext cx="249673" cy="57602"/>
+              <a:off x="6624427" y="3754681"/>
+              <a:ext cx="326495" cy="57602"/>
             </a:xfrm>
             <a:prstGeom prst="rect">
               <a:avLst/>
@@ -32184,8 +32184,8 @@
           </p:nvSpPr>
           <p:spPr>
             <a:xfrm>
-              <a:off x="6432371" y="3697079"/>
-              <a:ext cx="249673" cy="57602"/>
+              <a:off x="6624427" y="3697079"/>
+              <a:ext cx="326495" cy="57602"/>
             </a:xfrm>
             <a:prstGeom prst="rect">
               <a:avLst/>
@@ -32219,8 +32219,8 @@
           </p:nvSpPr>
           <p:spPr>
             <a:xfrm>
-              <a:off x="6432371" y="3639477"/>
-              <a:ext cx="249673" cy="57602"/>
+              <a:off x="6624427" y="3639477"/>
+              <a:ext cx="326495" cy="57602"/>
             </a:xfrm>
             <a:prstGeom prst="rect">
               <a:avLst/>
@@ -32254,8 +32254,8 @@
           </p:nvSpPr>
           <p:spPr>
             <a:xfrm>
-              <a:off x="6432371" y="3581875"/>
-              <a:ext cx="249673" cy="57602"/>
+              <a:off x="6624427" y="3581875"/>
+              <a:ext cx="326495" cy="57602"/>
             </a:xfrm>
             <a:prstGeom prst="rect">
               <a:avLst/>
@@ -32289,8 +32289,8 @@
           </p:nvSpPr>
           <p:spPr>
             <a:xfrm>
-              <a:off x="6432371" y="3524272"/>
-              <a:ext cx="249673" cy="57602"/>
+              <a:off x="6624427" y="3524272"/>
+              <a:ext cx="326495" cy="57602"/>
             </a:xfrm>
             <a:prstGeom prst="rect">
               <a:avLst/>
@@ -32324,8 +32324,8 @@
           </p:nvSpPr>
           <p:spPr>
             <a:xfrm>
-              <a:off x="6432371" y="3466670"/>
-              <a:ext cx="249673" cy="57602"/>
+              <a:off x="6624427" y="3466670"/>
+              <a:ext cx="326495" cy="57602"/>
             </a:xfrm>
             <a:prstGeom prst="rect">
               <a:avLst/>
@@ -32359,8 +32359,8 @@
           </p:nvSpPr>
           <p:spPr>
             <a:xfrm>
-              <a:off x="6432371" y="3409068"/>
-              <a:ext cx="249673" cy="57602"/>
+              <a:off x="6624427" y="3409068"/>
+              <a:ext cx="326495" cy="57602"/>
             </a:xfrm>
             <a:prstGeom prst="rect">
               <a:avLst/>
@@ -32394,8 +32394,8 @@
           </p:nvSpPr>
           <p:spPr>
             <a:xfrm>
-              <a:off x="6432371" y="3351466"/>
-              <a:ext cx="249673" cy="57602"/>
+              <a:off x="6624427" y="3351466"/>
+              <a:ext cx="326495" cy="57602"/>
             </a:xfrm>
             <a:prstGeom prst="rect">
               <a:avLst/>
@@ -32429,8 +32429,8 @@
           </p:nvSpPr>
           <p:spPr>
             <a:xfrm>
-              <a:off x="6432371" y="3293864"/>
-              <a:ext cx="249673" cy="57602"/>
+              <a:off x="6624427" y="3293864"/>
+              <a:ext cx="326495" cy="57602"/>
             </a:xfrm>
             <a:prstGeom prst="rect">
               <a:avLst/>
@@ -32464,8 +32464,8 @@
           </p:nvSpPr>
           <p:spPr>
             <a:xfrm>
-              <a:off x="6432371" y="3236261"/>
-              <a:ext cx="249673" cy="57602"/>
+              <a:off x="6624427" y="3236261"/>
+              <a:ext cx="326495" cy="57602"/>
             </a:xfrm>
             <a:prstGeom prst="rect">
               <a:avLst/>
@@ -32499,8 +32499,8 @@
           </p:nvSpPr>
           <p:spPr>
             <a:xfrm>
-              <a:off x="6432371" y="3178659"/>
-              <a:ext cx="249673" cy="57602"/>
+              <a:off x="6624427" y="3178659"/>
+              <a:ext cx="326495" cy="57602"/>
             </a:xfrm>
             <a:prstGeom prst="rect">
               <a:avLst/>
@@ -32534,8 +32534,8 @@
           </p:nvSpPr>
           <p:spPr>
             <a:xfrm>
-              <a:off x="6432371" y="3121057"/>
-              <a:ext cx="249673" cy="57602"/>
+              <a:off x="6624427" y="3121057"/>
+              <a:ext cx="326495" cy="57602"/>
             </a:xfrm>
             <a:prstGeom prst="rect">
               <a:avLst/>
@@ -32569,8 +32569,8 @@
           </p:nvSpPr>
           <p:spPr>
             <a:xfrm>
-              <a:off x="6432371" y="3063455"/>
-              <a:ext cx="249673" cy="57602"/>
+              <a:off x="6624427" y="3063455"/>
+              <a:ext cx="326495" cy="57602"/>
             </a:xfrm>
             <a:prstGeom prst="rect">
               <a:avLst/>
@@ -32604,8 +32604,8 @@
           </p:nvSpPr>
           <p:spPr>
             <a:xfrm>
-              <a:off x="6432371" y="3005852"/>
-              <a:ext cx="249673" cy="57602"/>
+              <a:off x="6624427" y="3005852"/>
+              <a:ext cx="326495" cy="57602"/>
             </a:xfrm>
             <a:prstGeom prst="rect">
               <a:avLst/>
@@ -32639,8 +32639,8 @@
           </p:nvSpPr>
           <p:spPr>
             <a:xfrm>
-              <a:off x="6432371" y="2948250"/>
-              <a:ext cx="249673" cy="57602"/>
+              <a:off x="6624427" y="2948250"/>
+              <a:ext cx="326495" cy="57602"/>
             </a:xfrm>
             <a:prstGeom prst="rect">
               <a:avLst/>
@@ -32674,8 +32674,8 @@
           </p:nvSpPr>
           <p:spPr>
             <a:xfrm>
-              <a:off x="6432371" y="2890648"/>
-              <a:ext cx="249673" cy="57602"/>
+              <a:off x="6624427" y="2890648"/>
+              <a:ext cx="326495" cy="57602"/>
             </a:xfrm>
             <a:prstGeom prst="rect">
               <a:avLst/>
@@ -32709,8 +32709,8 @@
           </p:nvSpPr>
           <p:spPr>
             <a:xfrm>
-              <a:off x="6432371" y="2833046"/>
-              <a:ext cx="249673" cy="57602"/>
+              <a:off x="6624427" y="2833046"/>
+              <a:ext cx="326495" cy="57602"/>
             </a:xfrm>
             <a:prstGeom prst="rect">
               <a:avLst/>
@@ -32744,8 +32744,8 @@
           </p:nvSpPr>
           <p:spPr>
             <a:xfrm>
-              <a:off x="6432371" y="2775443"/>
-              <a:ext cx="249673" cy="57602"/>
+              <a:off x="6624427" y="2775443"/>
+              <a:ext cx="326495" cy="57602"/>
             </a:xfrm>
             <a:prstGeom prst="rect">
               <a:avLst/>
@@ -32779,8 +32779,8 @@
           </p:nvSpPr>
           <p:spPr>
             <a:xfrm>
-              <a:off x="6432371" y="2717841"/>
-              <a:ext cx="249673" cy="57602"/>
+              <a:off x="6624427" y="2717841"/>
+              <a:ext cx="326495" cy="57602"/>
             </a:xfrm>
             <a:prstGeom prst="rect">
               <a:avLst/>
@@ -32814,8 +32814,8 @@
           </p:nvSpPr>
           <p:spPr>
             <a:xfrm>
-              <a:off x="6432371" y="2660239"/>
-              <a:ext cx="249673" cy="57602"/>
+              <a:off x="6624427" y="2660239"/>
+              <a:ext cx="326495" cy="57602"/>
             </a:xfrm>
             <a:prstGeom prst="rect">
               <a:avLst/>
@@ -32849,8 +32849,8 @@
           </p:nvSpPr>
           <p:spPr>
             <a:xfrm>
-              <a:off x="6432371" y="2602637"/>
-              <a:ext cx="249673" cy="57602"/>
+              <a:off x="6624427" y="2602637"/>
+              <a:ext cx="326495" cy="57602"/>
             </a:xfrm>
             <a:prstGeom prst="rect">
               <a:avLst/>
@@ -32884,8 +32884,8 @@
           </p:nvSpPr>
           <p:spPr>
             <a:xfrm>
-              <a:off x="6432371" y="2545034"/>
-              <a:ext cx="249673" cy="57602"/>
+              <a:off x="6624427" y="2545034"/>
+              <a:ext cx="326495" cy="57602"/>
             </a:xfrm>
             <a:prstGeom prst="rect">
               <a:avLst/>
@@ -32919,8 +32919,8 @@
           </p:nvSpPr>
           <p:spPr>
             <a:xfrm>
-              <a:off x="6432371" y="2487432"/>
-              <a:ext cx="249673" cy="57602"/>
+              <a:off x="6624427" y="2487432"/>
+              <a:ext cx="326495" cy="57602"/>
             </a:xfrm>
             <a:prstGeom prst="rect">
               <a:avLst/>
@@ -32954,8 +32954,8 @@
           </p:nvSpPr>
           <p:spPr>
             <a:xfrm>
-              <a:off x="6432371" y="2429830"/>
-              <a:ext cx="249673" cy="57602"/>
+              <a:off x="6624427" y="2429830"/>
+              <a:ext cx="326495" cy="57602"/>
             </a:xfrm>
             <a:prstGeom prst="rect">
               <a:avLst/>
@@ -32989,8 +32989,8 @@
           </p:nvSpPr>
           <p:spPr>
             <a:xfrm>
-              <a:off x="6432371" y="2372228"/>
-              <a:ext cx="249673" cy="57602"/>
+              <a:off x="6624427" y="2372228"/>
+              <a:ext cx="326495" cy="57602"/>
             </a:xfrm>
             <a:prstGeom prst="rect">
               <a:avLst/>
@@ -33024,8 +33024,8 @@
           </p:nvSpPr>
           <p:spPr>
             <a:xfrm>
-              <a:off x="6432371" y="2314625"/>
-              <a:ext cx="249673" cy="57602"/>
+              <a:off x="6624427" y="2314625"/>
+              <a:ext cx="326495" cy="57602"/>
             </a:xfrm>
             <a:prstGeom prst="rect">
               <a:avLst/>
@@ -33059,8 +33059,8 @@
           </p:nvSpPr>
           <p:spPr>
             <a:xfrm>
-              <a:off x="6432371" y="2257023"/>
-              <a:ext cx="249673" cy="57602"/>
+              <a:off x="6624427" y="2257023"/>
+              <a:ext cx="326495" cy="57602"/>
             </a:xfrm>
             <a:prstGeom prst="rect">
               <a:avLst/>
@@ -33094,8 +33094,8 @@
           </p:nvSpPr>
           <p:spPr>
             <a:xfrm>
-              <a:off x="6432371" y="2199421"/>
-              <a:ext cx="249673" cy="57602"/>
+              <a:off x="6624427" y="2199421"/>
+              <a:ext cx="326495" cy="57602"/>
             </a:xfrm>
             <a:prstGeom prst="rect">
               <a:avLst/>
@@ -33129,8 +33129,8 @@
           </p:nvSpPr>
           <p:spPr>
             <a:xfrm>
-              <a:off x="6432371" y="2141819"/>
-              <a:ext cx="249673" cy="57602"/>
+              <a:off x="6624427" y="2141819"/>
+              <a:ext cx="326495" cy="57602"/>
             </a:xfrm>
             <a:prstGeom prst="rect">
               <a:avLst/>
@@ -33164,8 +33164,8 @@
           </p:nvSpPr>
           <p:spPr>
             <a:xfrm>
-              <a:off x="6432371" y="2084216"/>
-              <a:ext cx="249673" cy="57602"/>
+              <a:off x="6624427" y="2084216"/>
+              <a:ext cx="326495" cy="57602"/>
             </a:xfrm>
             <a:prstGeom prst="rect">
               <a:avLst/>
@@ -33199,8 +33199,8 @@
           </p:nvSpPr>
           <p:spPr>
             <a:xfrm>
-              <a:off x="6432371" y="2026614"/>
-              <a:ext cx="249673" cy="57602"/>
+              <a:off x="6624427" y="2026614"/>
+              <a:ext cx="326495" cy="57602"/>
             </a:xfrm>
             <a:prstGeom prst="rect">
               <a:avLst/>
@@ -33234,8 +33234,8 @@
           </p:nvSpPr>
           <p:spPr>
             <a:xfrm>
-              <a:off x="6432371" y="1969012"/>
-              <a:ext cx="249673" cy="57602"/>
+              <a:off x="6624427" y="1969012"/>
+              <a:ext cx="326495" cy="57602"/>
             </a:xfrm>
             <a:prstGeom prst="rect">
               <a:avLst/>
@@ -33269,8 +33269,8 @@
           </p:nvSpPr>
           <p:spPr>
             <a:xfrm>
-              <a:off x="6432371" y="1911410"/>
-              <a:ext cx="249673" cy="57602"/>
+              <a:off x="6624427" y="1911410"/>
+              <a:ext cx="326495" cy="57602"/>
             </a:xfrm>
             <a:prstGeom prst="rect">
               <a:avLst/>
@@ -33304,8 +33304,8 @@
           </p:nvSpPr>
           <p:spPr>
             <a:xfrm>
-              <a:off x="6432371" y="1853807"/>
-              <a:ext cx="249673" cy="57602"/>
+              <a:off x="6624427" y="1853807"/>
+              <a:ext cx="326495" cy="57602"/>
             </a:xfrm>
             <a:prstGeom prst="rect">
               <a:avLst/>
@@ -33339,8 +33339,8 @@
           </p:nvSpPr>
           <p:spPr>
             <a:xfrm>
-              <a:off x="6432371" y="1796205"/>
-              <a:ext cx="249673" cy="57602"/>
+              <a:off x="6624427" y="1796205"/>
+              <a:ext cx="326495" cy="57602"/>
             </a:xfrm>
             <a:prstGeom prst="rect">
               <a:avLst/>
@@ -33374,8 +33374,8 @@
           </p:nvSpPr>
           <p:spPr>
             <a:xfrm>
-              <a:off x="6432371" y="1738603"/>
-              <a:ext cx="249673" cy="57602"/>
+              <a:off x="6624427" y="1738603"/>
+              <a:ext cx="326495" cy="57602"/>
             </a:xfrm>
             <a:prstGeom prst="rect">
               <a:avLst/>
@@ -33409,8 +33409,8 @@
           </p:nvSpPr>
           <p:spPr>
             <a:xfrm>
-              <a:off x="6432371" y="1681001"/>
-              <a:ext cx="249673" cy="57602"/>
+              <a:off x="6624427" y="1681001"/>
+              <a:ext cx="326495" cy="57602"/>
             </a:xfrm>
             <a:prstGeom prst="rect">
               <a:avLst/>
@@ -33444,8 +33444,8 @@
           </p:nvSpPr>
           <p:spPr>
             <a:xfrm>
-              <a:off x="6432371" y="1623398"/>
-              <a:ext cx="249673" cy="57602"/>
+              <a:off x="6624427" y="1623398"/>
+              <a:ext cx="326495" cy="57602"/>
             </a:xfrm>
             <a:prstGeom prst="rect">
               <a:avLst/>
@@ -33479,8 +33479,8 @@
           </p:nvSpPr>
           <p:spPr>
             <a:xfrm>
-              <a:off x="6432371" y="1565796"/>
-              <a:ext cx="249673" cy="57602"/>
+              <a:off x="6624427" y="1565796"/>
+              <a:ext cx="326495" cy="57602"/>
             </a:xfrm>
             <a:prstGeom prst="rect">
               <a:avLst/>
@@ -33514,8 +33514,8 @@
           </p:nvSpPr>
           <p:spPr>
             <a:xfrm>
-              <a:off x="6432371" y="1508194"/>
-              <a:ext cx="249673" cy="57602"/>
+              <a:off x="6624427" y="1508194"/>
+              <a:ext cx="326495" cy="57602"/>
             </a:xfrm>
             <a:prstGeom prst="rect">
               <a:avLst/>
@@ -33549,8 +33549,8 @@
           </p:nvSpPr>
           <p:spPr>
             <a:xfrm>
-              <a:off x="6432371" y="1450592"/>
-              <a:ext cx="249673" cy="57602"/>
+              <a:off x="6624427" y="1450592"/>
+              <a:ext cx="326495" cy="57602"/>
             </a:xfrm>
             <a:prstGeom prst="rect">
               <a:avLst/>
@@ -33584,8 +33584,8 @@
           </p:nvSpPr>
           <p:spPr>
             <a:xfrm>
-              <a:off x="6432371" y="1392990"/>
-              <a:ext cx="249673" cy="57602"/>
+              <a:off x="6624427" y="1392990"/>
+              <a:ext cx="326495" cy="57602"/>
             </a:xfrm>
             <a:prstGeom prst="rect">
               <a:avLst/>
@@ -33619,8 +33619,8 @@
           </p:nvSpPr>
           <p:spPr>
             <a:xfrm>
-              <a:off x="6682044" y="7153214"/>
-              <a:ext cx="249673" cy="57602"/>
+              <a:off x="6950923" y="7153214"/>
+              <a:ext cx="326495" cy="57602"/>
             </a:xfrm>
             <a:prstGeom prst="rect">
               <a:avLst/>
@@ -33654,8 +33654,8 @@
           </p:nvSpPr>
           <p:spPr>
             <a:xfrm>
-              <a:off x="6682044" y="7095611"/>
-              <a:ext cx="249673" cy="57602"/>
+              <a:off x="6950923" y="7095611"/>
+              <a:ext cx="326495" cy="57602"/>
             </a:xfrm>
             <a:prstGeom prst="rect">
               <a:avLst/>
@@ -33689,8 +33689,8 @@
           </p:nvSpPr>
           <p:spPr>
             <a:xfrm>
-              <a:off x="6682044" y="7038009"/>
-              <a:ext cx="249673" cy="57602"/>
+              <a:off x="6950923" y="7038009"/>
+              <a:ext cx="326495" cy="57602"/>
             </a:xfrm>
             <a:prstGeom prst="rect">
               <a:avLst/>
@@ -33724,8 +33724,8 @@
           </p:nvSpPr>
           <p:spPr>
             <a:xfrm>
-              <a:off x="6682044" y="6980407"/>
-              <a:ext cx="249673" cy="57602"/>
+              <a:off x="6950923" y="6980407"/>
+              <a:ext cx="326495" cy="57602"/>
             </a:xfrm>
             <a:prstGeom prst="rect">
               <a:avLst/>
@@ -33759,8 +33759,8 @@
           </p:nvSpPr>
           <p:spPr>
             <a:xfrm>
-              <a:off x="6682044" y="6922805"/>
-              <a:ext cx="249673" cy="57602"/>
+              <a:off x="6950923" y="6922805"/>
+              <a:ext cx="326495" cy="57602"/>
             </a:xfrm>
             <a:prstGeom prst="rect">
               <a:avLst/>
@@ -33794,8 +33794,8 @@
           </p:nvSpPr>
           <p:spPr>
             <a:xfrm>
-              <a:off x="6682044" y="6865202"/>
-              <a:ext cx="249673" cy="57602"/>
+              <a:off x="6950923" y="6865202"/>
+              <a:ext cx="326495" cy="57602"/>
             </a:xfrm>
             <a:prstGeom prst="rect">
               <a:avLst/>
@@ -33829,8 +33829,8 @@
           </p:nvSpPr>
           <p:spPr>
             <a:xfrm>
-              <a:off x="6682044" y="6807600"/>
-              <a:ext cx="249673" cy="57602"/>
+              <a:off x="6950923" y="6807600"/>
+              <a:ext cx="326495" cy="57602"/>
             </a:xfrm>
             <a:prstGeom prst="rect">
               <a:avLst/>
@@ -33864,8 +33864,8 @@
           </p:nvSpPr>
           <p:spPr>
             <a:xfrm>
-              <a:off x="6682044" y="6749998"/>
-              <a:ext cx="249673" cy="57602"/>
+              <a:off x="6950923" y="6749998"/>
+              <a:ext cx="326495" cy="57602"/>
             </a:xfrm>
             <a:prstGeom prst="rect">
               <a:avLst/>
@@ -33899,8 +33899,8 @@
           </p:nvSpPr>
           <p:spPr>
             <a:xfrm>
-              <a:off x="6682044" y="6692396"/>
-              <a:ext cx="249673" cy="57602"/>
+              <a:off x="6950923" y="6692396"/>
+              <a:ext cx="326495" cy="57602"/>
             </a:xfrm>
             <a:prstGeom prst="rect">
               <a:avLst/>
@@ -33934,8 +33934,8 @@
           </p:nvSpPr>
           <p:spPr>
             <a:xfrm>
-              <a:off x="6682044" y="6634794"/>
-              <a:ext cx="249673" cy="57602"/>
+              <a:off x="6950923" y="6634794"/>
+              <a:ext cx="326495" cy="57602"/>
             </a:xfrm>
             <a:prstGeom prst="rect">
               <a:avLst/>
@@ -33969,8 +33969,8 @@
           </p:nvSpPr>
           <p:spPr>
             <a:xfrm>
-              <a:off x="6682044" y="6577191"/>
-              <a:ext cx="249673" cy="57602"/>
+              <a:off x="6950923" y="6577191"/>
+              <a:ext cx="326495" cy="57602"/>
             </a:xfrm>
             <a:prstGeom prst="rect">
               <a:avLst/>
@@ -34004,8 +34004,8 @@
           </p:nvSpPr>
           <p:spPr>
             <a:xfrm>
-              <a:off x="6682044" y="6519589"/>
-              <a:ext cx="249673" cy="57602"/>
+              <a:off x="6950923" y="6519589"/>
+              <a:ext cx="326495" cy="57602"/>
             </a:xfrm>
             <a:prstGeom prst="rect">
               <a:avLst/>
@@ -34039,8 +34039,8 @@
           </p:nvSpPr>
           <p:spPr>
             <a:xfrm>
-              <a:off x="6682044" y="6461987"/>
-              <a:ext cx="249673" cy="57602"/>
+              <a:off x="6950923" y="6461987"/>
+              <a:ext cx="326495" cy="57602"/>
             </a:xfrm>
             <a:prstGeom prst="rect">
               <a:avLst/>
@@ -34074,8 +34074,8 @@
           </p:nvSpPr>
           <p:spPr>
             <a:xfrm>
-              <a:off x="6682044" y="6404385"/>
-              <a:ext cx="249673" cy="57602"/>
+              <a:off x="6950923" y="6404385"/>
+              <a:ext cx="326495" cy="57602"/>
             </a:xfrm>
             <a:prstGeom prst="rect">
               <a:avLst/>
@@ -34109,8 +34109,8 @@
           </p:nvSpPr>
           <p:spPr>
             <a:xfrm>
-              <a:off x="6682044" y="6346782"/>
-              <a:ext cx="249673" cy="57602"/>
+              <a:off x="6950923" y="6346782"/>
+              <a:ext cx="326495" cy="57602"/>
             </a:xfrm>
             <a:prstGeom prst="rect">
               <a:avLst/>
@@ -34144,8 +34144,8 @@
           </p:nvSpPr>
           <p:spPr>
             <a:xfrm>
-              <a:off x="6682044" y="6289180"/>
-              <a:ext cx="249673" cy="57602"/>
+              <a:off x="6950923" y="6289180"/>
+              <a:ext cx="326495" cy="57602"/>
             </a:xfrm>
             <a:prstGeom prst="rect">
               <a:avLst/>
@@ -34179,8 +34179,8 @@
           </p:nvSpPr>
           <p:spPr>
             <a:xfrm>
-              <a:off x="6682044" y="6231578"/>
-              <a:ext cx="249673" cy="57602"/>
+              <a:off x="6950923" y="6231578"/>
+              <a:ext cx="326495" cy="57602"/>
             </a:xfrm>
             <a:prstGeom prst="rect">
               <a:avLst/>
@@ -34214,8 +34214,8 @@
           </p:nvSpPr>
           <p:spPr>
             <a:xfrm>
-              <a:off x="6682044" y="6173976"/>
-              <a:ext cx="249673" cy="57602"/>
+              <a:off x="6950923" y="6173976"/>
+              <a:ext cx="326495" cy="57602"/>
             </a:xfrm>
             <a:prstGeom prst="rect">
               <a:avLst/>
@@ -34249,8 +34249,8 @@
           </p:nvSpPr>
           <p:spPr>
             <a:xfrm>
-              <a:off x="6682044" y="6116373"/>
-              <a:ext cx="249673" cy="57602"/>
+              <a:off x="6950923" y="6116373"/>
+              <a:ext cx="326495" cy="57602"/>
             </a:xfrm>
             <a:prstGeom prst="rect">
               <a:avLst/>
@@ -34284,8 +34284,8 @@
           </p:nvSpPr>
           <p:spPr>
             <a:xfrm>
-              <a:off x="6682044" y="6058771"/>
-              <a:ext cx="249673" cy="57602"/>
+              <a:off x="6950923" y="6058771"/>
+              <a:ext cx="326495" cy="57602"/>
             </a:xfrm>
             <a:prstGeom prst="rect">
               <a:avLst/>
@@ -34319,8 +34319,8 @@
           </p:nvSpPr>
           <p:spPr>
             <a:xfrm>
-              <a:off x="6682044" y="6001169"/>
-              <a:ext cx="249673" cy="57602"/>
+              <a:off x="6950923" y="6001169"/>
+              <a:ext cx="326495" cy="57602"/>
             </a:xfrm>
             <a:prstGeom prst="rect">
               <a:avLst/>
@@ -34354,8 +34354,8 @@
           </p:nvSpPr>
           <p:spPr>
             <a:xfrm>
-              <a:off x="6682044" y="5943567"/>
-              <a:ext cx="249673" cy="57602"/>
+              <a:off x="6950923" y="5943567"/>
+              <a:ext cx="326495" cy="57602"/>
             </a:xfrm>
             <a:prstGeom prst="rect">
               <a:avLst/>
@@ -34389,8 +34389,8 @@
           </p:nvSpPr>
           <p:spPr>
             <a:xfrm>
-              <a:off x="6682044" y="5885964"/>
-              <a:ext cx="249673" cy="57602"/>
+              <a:off x="6950923" y="5885964"/>
+              <a:ext cx="326495" cy="57602"/>
             </a:xfrm>
             <a:prstGeom prst="rect">
               <a:avLst/>
@@ -34424,8 +34424,8 @@
           </p:nvSpPr>
           <p:spPr>
             <a:xfrm>
-              <a:off x="6682044" y="5828362"/>
-              <a:ext cx="249673" cy="57602"/>
+              <a:off x="6950923" y="5828362"/>
+              <a:ext cx="326495" cy="57602"/>
             </a:xfrm>
             <a:prstGeom prst="rect">
               <a:avLst/>
@@ -34459,8 +34459,8 @@
           </p:nvSpPr>
           <p:spPr>
             <a:xfrm>
-              <a:off x="6682044" y="5770760"/>
-              <a:ext cx="249673" cy="57602"/>
+              <a:off x="6950923" y="5770760"/>
+              <a:ext cx="326495" cy="57602"/>
             </a:xfrm>
             <a:prstGeom prst="rect">
               <a:avLst/>
@@ -34494,8 +34494,8 @@
           </p:nvSpPr>
           <p:spPr>
             <a:xfrm>
-              <a:off x="6682044" y="5713158"/>
-              <a:ext cx="249673" cy="57602"/>
+              <a:off x="6950923" y="5713158"/>
+              <a:ext cx="326495" cy="57602"/>
             </a:xfrm>
             <a:prstGeom prst="rect">
               <a:avLst/>
@@ -34529,8 +34529,8 @@
           </p:nvSpPr>
           <p:spPr>
             <a:xfrm>
-              <a:off x="6682044" y="5655555"/>
-              <a:ext cx="249673" cy="57602"/>
+              <a:off x="6950923" y="5655555"/>
+              <a:ext cx="326495" cy="57602"/>
             </a:xfrm>
             <a:prstGeom prst="rect">
               <a:avLst/>
@@ -34564,8 +34564,8 @@
           </p:nvSpPr>
           <p:spPr>
             <a:xfrm>
-              <a:off x="6682044" y="5597953"/>
-              <a:ext cx="249673" cy="57602"/>
+              <a:off x="6950923" y="5597953"/>
+              <a:ext cx="326495" cy="57602"/>
             </a:xfrm>
             <a:prstGeom prst="rect">
               <a:avLst/>
@@ -34599,8 +34599,8 @@
           </p:nvSpPr>
           <p:spPr>
             <a:xfrm>
-              <a:off x="6682044" y="5540351"/>
-              <a:ext cx="249673" cy="57602"/>
+              <a:off x="6950923" y="5540351"/>
+              <a:ext cx="326495" cy="57602"/>
             </a:xfrm>
             <a:prstGeom prst="rect">
               <a:avLst/>
@@ -34634,8 +34634,8 @@
           </p:nvSpPr>
           <p:spPr>
             <a:xfrm>
-              <a:off x="6682044" y="5482749"/>
-              <a:ext cx="249673" cy="57602"/>
+              <a:off x="6950923" y="5482749"/>
+              <a:ext cx="326495" cy="57602"/>
             </a:xfrm>
             <a:prstGeom prst="rect">
               <a:avLst/>
@@ -34669,8 +34669,8 @@
           </p:nvSpPr>
           <p:spPr>
             <a:xfrm>
-              <a:off x="6682044" y="5425146"/>
-              <a:ext cx="249673" cy="57602"/>
+              <a:off x="6950923" y="5425146"/>
+              <a:ext cx="326495" cy="57602"/>
             </a:xfrm>
             <a:prstGeom prst="rect">
               <a:avLst/>
@@ -34704,8 +34704,8 @@
           </p:nvSpPr>
           <p:spPr>
             <a:xfrm>
-              <a:off x="6682044" y="5367544"/>
-              <a:ext cx="249673" cy="57602"/>
+              <a:off x="6950923" y="5367544"/>
+              <a:ext cx="326495" cy="57602"/>
             </a:xfrm>
             <a:prstGeom prst="rect">
               <a:avLst/>
@@ -34739,8 +34739,8 @@
           </p:nvSpPr>
           <p:spPr>
             <a:xfrm>
-              <a:off x="6682044" y="5309942"/>
-              <a:ext cx="249673" cy="57602"/>
+              <a:off x="6950923" y="5309942"/>
+              <a:ext cx="326495" cy="57602"/>
             </a:xfrm>
             <a:prstGeom prst="rect">
               <a:avLst/>
@@ -34774,8 +34774,8 @@
           </p:nvSpPr>
           <p:spPr>
             <a:xfrm>
-              <a:off x="6682044" y="5252340"/>
-              <a:ext cx="249673" cy="57602"/>
+              <a:off x="6950923" y="5252340"/>
+              <a:ext cx="326495" cy="57602"/>
             </a:xfrm>
             <a:prstGeom prst="rect">
               <a:avLst/>
@@ -34809,8 +34809,8 @@
           </p:nvSpPr>
           <p:spPr>
             <a:xfrm>
-              <a:off x="6682044" y="5194737"/>
-              <a:ext cx="249673" cy="57602"/>
+              <a:off x="6950923" y="5194737"/>
+              <a:ext cx="326495" cy="57602"/>
             </a:xfrm>
             <a:prstGeom prst="rect">
               <a:avLst/>
@@ -34844,8 +34844,8 @@
           </p:nvSpPr>
           <p:spPr>
             <a:xfrm>
-              <a:off x="6682044" y="5137135"/>
-              <a:ext cx="249673" cy="57602"/>
+              <a:off x="6950923" y="5137135"/>
+              <a:ext cx="326495" cy="57602"/>
             </a:xfrm>
             <a:prstGeom prst="rect">
               <a:avLst/>
@@ -34879,8 +34879,8 @@
           </p:nvSpPr>
           <p:spPr>
             <a:xfrm>
-              <a:off x="6682044" y="5079533"/>
-              <a:ext cx="249673" cy="57602"/>
+              <a:off x="6950923" y="5079533"/>
+              <a:ext cx="326495" cy="57602"/>
             </a:xfrm>
             <a:prstGeom prst="rect">
               <a:avLst/>
@@ -34914,8 +34914,8 @@
           </p:nvSpPr>
           <p:spPr>
             <a:xfrm>
-              <a:off x="6682044" y="5021931"/>
-              <a:ext cx="249673" cy="57602"/>
+              <a:off x="6950923" y="5021931"/>
+              <a:ext cx="326495" cy="57602"/>
             </a:xfrm>
             <a:prstGeom prst="rect">
               <a:avLst/>
@@ -34949,8 +34949,8 @@
           </p:nvSpPr>
           <p:spPr>
             <a:xfrm>
-              <a:off x="6682044" y="4964329"/>
-              <a:ext cx="249673" cy="57602"/>
+              <a:off x="6950923" y="4964329"/>
+              <a:ext cx="326495" cy="57602"/>
             </a:xfrm>
             <a:prstGeom prst="rect">
               <a:avLst/>
@@ -34984,8 +34984,8 @@
           </p:nvSpPr>
           <p:spPr>
             <a:xfrm>
-              <a:off x="6682044" y="4906726"/>
-              <a:ext cx="249673" cy="57602"/>
+              <a:off x="6950923" y="4906726"/>
+              <a:ext cx="326495" cy="57602"/>
             </a:xfrm>
             <a:prstGeom prst="rect">
               <a:avLst/>
@@ -35019,8 +35019,8 @@
           </p:nvSpPr>
           <p:spPr>
             <a:xfrm>
-              <a:off x="6682044" y="4849124"/>
-              <a:ext cx="249673" cy="57602"/>
+              <a:off x="6950923" y="4849124"/>
+              <a:ext cx="326495" cy="57602"/>
             </a:xfrm>
             <a:prstGeom prst="rect">
               <a:avLst/>
@@ -35054,8 +35054,8 @@
           </p:nvSpPr>
           <p:spPr>
             <a:xfrm>
-              <a:off x="6682044" y="4791522"/>
-              <a:ext cx="249673" cy="57602"/>
+              <a:off x="6950923" y="4791522"/>
+              <a:ext cx="326495" cy="57602"/>
             </a:xfrm>
             <a:prstGeom prst="rect">
               <a:avLst/>
@@ -35089,8 +35089,8 @@
           </p:nvSpPr>
           <p:spPr>
             <a:xfrm>
-              <a:off x="6682044" y="4733920"/>
-              <a:ext cx="249673" cy="57602"/>
+              <a:off x="6950923" y="4733920"/>
+              <a:ext cx="326495" cy="57602"/>
             </a:xfrm>
             <a:prstGeom prst="rect">
               <a:avLst/>
@@ -35124,8 +35124,8 @@
           </p:nvSpPr>
           <p:spPr>
             <a:xfrm>
-              <a:off x="6682044" y="4676317"/>
-              <a:ext cx="249673" cy="57602"/>
+              <a:off x="6950923" y="4676317"/>
+              <a:ext cx="326495" cy="57602"/>
             </a:xfrm>
             <a:prstGeom prst="rect">
               <a:avLst/>
@@ -35159,8 +35159,8 @@
           </p:nvSpPr>
           <p:spPr>
             <a:xfrm>
-              <a:off x="6682044" y="4618715"/>
-              <a:ext cx="249673" cy="57602"/>
+              <a:off x="6950923" y="4618715"/>
+              <a:ext cx="326495" cy="57602"/>
             </a:xfrm>
             <a:prstGeom prst="rect">
               <a:avLst/>
@@ -35194,8 +35194,8 @@
           </p:nvSpPr>
           <p:spPr>
             <a:xfrm>
-              <a:off x="6682044" y="4561113"/>
-              <a:ext cx="249673" cy="57602"/>
+              <a:off x="6950923" y="4561113"/>
+              <a:ext cx="326495" cy="57602"/>
             </a:xfrm>
             <a:prstGeom prst="rect">
               <a:avLst/>
@@ -35229,8 +35229,8 @@
           </p:nvSpPr>
           <p:spPr>
             <a:xfrm>
-              <a:off x="6682044" y="4503511"/>
-              <a:ext cx="249673" cy="57602"/>
+              <a:off x="6950923" y="4503511"/>
+              <a:ext cx="326495" cy="57602"/>
             </a:xfrm>
             <a:prstGeom prst="rect">
               <a:avLst/>
@@ -35264,8 +35264,8 @@
           </p:nvSpPr>
           <p:spPr>
             <a:xfrm>
-              <a:off x="6682044" y="4445908"/>
-              <a:ext cx="249673" cy="57602"/>
+              <a:off x="6950923" y="4445908"/>
+              <a:ext cx="326495" cy="57602"/>
             </a:xfrm>
             <a:prstGeom prst="rect">
               <a:avLst/>
@@ -35299,8 +35299,8 @@
           </p:nvSpPr>
           <p:spPr>
             <a:xfrm>
-              <a:off x="6682044" y="4388306"/>
-              <a:ext cx="249673" cy="57602"/>
+              <a:off x="6950923" y="4388306"/>
+              <a:ext cx="326495" cy="57602"/>
             </a:xfrm>
             <a:prstGeom prst="rect">
               <a:avLst/>
@@ -35334,8 +35334,8 @@
           </p:nvSpPr>
           <p:spPr>
             <a:xfrm>
-              <a:off x="6682044" y="4330704"/>
-              <a:ext cx="249673" cy="57602"/>
+              <a:off x="6950923" y="4330704"/>
+              <a:ext cx="326495" cy="57602"/>
             </a:xfrm>
             <a:prstGeom prst="rect">
               <a:avLst/>
@@ -35369,8 +35369,8 @@
           </p:nvSpPr>
           <p:spPr>
             <a:xfrm>
-              <a:off x="6682044" y="4273102"/>
-              <a:ext cx="249673" cy="57602"/>
+              <a:off x="6950923" y="4273102"/>
+              <a:ext cx="326495" cy="57602"/>
             </a:xfrm>
             <a:prstGeom prst="rect">
               <a:avLst/>
@@ -35404,8 +35404,8 @@
           </p:nvSpPr>
           <p:spPr>
             <a:xfrm>
-              <a:off x="6682044" y="4215499"/>
-              <a:ext cx="249673" cy="57602"/>
+              <a:off x="6950923" y="4215499"/>
+              <a:ext cx="326495" cy="57602"/>
             </a:xfrm>
             <a:prstGeom prst="rect">
               <a:avLst/>
@@ -35439,8 +35439,8 @@
           </p:nvSpPr>
           <p:spPr>
             <a:xfrm>
-              <a:off x="6682044" y="4157897"/>
-              <a:ext cx="249673" cy="57602"/>
+              <a:off x="6950923" y="4157897"/>
+              <a:ext cx="326495" cy="57602"/>
             </a:xfrm>
             <a:prstGeom prst="rect">
               <a:avLst/>
@@ -35474,8 +35474,8 @@
           </p:nvSpPr>
           <p:spPr>
             <a:xfrm>
-              <a:off x="6682044" y="4100295"/>
-              <a:ext cx="249673" cy="57602"/>
+              <a:off x="6950923" y="4100295"/>
+              <a:ext cx="326495" cy="57602"/>
             </a:xfrm>
             <a:prstGeom prst="rect">
               <a:avLst/>
@@ -35509,8 +35509,8 @@
           </p:nvSpPr>
           <p:spPr>
             <a:xfrm>
-              <a:off x="6682044" y="4042693"/>
-              <a:ext cx="249673" cy="57602"/>
+              <a:off x="6950923" y="4042693"/>
+              <a:ext cx="326495" cy="57602"/>
             </a:xfrm>
             <a:prstGeom prst="rect">
               <a:avLst/>
@@ -35544,8 +35544,8 @@
           </p:nvSpPr>
           <p:spPr>
             <a:xfrm>
-              <a:off x="6682044" y="3985090"/>
-              <a:ext cx="249673" cy="57602"/>
+              <a:off x="6950923" y="3985090"/>
+              <a:ext cx="326495" cy="57602"/>
             </a:xfrm>
             <a:prstGeom prst="rect">
               <a:avLst/>
@@ -35579,8 +35579,8 @@
           </p:nvSpPr>
           <p:spPr>
             <a:xfrm>
-              <a:off x="6682044" y="3927488"/>
-              <a:ext cx="249673" cy="57602"/>
+              <a:off x="6950923" y="3927488"/>
+              <a:ext cx="326495" cy="57602"/>
             </a:xfrm>
             <a:prstGeom prst="rect">
               <a:avLst/>
@@ -35614,8 +35614,8 @@
           </p:nvSpPr>
           <p:spPr>
             <a:xfrm>
-              <a:off x="6682044" y="3869886"/>
-              <a:ext cx="249673" cy="57602"/>
+              <a:off x="6950923" y="3869886"/>
+              <a:ext cx="326495" cy="57602"/>
             </a:xfrm>
             <a:prstGeom prst="rect">
               <a:avLst/>
@@ -35649,8 +35649,8 @@
           </p:nvSpPr>
           <p:spPr>
             <a:xfrm>
-              <a:off x="6682044" y="3812284"/>
-              <a:ext cx="249673" cy="57602"/>
+              <a:off x="6950923" y="3812284"/>
+              <a:ext cx="326495" cy="57602"/>
             </a:xfrm>
             <a:prstGeom prst="rect">
               <a:avLst/>
@@ -35684,8 +35684,8 @@
           </p:nvSpPr>
           <p:spPr>
             <a:xfrm>
-              <a:off x="6682044" y="3754681"/>
-              <a:ext cx="249673" cy="57602"/>
+              <a:off x="6950923" y="3754681"/>
+              <a:ext cx="326495" cy="57602"/>
             </a:xfrm>
             <a:prstGeom prst="rect">
               <a:avLst/>
@@ -35719,8 +35719,8 @@
           </p:nvSpPr>
           <p:spPr>
             <a:xfrm>
-              <a:off x="6682044" y="3697079"/>
-              <a:ext cx="249673" cy="57602"/>
+              <a:off x="6950923" y="3697079"/>
+              <a:ext cx="326495" cy="57602"/>
             </a:xfrm>
             <a:prstGeom prst="rect">
               <a:avLst/>
@@ -35754,8 +35754,8 @@
           </p:nvSpPr>
           <p:spPr>
             <a:xfrm>
-              <a:off x="6682044" y="3639477"/>
-              <a:ext cx="249673" cy="57602"/>
+              <a:off x="6950923" y="3639477"/>
+              <a:ext cx="326495" cy="57602"/>
             </a:xfrm>
             <a:prstGeom prst="rect">
               <a:avLst/>
@@ -35789,8 +35789,8 @@
           </p:nvSpPr>
           <p:spPr>
             <a:xfrm>
-              <a:off x="6682044" y="3581875"/>
-              <a:ext cx="249673" cy="57602"/>
+              <a:off x="6950923" y="3581875"/>
+              <a:ext cx="326495" cy="57602"/>
             </a:xfrm>
             <a:prstGeom prst="rect">
               <a:avLst/>
@@ -35824,8 +35824,8 @@
           </p:nvSpPr>
           <p:spPr>
             <a:xfrm>
-              <a:off x="6682044" y="3524272"/>
-              <a:ext cx="249673" cy="57602"/>
+              <a:off x="6950923" y="3524272"/>
+              <a:ext cx="326495" cy="57602"/>
             </a:xfrm>
             <a:prstGeom prst="rect">
               <a:avLst/>
@@ -35859,8 +35859,8 @@
           </p:nvSpPr>
           <p:spPr>
             <a:xfrm>
-              <a:off x="6682044" y="3466670"/>
-              <a:ext cx="249673" cy="57602"/>
+              <a:off x="6950923" y="3466670"/>
+              <a:ext cx="326495" cy="57602"/>
             </a:xfrm>
             <a:prstGeom prst="rect">
               <a:avLst/>
@@ -35894,8 +35894,8 @@
           </p:nvSpPr>
           <p:spPr>
             <a:xfrm>
-              <a:off x="6682044" y="3409068"/>
-              <a:ext cx="249673" cy="57602"/>
+              <a:off x="6950923" y="3409068"/>
+              <a:ext cx="326495" cy="57602"/>
             </a:xfrm>
             <a:prstGeom prst="rect">
               <a:avLst/>
@@ -35929,8 +35929,8 @@
           </p:nvSpPr>
           <p:spPr>
             <a:xfrm>
-              <a:off x="6682044" y="3351466"/>
-              <a:ext cx="249673" cy="57602"/>
+              <a:off x="6950923" y="3351466"/>
+              <a:ext cx="326495" cy="57602"/>
             </a:xfrm>
             <a:prstGeom prst="rect">
               <a:avLst/>
@@ -35964,8 +35964,8 @@
           </p:nvSpPr>
           <p:spPr>
             <a:xfrm>
-              <a:off x="6682044" y="3293864"/>
-              <a:ext cx="249673" cy="57602"/>
+              <a:off x="6950923" y="3293864"/>
+              <a:ext cx="326495" cy="57602"/>
             </a:xfrm>
             <a:prstGeom prst="rect">
               <a:avLst/>
@@ -35999,8 +35999,8 @@
           </p:nvSpPr>
           <p:spPr>
             <a:xfrm>
-              <a:off x="6682044" y="3236261"/>
-              <a:ext cx="249673" cy="57602"/>
+              <a:off x="6950923" y="3236261"/>
+              <a:ext cx="326495" cy="57602"/>
             </a:xfrm>
             <a:prstGeom prst="rect">
               <a:avLst/>
@@ -36034,8 +36034,8 @@
           </p:nvSpPr>
           <p:spPr>
             <a:xfrm>
-              <a:off x="6682044" y="3178659"/>
-              <a:ext cx="249673" cy="57602"/>
+              <a:off x="6950923" y="3178659"/>
+              <a:ext cx="326495" cy="57602"/>
             </a:xfrm>
             <a:prstGeom prst="rect">
               <a:avLst/>
@@ -36069,8 +36069,8 @@
           </p:nvSpPr>
           <p:spPr>
             <a:xfrm>
-              <a:off x="6682044" y="3121057"/>
-              <a:ext cx="249673" cy="57602"/>
+              <a:off x="6950923" y="3121057"/>
+              <a:ext cx="326495" cy="57602"/>
             </a:xfrm>
             <a:prstGeom prst="rect">
               <a:avLst/>
@@ -36104,8 +36104,8 @@
           </p:nvSpPr>
           <p:spPr>
             <a:xfrm>
-              <a:off x="6682044" y="3063455"/>
-              <a:ext cx="249673" cy="57602"/>
+              <a:off x="6950923" y="3063455"/>
+              <a:ext cx="326495" cy="57602"/>
             </a:xfrm>
             <a:prstGeom prst="rect">
               <a:avLst/>
@@ -36139,8 +36139,8 @@
           </p:nvSpPr>
           <p:spPr>
             <a:xfrm>
-              <a:off x="6682044" y="3005852"/>
-              <a:ext cx="249673" cy="57602"/>
+              <a:off x="6950923" y="3005852"/>
+              <a:ext cx="326495" cy="57602"/>
             </a:xfrm>
             <a:prstGeom prst="rect">
               <a:avLst/>
@@ -36174,8 +36174,8 @@
           </p:nvSpPr>
           <p:spPr>
             <a:xfrm>
-              <a:off x="6682044" y="2948250"/>
-              <a:ext cx="249673" cy="57602"/>
+              <a:off x="6950923" y="2948250"/>
+              <a:ext cx="326495" cy="57602"/>
             </a:xfrm>
             <a:prstGeom prst="rect">
               <a:avLst/>
@@ -36209,8 +36209,8 @@
           </p:nvSpPr>
           <p:spPr>
             <a:xfrm>
-              <a:off x="6682044" y="2890648"/>
-              <a:ext cx="249673" cy="57602"/>
+              <a:off x="6950923" y="2890648"/>
+              <a:ext cx="326495" cy="57602"/>
             </a:xfrm>
             <a:prstGeom prst="rect">
               <a:avLst/>
@@ -36244,8 +36244,8 @@
           </p:nvSpPr>
           <p:spPr>
             <a:xfrm>
-              <a:off x="6682044" y="2833046"/>
-              <a:ext cx="249673" cy="57602"/>
+              <a:off x="6950923" y="2833046"/>
+              <a:ext cx="326495" cy="57602"/>
             </a:xfrm>
             <a:prstGeom prst="rect">
               <a:avLst/>
@@ -36279,8 +36279,8 @@
           </p:nvSpPr>
           <p:spPr>
             <a:xfrm>
-              <a:off x="6682044" y="2775443"/>
-              <a:ext cx="249673" cy="57602"/>
+              <a:off x="6950923" y="2775443"/>
+              <a:ext cx="326495" cy="57602"/>
             </a:xfrm>
             <a:prstGeom prst="rect">
               <a:avLst/>
@@ -36314,8 +36314,8 @@
           </p:nvSpPr>
           <p:spPr>
             <a:xfrm>
-              <a:off x="6682044" y="2717841"/>
-              <a:ext cx="249673" cy="57602"/>
+              <a:off x="6950923" y="2717841"/>
+              <a:ext cx="326495" cy="57602"/>
             </a:xfrm>
             <a:prstGeom prst="rect">
               <a:avLst/>
@@ -36349,8 +36349,8 @@
           </p:nvSpPr>
           <p:spPr>
             <a:xfrm>
-              <a:off x="6682044" y="2660239"/>
-              <a:ext cx="249673" cy="57602"/>
+              <a:off x="6950923" y="2660239"/>
+              <a:ext cx="326495" cy="57602"/>
             </a:xfrm>
             <a:prstGeom prst="rect">
               <a:avLst/>
@@ -36384,8 +36384,8 @@
           </p:nvSpPr>
           <p:spPr>
             <a:xfrm>
-              <a:off x="6682044" y="2602637"/>
-              <a:ext cx="249673" cy="57602"/>
+              <a:off x="6950923" y="2602637"/>
+              <a:ext cx="326495" cy="57602"/>
             </a:xfrm>
             <a:prstGeom prst="rect">
               <a:avLst/>
@@ -36419,8 +36419,8 @@
           </p:nvSpPr>
           <p:spPr>
             <a:xfrm>
-              <a:off x="6682044" y="2545034"/>
-              <a:ext cx="249673" cy="57602"/>
+              <a:off x="6950923" y="2545034"/>
+              <a:ext cx="326495" cy="57602"/>
             </a:xfrm>
             <a:prstGeom prst="rect">
               <a:avLst/>
@@ -36454,8 +36454,8 @@
           </p:nvSpPr>
           <p:spPr>
             <a:xfrm>
-              <a:off x="6682044" y="2487432"/>
-              <a:ext cx="249673" cy="57602"/>
+              <a:off x="6950923" y="2487432"/>
+              <a:ext cx="326495" cy="57602"/>
             </a:xfrm>
             <a:prstGeom prst="rect">
               <a:avLst/>
@@ -36489,8 +36489,8 @@
           </p:nvSpPr>
           <p:spPr>
             <a:xfrm>
-              <a:off x="6682044" y="2429830"/>
-              <a:ext cx="249673" cy="57602"/>
+              <a:off x="6950923" y="2429830"/>
+              <a:ext cx="326495" cy="57602"/>
             </a:xfrm>
             <a:prstGeom prst="rect">
               <a:avLst/>
@@ -36524,8 +36524,8 @@
           </p:nvSpPr>
           <p:spPr>
             <a:xfrm>
-              <a:off x="6682044" y="2372228"/>
-              <a:ext cx="249673" cy="57602"/>
+              <a:off x="6950923" y="2372228"/>
+              <a:ext cx="326495" cy="57602"/>
             </a:xfrm>
             <a:prstGeom prst="rect">
               <a:avLst/>
@@ -36559,8 +36559,8 @@
           </p:nvSpPr>
           <p:spPr>
             <a:xfrm>
-              <a:off x="6682044" y="2314625"/>
-              <a:ext cx="249673" cy="57602"/>
+              <a:off x="6950923" y="2314625"/>
+              <a:ext cx="326495" cy="57602"/>
             </a:xfrm>
             <a:prstGeom prst="rect">
               <a:avLst/>
@@ -36594,8 +36594,8 @@
           </p:nvSpPr>
           <p:spPr>
             <a:xfrm>
-              <a:off x="6682044" y="2257023"/>
-              <a:ext cx="249673" cy="57602"/>
+              <a:off x="6950923" y="2257023"/>
+              <a:ext cx="326495" cy="57602"/>
             </a:xfrm>
             <a:prstGeom prst="rect">
               <a:avLst/>
@@ -36629,8 +36629,8 @@
           </p:nvSpPr>
           <p:spPr>
             <a:xfrm>
-              <a:off x="6682044" y="2199421"/>
-              <a:ext cx="249673" cy="57602"/>
+              <a:off x="6950923" y="2199421"/>
+              <a:ext cx="326495" cy="57602"/>
             </a:xfrm>
             <a:prstGeom prst="rect">
               <a:avLst/>
@@ -36664,8 +36664,8 @@
           </p:nvSpPr>
           <p:spPr>
             <a:xfrm>
-              <a:off x="6682044" y="2141819"/>
-              <a:ext cx="249673" cy="57602"/>
+              <a:off x="6950923" y="2141819"/>
+              <a:ext cx="326495" cy="57602"/>
             </a:xfrm>
             <a:prstGeom prst="rect">
               <a:avLst/>
@@ -36699,8 +36699,8 @@
           </p:nvSpPr>
           <p:spPr>
             <a:xfrm>
-              <a:off x="6682044" y="2084216"/>
-              <a:ext cx="249673" cy="57602"/>
+              <a:off x="6950923" y="2084216"/>
+              <a:ext cx="326495" cy="57602"/>
             </a:xfrm>
             <a:prstGeom prst="rect">
               <a:avLst/>
@@ -36734,8 +36734,8 @@
           </p:nvSpPr>
           <p:spPr>
             <a:xfrm>
-              <a:off x="6682044" y="2026614"/>
-              <a:ext cx="249673" cy="57602"/>
+              <a:off x="6950923" y="2026614"/>
+              <a:ext cx="326495" cy="57602"/>
             </a:xfrm>
             <a:prstGeom prst="rect">
               <a:avLst/>
@@ -36769,8 +36769,8 @@
           </p:nvSpPr>
           <p:spPr>
             <a:xfrm>
-              <a:off x="6682044" y="1969012"/>
-              <a:ext cx="249673" cy="57602"/>
+              <a:off x="6950923" y="1969012"/>
+              <a:ext cx="326495" cy="57602"/>
             </a:xfrm>
             <a:prstGeom prst="rect">
               <a:avLst/>
@@ -36804,8 +36804,8 @@
           </p:nvSpPr>
           <p:spPr>
             <a:xfrm>
-              <a:off x="6682044" y="1911410"/>
-              <a:ext cx="249673" cy="57602"/>
+              <a:off x="6950923" y="1911410"/>
+              <a:ext cx="326495" cy="57602"/>
             </a:xfrm>
             <a:prstGeom prst="rect">
               <a:avLst/>
@@ -36839,8 +36839,8 @@
           </p:nvSpPr>
           <p:spPr>
             <a:xfrm>
-              <a:off x="6682044" y="1853807"/>
-              <a:ext cx="249673" cy="57602"/>
+              <a:off x="6950923" y="1853807"/>
+              <a:ext cx="326495" cy="57602"/>
             </a:xfrm>
             <a:prstGeom prst="rect">
               <a:avLst/>
@@ -36874,8 +36874,8 @@
           </p:nvSpPr>
           <p:spPr>
             <a:xfrm>
-              <a:off x="6682044" y="1796205"/>
-              <a:ext cx="249673" cy="57602"/>
+              <a:off x="6950923" y="1796205"/>
+              <a:ext cx="326495" cy="57602"/>
             </a:xfrm>
             <a:prstGeom prst="rect">
               <a:avLst/>
@@ -36909,8 +36909,8 @@
           </p:nvSpPr>
           <p:spPr>
             <a:xfrm>
-              <a:off x="6682044" y="1738603"/>
-              <a:ext cx="249673" cy="57602"/>
+              <a:off x="6950923" y="1738603"/>
+              <a:ext cx="326495" cy="57602"/>
             </a:xfrm>
             <a:prstGeom prst="rect">
               <a:avLst/>
@@ -36944,8 +36944,8 @@
           </p:nvSpPr>
           <p:spPr>
             <a:xfrm>
-              <a:off x="6682044" y="1681001"/>
-              <a:ext cx="249673" cy="57602"/>
+              <a:off x="6950923" y="1681001"/>
+              <a:ext cx="326495" cy="57602"/>
             </a:xfrm>
             <a:prstGeom prst="rect">
               <a:avLst/>
@@ -36979,8 +36979,8 @@
           </p:nvSpPr>
           <p:spPr>
             <a:xfrm>
-              <a:off x="6682044" y="1623398"/>
-              <a:ext cx="249673" cy="57602"/>
+              <a:off x="6950923" y="1623398"/>
+              <a:ext cx="326495" cy="57602"/>
             </a:xfrm>
             <a:prstGeom prst="rect">
               <a:avLst/>
@@ -37014,8 +37014,8 @@
           </p:nvSpPr>
           <p:spPr>
             <a:xfrm>
-              <a:off x="6682044" y="1565796"/>
-              <a:ext cx="249673" cy="57602"/>
+              <a:off x="6950923" y="1565796"/>
+              <a:ext cx="326495" cy="57602"/>
             </a:xfrm>
             <a:prstGeom prst="rect">
               <a:avLst/>
@@ -37049,8 +37049,8 @@
           </p:nvSpPr>
           <p:spPr>
             <a:xfrm>
-              <a:off x="6682044" y="1508194"/>
-              <a:ext cx="249673" cy="57602"/>
+              <a:off x="6950923" y="1508194"/>
+              <a:ext cx="326495" cy="57602"/>
             </a:xfrm>
             <a:prstGeom prst="rect">
               <a:avLst/>
@@ -37084,8 +37084,8 @@
           </p:nvSpPr>
           <p:spPr>
             <a:xfrm>
-              <a:off x="6682044" y="1450592"/>
-              <a:ext cx="249673" cy="57602"/>
+              <a:off x="6950923" y="1450592"/>
+              <a:ext cx="326495" cy="57602"/>
             </a:xfrm>
             <a:prstGeom prst="rect">
               <a:avLst/>
@@ -37119,8 +37119,8 @@
           </p:nvSpPr>
           <p:spPr>
             <a:xfrm>
-              <a:off x="6682044" y="1392990"/>
-              <a:ext cx="249673" cy="57602"/>
+              <a:off x="6950923" y="1392990"/>
+              <a:ext cx="326495" cy="57602"/>
             </a:xfrm>
             <a:prstGeom prst="rect">
               <a:avLst/>
@@ -37154,8 +37154,8 @@
           </p:nvSpPr>
           <p:spPr>
             <a:xfrm>
-              <a:off x="6931717" y="7153214"/>
-              <a:ext cx="249673" cy="57602"/>
+              <a:off x="7277419" y="7153214"/>
+              <a:ext cx="326495" cy="57602"/>
             </a:xfrm>
             <a:prstGeom prst="rect">
               <a:avLst/>
@@ -37189,8 +37189,8 @@
           </p:nvSpPr>
           <p:spPr>
             <a:xfrm>
-              <a:off x="6931717" y="7095611"/>
-              <a:ext cx="249673" cy="57602"/>
+              <a:off x="7277419" y="7095611"/>
+              <a:ext cx="326495" cy="57602"/>
             </a:xfrm>
             <a:prstGeom prst="rect">
               <a:avLst/>
@@ -37224,8 +37224,8 @@
           </p:nvSpPr>
           <p:spPr>
             <a:xfrm>
-              <a:off x="6931717" y="7038009"/>
-              <a:ext cx="249673" cy="57602"/>
+              <a:off x="7277419" y="7038009"/>
+              <a:ext cx="326495" cy="57602"/>
             </a:xfrm>
             <a:prstGeom prst="rect">
               <a:avLst/>
@@ -37259,8 +37259,8 @@
           </p:nvSpPr>
           <p:spPr>
             <a:xfrm>
-              <a:off x="6931717" y="6980407"/>
-              <a:ext cx="249673" cy="57602"/>
+              <a:off x="7277419" y="6980407"/>
+              <a:ext cx="326495" cy="57602"/>
             </a:xfrm>
             <a:prstGeom prst="rect">
               <a:avLst/>
@@ -37294,8 +37294,8 @@
           </p:nvSpPr>
           <p:spPr>
             <a:xfrm>
-              <a:off x="6931717" y="6922805"/>
-              <a:ext cx="249673" cy="57602"/>
+              <a:off x="7277419" y="6922805"/>
+              <a:ext cx="326495" cy="57602"/>
             </a:xfrm>
             <a:prstGeom prst="rect">
               <a:avLst/>
@@ -37329,8 +37329,8 @@
           </p:nvSpPr>
           <p:spPr>
             <a:xfrm>
-              <a:off x="6931717" y="6865202"/>
-              <a:ext cx="249673" cy="57602"/>
+              <a:off x="7277419" y="6865202"/>
+              <a:ext cx="326495" cy="57602"/>
             </a:xfrm>
             <a:prstGeom prst="rect">
               <a:avLst/>
@@ -37364,8 +37364,8 @@
           </p:nvSpPr>
           <p:spPr>
             <a:xfrm>
-              <a:off x="6931717" y="6807600"/>
-              <a:ext cx="249673" cy="57602"/>
+              <a:off x="7277419" y="6807600"/>
+              <a:ext cx="326495" cy="57602"/>
             </a:xfrm>
             <a:prstGeom prst="rect">
               <a:avLst/>
@@ -37399,8 +37399,8 @@
           </p:nvSpPr>
           <p:spPr>
             <a:xfrm>
-              <a:off x="6931717" y="6749998"/>
-              <a:ext cx="249673" cy="57602"/>
+              <a:off x="7277419" y="6749998"/>
+              <a:ext cx="326495" cy="57602"/>
             </a:xfrm>
             <a:prstGeom prst="rect">
               <a:avLst/>
@@ -37434,8 +37434,8 @@
           </p:nvSpPr>
           <p:spPr>
             <a:xfrm>
-              <a:off x="6931717" y="6692396"/>
-              <a:ext cx="249673" cy="57602"/>
+              <a:off x="7277419" y="6692396"/>
+              <a:ext cx="326495" cy="57602"/>
             </a:xfrm>
             <a:prstGeom prst="rect">
               <a:avLst/>
@@ -37469,8 +37469,8 @@
           </p:nvSpPr>
           <p:spPr>
             <a:xfrm>
-              <a:off x="6931717" y="6634794"/>
-              <a:ext cx="249673" cy="57602"/>
+              <a:off x="7277419" y="6634794"/>
+              <a:ext cx="326495" cy="57602"/>
             </a:xfrm>
             <a:prstGeom prst="rect">
               <a:avLst/>
@@ -37504,8 +37504,8 @@
           </p:nvSpPr>
           <p:spPr>
             <a:xfrm>
-              <a:off x="6931717" y="6577191"/>
-              <a:ext cx="249673" cy="57602"/>
+              <a:off x="7277419" y="6577191"/>
+              <a:ext cx="326495" cy="57602"/>
             </a:xfrm>
             <a:prstGeom prst="rect">
               <a:avLst/>
@@ -37539,8 +37539,8 @@
           </p:nvSpPr>
           <p:spPr>
             <a:xfrm>
-              <a:off x="6931717" y="6519589"/>
-              <a:ext cx="249673" cy="57602"/>
+              <a:off x="7277419" y="6519589"/>
+              <a:ext cx="326495" cy="57602"/>
             </a:xfrm>
             <a:prstGeom prst="rect">
               <a:avLst/>
@@ -37574,8 +37574,8 @@
           </p:nvSpPr>
           <p:spPr>
             <a:xfrm>
-              <a:off x="6931717" y="6461987"/>
-              <a:ext cx="249673" cy="57602"/>
+              <a:off x="7277419" y="6461987"/>
+              <a:ext cx="326495" cy="57602"/>
             </a:xfrm>
             <a:prstGeom prst="rect">
               <a:avLst/>
@@ -37609,8 +37609,8 @@
           </p:nvSpPr>
           <p:spPr>
             <a:xfrm>
-              <a:off x="6931717" y="6404385"/>
-              <a:ext cx="249673" cy="57602"/>
+              <a:off x="7277419" y="6404385"/>
+              <a:ext cx="326495" cy="57602"/>
             </a:xfrm>
             <a:prstGeom prst="rect">
               <a:avLst/>
@@ -37644,8 +37644,8 @@
           </p:nvSpPr>
           <p:spPr>
             <a:xfrm>
-              <a:off x="6931717" y="6346782"/>
-              <a:ext cx="249673" cy="57602"/>
+              <a:off x="7277419" y="6346782"/>
+              <a:ext cx="326495" cy="57602"/>
             </a:xfrm>
             <a:prstGeom prst="rect">
               <a:avLst/>
@@ -37679,8 +37679,8 @@
           </p:nvSpPr>
           <p:spPr>
             <a:xfrm>
-              <a:off x="6931717" y="6289180"/>
-              <a:ext cx="249673" cy="57602"/>
+              <a:off x="7277419" y="6289180"/>
+              <a:ext cx="326495" cy="57602"/>
             </a:xfrm>
             <a:prstGeom prst="rect">
               <a:avLst/>
@@ -37714,8 +37714,8 @@
           </p:nvSpPr>
           <p:spPr>
             <a:xfrm>
-              <a:off x="6931717" y="6231578"/>
-              <a:ext cx="249673" cy="57602"/>
+              <a:off x="7277419" y="6231578"/>
+              <a:ext cx="326495" cy="57602"/>
             </a:xfrm>
             <a:prstGeom prst="rect">
               <a:avLst/>
@@ -37749,8 +37749,8 @@
           </p:nvSpPr>
           <p:spPr>
             <a:xfrm>
-              <a:off x="6931717" y="6173976"/>
-              <a:ext cx="249673" cy="57602"/>
+              <a:off x="7277419" y="6173976"/>
+              <a:ext cx="326495" cy="57602"/>
             </a:xfrm>
             <a:prstGeom prst="rect">
               <a:avLst/>
@@ -37784,8 +37784,8 @@
           </p:nvSpPr>
           <p:spPr>
             <a:xfrm>
-              <a:off x="6931717" y="6116373"/>
-              <a:ext cx="249673" cy="57602"/>
+              <a:off x="7277419" y="6116373"/>
+              <a:ext cx="326495" cy="57602"/>
             </a:xfrm>
             <a:prstGeom prst="rect">
               <a:avLst/>
@@ -37819,8 +37819,8 @@
           </p:nvSpPr>
           <p:spPr>
             <a:xfrm>
-              <a:off x="6931717" y="6058771"/>
-              <a:ext cx="249673" cy="57602"/>
+              <a:off x="7277419" y="6058771"/>
+              <a:ext cx="326495" cy="57602"/>
             </a:xfrm>
             <a:prstGeom prst="rect">
               <a:avLst/>
@@ -37854,8 +37854,8 @@
           </p:nvSpPr>
           <p:spPr>
             <a:xfrm>
-              <a:off x="6931717" y="6001169"/>
-              <a:ext cx="249673" cy="57602"/>
+              <a:off x="7277419" y="6001169"/>
+              <a:ext cx="326495" cy="57602"/>
             </a:xfrm>
             <a:prstGeom prst="rect">
               <a:avLst/>
@@ -37889,8 +37889,8 @@
           </p:nvSpPr>
           <p:spPr>
             <a:xfrm>
-              <a:off x="6931717" y="5943567"/>
-              <a:ext cx="249673" cy="57602"/>
+              <a:off x="7277419" y="5943567"/>
+              <a:ext cx="326495" cy="57602"/>
             </a:xfrm>
             <a:prstGeom prst="rect">
               <a:avLst/>
@@ -37924,8 +37924,8 @@
           </p:nvSpPr>
           <p:spPr>
             <a:xfrm>
-              <a:off x="6931717" y="5885964"/>
-              <a:ext cx="249673" cy="57602"/>
+              <a:off x="7277419" y="5885964"/>
+              <a:ext cx="326495" cy="57602"/>
             </a:xfrm>
             <a:prstGeom prst="rect">
               <a:avLst/>
@@ -37959,8 +37959,8 @@
           </p:nvSpPr>
           <p:spPr>
             <a:xfrm>
-              <a:off x="6931717" y="5828362"/>
-              <a:ext cx="249673" cy="57602"/>
+              <a:off x="7277419" y="5828362"/>
+              <a:ext cx="326495" cy="57602"/>
             </a:xfrm>
             <a:prstGeom prst="rect">
               <a:avLst/>
@@ -37994,8 +37994,8 @@
           </p:nvSpPr>
           <p:spPr>
             <a:xfrm>
-              <a:off x="6931717" y="5770760"/>
-              <a:ext cx="249673" cy="57602"/>
+              <a:off x="7277419" y="5770760"/>
+              <a:ext cx="326495" cy="57602"/>
             </a:xfrm>
             <a:prstGeom prst="rect">
               <a:avLst/>
@@ -38029,8 +38029,8 @@
           </p:nvSpPr>
           <p:spPr>
             <a:xfrm>
-              <a:off x="6931717" y="5713158"/>
-              <a:ext cx="249673" cy="57602"/>
+              <a:off x="7277419" y="5713158"/>
+              <a:ext cx="326495" cy="57602"/>
             </a:xfrm>
             <a:prstGeom prst="rect">
               <a:avLst/>
@@ -38064,8 +38064,8 @@
           </p:nvSpPr>
           <p:spPr>
             <a:xfrm>
-              <a:off x="6931717" y="5655555"/>
-              <a:ext cx="249673" cy="57602"/>
+              <a:off x="7277419" y="5655555"/>
+              <a:ext cx="326495" cy="57602"/>
             </a:xfrm>
             <a:prstGeom prst="rect">
               <a:avLst/>
@@ -38099,8 +38099,8 @@
           </p:nvSpPr>
           <p:spPr>
             <a:xfrm>
-              <a:off x="6931717" y="5597953"/>
-              <a:ext cx="249673" cy="57602"/>
+              <a:off x="7277419" y="5597953"/>
+              <a:ext cx="326495" cy="57602"/>
             </a:xfrm>
             <a:prstGeom prst="rect">
               <a:avLst/>
@@ -38134,8 +38134,8 @@
           </p:nvSpPr>
           <p:spPr>
             <a:xfrm>
-              <a:off x="6931717" y="5540351"/>
-              <a:ext cx="249673" cy="57602"/>
+              <a:off x="7277419" y="5540351"/>
+              <a:ext cx="326495" cy="57602"/>
             </a:xfrm>
             <a:prstGeom prst="rect">
               <a:avLst/>
@@ -38169,8 +38169,8 @@
           </p:nvSpPr>
           <p:spPr>
             <a:xfrm>
-              <a:off x="6931717" y="5482749"/>
-              <a:ext cx="249673" cy="57602"/>
+              <a:off x="7277419" y="5482749"/>
+              <a:ext cx="326495" cy="57602"/>
             </a:xfrm>
             <a:prstGeom prst="rect">
               <a:avLst/>
@@ -38204,8 +38204,8 @@
           </p:nvSpPr>
           <p:spPr>
             <a:xfrm>
-              <a:off x="6931717" y="5425146"/>
-              <a:ext cx="249673" cy="57602"/>
+              <a:off x="7277419" y="5425146"/>
+              <a:ext cx="326495" cy="57602"/>
             </a:xfrm>
             <a:prstGeom prst="rect">
               <a:avLst/>
@@ -38239,8 +38239,8 @@
           </p:nvSpPr>
           <p:spPr>
             <a:xfrm>
-              <a:off x="6931717" y="5367544"/>
-              <a:ext cx="249673" cy="57602"/>
+              <a:off x="7277419" y="5367544"/>
+              <a:ext cx="326495" cy="57602"/>
             </a:xfrm>
             <a:prstGeom prst="rect">
               <a:avLst/>
@@ -38274,8 +38274,8 @@
           </p:nvSpPr>
           <p:spPr>
             <a:xfrm>
-              <a:off x="6931717" y="5309942"/>
-              <a:ext cx="249673" cy="57602"/>
+              <a:off x="7277419" y="5309942"/>
+              <a:ext cx="326495" cy="57602"/>
             </a:xfrm>
             <a:prstGeom prst="rect">
               <a:avLst/>
@@ -38309,8 +38309,8 @@
           </p:nvSpPr>
           <p:spPr>
             <a:xfrm>
-              <a:off x="6931717" y="5252340"/>
-              <a:ext cx="249673" cy="57602"/>
+              <a:off x="7277419" y="5252340"/>
+              <a:ext cx="326495" cy="57602"/>
             </a:xfrm>
             <a:prstGeom prst="rect">
               <a:avLst/>
@@ -38344,8 +38344,8 @@
           </p:nvSpPr>
           <p:spPr>
             <a:xfrm>
-              <a:off x="6931717" y="5194737"/>
-              <a:ext cx="249673" cy="57602"/>
+              <a:off x="7277419" y="5194737"/>
+              <a:ext cx="326495" cy="57602"/>
             </a:xfrm>
             <a:prstGeom prst="rect">
               <a:avLst/>
@@ -38379,8 +38379,8 @@
           </p:nvSpPr>
           <p:spPr>
             <a:xfrm>
-              <a:off x="6931717" y="5137135"/>
-              <a:ext cx="249673" cy="57602"/>
+              <a:off x="7277419" y="5137135"/>
+              <a:ext cx="326495" cy="57602"/>
             </a:xfrm>
             <a:prstGeom prst="rect">
               <a:avLst/>
@@ -38414,8 +38414,8 @@
           </p:nvSpPr>
           <p:spPr>
             <a:xfrm>
-              <a:off x="6931717" y="5079533"/>
-              <a:ext cx="249673" cy="57602"/>
+              <a:off x="7277419" y="5079533"/>
+              <a:ext cx="326495" cy="57602"/>
             </a:xfrm>
             <a:prstGeom prst="rect">
               <a:avLst/>
@@ -38449,8 +38449,8 @@
           </p:nvSpPr>
           <p:spPr>
             <a:xfrm>
-              <a:off x="6931717" y="5021931"/>
-              <a:ext cx="249673" cy="57602"/>
+              <a:off x="7277419" y="5021931"/>
+              <a:ext cx="326495" cy="57602"/>
             </a:xfrm>
             <a:prstGeom prst="rect">
               <a:avLst/>
@@ -38484,8 +38484,8 @@
           </p:nvSpPr>
           <p:spPr>
             <a:xfrm>
-              <a:off x="6931717" y="4964329"/>
-              <a:ext cx="249673" cy="57602"/>
+              <a:off x="7277419" y="4964329"/>
+              <a:ext cx="326495" cy="57602"/>
             </a:xfrm>
             <a:prstGeom prst="rect">
               <a:avLst/>
@@ -38519,8 +38519,8 @@
           </p:nvSpPr>
           <p:spPr>
             <a:xfrm>
-              <a:off x="6931717" y="4906726"/>
-              <a:ext cx="249673" cy="57602"/>
+              <a:off x="7277419" y="4906726"/>
+              <a:ext cx="326495" cy="57602"/>
             </a:xfrm>
             <a:prstGeom prst="rect">
               <a:avLst/>
@@ -38554,8 +38554,8 @@
           </p:nvSpPr>
           <p:spPr>
             <a:xfrm>
-              <a:off x="6931717" y="4849124"/>
-              <a:ext cx="249673" cy="57602"/>
+              <a:off x="7277419" y="4849124"/>
+              <a:ext cx="326495" cy="57602"/>
             </a:xfrm>
             <a:prstGeom prst="rect">
               <a:avLst/>
@@ -38589,8 +38589,8 @@
           </p:nvSpPr>
           <p:spPr>
             <a:xfrm>
-              <a:off x="6931717" y="4791522"/>
-              <a:ext cx="249673" cy="57602"/>
+              <a:off x="7277419" y="4791522"/>
+              <a:ext cx="326495" cy="57602"/>
             </a:xfrm>
             <a:prstGeom prst="rect">
               <a:avLst/>
@@ -38624,8 +38624,8 @@
           </p:nvSpPr>
           <p:spPr>
             <a:xfrm>
-              <a:off x="6931717" y="4733920"/>
-              <a:ext cx="249673" cy="57602"/>
+              <a:off x="7277419" y="4733920"/>
+              <a:ext cx="326495" cy="57602"/>
             </a:xfrm>
             <a:prstGeom prst="rect">
               <a:avLst/>
@@ -38659,8 +38659,8 @@
           </p:nvSpPr>
           <p:spPr>
             <a:xfrm>
-              <a:off x="6931717" y="4676317"/>
-              <a:ext cx="249673" cy="57602"/>
+              <a:off x="7277419" y="4676317"/>
+              <a:ext cx="326495" cy="57602"/>
             </a:xfrm>
             <a:prstGeom prst="rect">
               <a:avLst/>
@@ -38694,8 +38694,8 @@
           </p:nvSpPr>
           <p:spPr>
             <a:xfrm>
-              <a:off x="6931717" y="4618715"/>
-              <a:ext cx="249673" cy="57602"/>
+              <a:off x="7277419" y="4618715"/>
+              <a:ext cx="326495" cy="57602"/>
             </a:xfrm>
             <a:prstGeom prst="rect">
               <a:avLst/>
@@ -38729,8 +38729,8 @@
           </p:nvSpPr>
           <p:spPr>
             <a:xfrm>
-              <a:off x="6931717" y="4561113"/>
-              <a:ext cx="249673" cy="57602"/>
+              <a:off x="7277419" y="4561113"/>
+              <a:ext cx="326495" cy="57602"/>
             </a:xfrm>
             <a:prstGeom prst="rect">
               <a:avLst/>
@@ -38764,8 +38764,8 @@
           </p:nvSpPr>
           <p:spPr>
             <a:xfrm>
-              <a:off x="6931717" y="4503511"/>
-              <a:ext cx="249673" cy="57602"/>
+              <a:off x="7277419" y="4503511"/>
+              <a:ext cx="326495" cy="57602"/>
             </a:xfrm>
             <a:prstGeom prst="rect">
               <a:avLst/>
@@ -38799,8 +38799,8 @@
           </p:nvSpPr>
           <p:spPr>
             <a:xfrm>
-              <a:off x="6931717" y="4445908"/>
-              <a:ext cx="249673" cy="57602"/>
+              <a:off x="7277419" y="4445908"/>
+              <a:ext cx="326495" cy="57602"/>
             </a:xfrm>
             <a:prstGeom prst="rect">
               <a:avLst/>
@@ -38834,8 +38834,8 @@
           </p:nvSpPr>
           <p:spPr>
             <a:xfrm>
-              <a:off x="6931717" y="4388306"/>
-              <a:ext cx="249673" cy="57602"/>
+              <a:off x="7277419" y="4388306"/>
+              <a:ext cx="326495" cy="57602"/>
             </a:xfrm>
             <a:prstGeom prst="rect">
               <a:avLst/>
@@ -38869,8 +38869,8 @@
           </p:nvSpPr>
           <p:spPr>
             <a:xfrm>
-              <a:off x="6931717" y="4330704"/>
-              <a:ext cx="249673" cy="57602"/>
+              <a:off x="7277419" y="4330704"/>
+              <a:ext cx="326495" cy="57602"/>
             </a:xfrm>
             <a:prstGeom prst="rect">
               <a:avLst/>
@@ -38904,8 +38904,8 @@
           </p:nvSpPr>
           <p:spPr>
             <a:xfrm>
-              <a:off x="6931717" y="4273102"/>
-              <a:ext cx="249673" cy="57602"/>
+              <a:off x="7277419" y="4273102"/>
+              <a:ext cx="326495" cy="57602"/>
             </a:xfrm>
             <a:prstGeom prst="rect">
               <a:avLst/>
@@ -38939,8 +38939,8 @@
           </p:nvSpPr>
           <p:spPr>
             <a:xfrm>
-              <a:off x="6931717" y="4215499"/>
-              <a:ext cx="249673" cy="57602"/>
+              <a:off x="7277419" y="4215499"/>
+              <a:ext cx="326495" cy="57602"/>
             </a:xfrm>
             <a:prstGeom prst="rect">
               <a:avLst/>
@@ -38974,8 +38974,8 @@
           </p:nvSpPr>
           <p:spPr>
             <a:xfrm>
-              <a:off x="6931717" y="4157897"/>
-              <a:ext cx="249673" cy="57602"/>
+              <a:off x="7277419" y="4157897"/>
+              <a:ext cx="326495" cy="57602"/>
             </a:xfrm>
             <a:prstGeom prst="rect">
               <a:avLst/>
@@ -39009,8 +39009,8 @@
           </p:nvSpPr>
           <p:spPr>
             <a:xfrm>
-              <a:off x="6931717" y="4100295"/>
-              <a:ext cx="249673" cy="57602"/>
+              <a:off x="7277419" y="4100295"/>
+              <a:ext cx="326495" cy="57602"/>
             </a:xfrm>
             <a:prstGeom prst="rect">
               <a:avLst/>
@@ -39044,8 +39044,8 @@
           </p:nvSpPr>
           <p:spPr>
             <a:xfrm>
-              <a:off x="6931717" y="4042693"/>
-              <a:ext cx="249673" cy="57602"/>
+              <a:off x="7277419" y="4042693"/>
+              <a:ext cx="326495" cy="57602"/>
             </a:xfrm>
             <a:prstGeom prst="rect">
               <a:avLst/>
@@ -39079,8 +39079,8 @@
           </p:nvSpPr>
           <p:spPr>
             <a:xfrm>
-              <a:off x="6931717" y="3985090"/>
-              <a:ext cx="249673" cy="57602"/>
+              <a:off x="7277419" y="3985090"/>
+              <a:ext cx="326495" cy="57602"/>
             </a:xfrm>
             <a:prstGeom prst="rect">
               <a:avLst/>
@@ -39114,8 +39114,8 @@
           </p:nvSpPr>
           <p:spPr>
             <a:xfrm>
-              <a:off x="6931717" y="3927488"/>
-              <a:ext cx="249673" cy="57602"/>
+              <a:off x="7277419" y="3927488"/>
+              <a:ext cx="326495" cy="57602"/>
             </a:xfrm>
             <a:prstGeom prst="rect">
               <a:avLst/>
@@ -39149,8 +39149,8 @@
           </p:nvSpPr>
           <p:spPr>
             <a:xfrm>
-              <a:off x="6931717" y="3869886"/>
-              <a:ext cx="249673" cy="57602"/>
+              <a:off x="7277419" y="3869886"/>
+              <a:ext cx="326495" cy="57602"/>
             </a:xfrm>
             <a:prstGeom prst="rect">
               <a:avLst/>
@@ -39184,8 +39184,8 @@
           </p:nvSpPr>
           <p:spPr>
             <a:xfrm>
-              <a:off x="6931717" y="3812284"/>
-              <a:ext cx="249673" cy="57602"/>
+              <a:off x="7277419" y="3812284"/>
+              <a:ext cx="326495" cy="57602"/>
             </a:xfrm>
             <a:prstGeom prst="rect">
               <a:avLst/>
@@ -39219,8 +39219,8 @@
           </p:nvSpPr>
           <p:spPr>
             <a:xfrm>
-              <a:off x="6931717" y="3754681"/>
-              <a:ext cx="249673" cy="57602"/>
+              <a:off x="7277419" y="3754681"/>
+              <a:ext cx="326495" cy="57602"/>
             </a:xfrm>
             <a:prstGeom prst="rect">
               <a:avLst/>
@@ -39254,8 +39254,8 @@
           </p:nvSpPr>
           <p:spPr>
             <a:xfrm>
-              <a:off x="6931717" y="3697079"/>
-              <a:ext cx="249673" cy="57602"/>
+              <a:off x="7277419" y="3697079"/>
+              <a:ext cx="326495" cy="57602"/>
             </a:xfrm>
             <a:prstGeom prst="rect">
               <a:avLst/>
@@ -39289,8 +39289,8 @@
           </p:nvSpPr>
           <p:spPr>
             <a:xfrm>
-              <a:off x="6931717" y="3639477"/>
-              <a:ext cx="249673" cy="57602"/>
+              <a:off x="7277419" y="3639477"/>
+              <a:ext cx="326495" cy="57602"/>
             </a:xfrm>
             <a:prstGeom prst="rect">
               <a:avLst/>
@@ -39324,8 +39324,8 @@
           </p:nvSpPr>
           <p:spPr>
             <a:xfrm>
-              <a:off x="6931717" y="3581875"/>
-              <a:ext cx="249673" cy="57602"/>
+              <a:off x="7277419" y="3581875"/>
+              <a:ext cx="326495" cy="57602"/>
             </a:xfrm>
             <a:prstGeom prst="rect">
               <a:avLst/>
@@ -39359,8 +39359,8 @@
           </p:nvSpPr>
           <p:spPr>
             <a:xfrm>
-              <a:off x="6931717" y="3524272"/>
-              <a:ext cx="249673" cy="57602"/>
+              <a:off x="7277419" y="3524272"/>
+              <a:ext cx="326495" cy="57602"/>
             </a:xfrm>
             <a:prstGeom prst="rect">
               <a:avLst/>
@@ -39394,8 +39394,8 @@
           </p:nvSpPr>
           <p:spPr>
             <a:xfrm>
-              <a:off x="6931717" y="3466670"/>
-              <a:ext cx="249673" cy="57602"/>
+              <a:off x="7277419" y="3466670"/>
+              <a:ext cx="326495" cy="57602"/>
             </a:xfrm>
             <a:prstGeom prst="rect">
               <a:avLst/>
@@ -39429,8 +39429,8 @@
           </p:nvSpPr>
           <p:spPr>
             <a:xfrm>
-              <a:off x="6931717" y="3409068"/>
-              <a:ext cx="249673" cy="57602"/>
+              <a:off x="7277419" y="3409068"/>
+              <a:ext cx="326495" cy="57602"/>
             </a:xfrm>
             <a:prstGeom prst="rect">
               <a:avLst/>
@@ -39464,8 +39464,8 @@
           </p:nvSpPr>
           <p:spPr>
             <a:xfrm>
-              <a:off x="6931717" y="3351466"/>
-              <a:ext cx="249673" cy="57602"/>
+              <a:off x="7277419" y="3351466"/>
+              <a:ext cx="326495" cy="57602"/>
             </a:xfrm>
             <a:prstGeom prst="rect">
               <a:avLst/>
@@ -39499,8 +39499,8 @@
           </p:nvSpPr>
           <p:spPr>
             <a:xfrm>
-              <a:off x="6931717" y="3293864"/>
-              <a:ext cx="249673" cy="57602"/>
+              <a:off x="7277419" y="3293864"/>
+              <a:ext cx="326495" cy="57602"/>
             </a:xfrm>
             <a:prstGeom prst="rect">
               <a:avLst/>
@@ -39534,8 +39534,8 @@
           </p:nvSpPr>
           <p:spPr>
             <a:xfrm>
-              <a:off x="6931717" y="3236261"/>
-              <a:ext cx="249673" cy="57602"/>
+              <a:off x="7277419" y="3236261"/>
+              <a:ext cx="326495" cy="57602"/>
             </a:xfrm>
             <a:prstGeom prst="rect">
               <a:avLst/>
@@ -39569,8 +39569,8 @@
           </p:nvSpPr>
           <p:spPr>
             <a:xfrm>
-              <a:off x="6931717" y="3178659"/>
-              <a:ext cx="249673" cy="57602"/>
+              <a:off x="7277419" y="3178659"/>
+              <a:ext cx="326495" cy="57602"/>
             </a:xfrm>
             <a:prstGeom prst="rect">
               <a:avLst/>
@@ -39604,8 +39604,8 @@
           </p:nvSpPr>
           <p:spPr>
             <a:xfrm>
-              <a:off x="6931717" y="3121057"/>
-              <a:ext cx="249673" cy="57602"/>
+              <a:off x="7277419" y="3121057"/>
+              <a:ext cx="326495" cy="57602"/>
             </a:xfrm>
             <a:prstGeom prst="rect">
               <a:avLst/>
@@ -39639,8 +39639,8 @@
           </p:nvSpPr>
           <p:spPr>
             <a:xfrm>
-              <a:off x="6931717" y="3063455"/>
-              <a:ext cx="249673" cy="57602"/>
+              <a:off x="7277419" y="3063455"/>
+              <a:ext cx="326495" cy="57602"/>
             </a:xfrm>
             <a:prstGeom prst="rect">
               <a:avLst/>
@@ -39674,8 +39674,8 @@
           </p:nvSpPr>
           <p:spPr>
             <a:xfrm>
-              <a:off x="6931717" y="3005852"/>
-              <a:ext cx="249673" cy="57602"/>
+              <a:off x="7277419" y="3005852"/>
+              <a:ext cx="326495" cy="57602"/>
             </a:xfrm>
             <a:prstGeom prst="rect">
               <a:avLst/>
@@ -39709,8 +39709,8 @@
           </p:nvSpPr>
           <p:spPr>
             <a:xfrm>
-              <a:off x="6931717" y="2948250"/>
-              <a:ext cx="249673" cy="57602"/>
+              <a:off x="7277419" y="2948250"/>
+              <a:ext cx="326495" cy="57602"/>
             </a:xfrm>
             <a:prstGeom prst="rect">
               <a:avLst/>
@@ -39744,8 +39744,8 @@
           </p:nvSpPr>
           <p:spPr>
             <a:xfrm>
-              <a:off x="6931717" y="2890648"/>
-              <a:ext cx="249673" cy="57602"/>
+              <a:off x="7277419" y="2890648"/>
+              <a:ext cx="326495" cy="57602"/>
             </a:xfrm>
             <a:prstGeom prst="rect">
               <a:avLst/>
@@ -39779,8 +39779,8 @@
           </p:nvSpPr>
           <p:spPr>
             <a:xfrm>
-              <a:off x="6931717" y="2833046"/>
-              <a:ext cx="249673" cy="57602"/>
+              <a:off x="7277419" y="2833046"/>
+              <a:ext cx="326495" cy="57602"/>
             </a:xfrm>
             <a:prstGeom prst="rect">
               <a:avLst/>
@@ -39814,8 +39814,8 @@
           </p:nvSpPr>
           <p:spPr>
             <a:xfrm>
-              <a:off x="6931717" y="2775443"/>
-              <a:ext cx="249673" cy="57602"/>
+              <a:off x="7277419" y="2775443"/>
+              <a:ext cx="326495" cy="57602"/>
             </a:xfrm>
             <a:prstGeom prst="rect">
               <a:avLst/>
@@ -39849,8 +39849,8 @@
           </p:nvSpPr>
           <p:spPr>
             <a:xfrm>
-              <a:off x="6931717" y="2717841"/>
-              <a:ext cx="249673" cy="57602"/>
+              <a:off x="7277419" y="2717841"/>
+              <a:ext cx="326495" cy="57602"/>
             </a:xfrm>
             <a:prstGeom prst="rect">
               <a:avLst/>
@@ -39884,8 +39884,8 @@
           </p:nvSpPr>
           <p:spPr>
             <a:xfrm>
-              <a:off x="6931717" y="2660239"/>
-              <a:ext cx="249673" cy="57602"/>
+              <a:off x="7277419" y="2660239"/>
+              <a:ext cx="326495" cy="57602"/>
             </a:xfrm>
             <a:prstGeom prst="rect">
               <a:avLst/>
@@ -39919,8 +39919,8 @@
           </p:nvSpPr>
           <p:spPr>
             <a:xfrm>
-              <a:off x="6931717" y="2602637"/>
-              <a:ext cx="249673" cy="57602"/>
+              <a:off x="7277419" y="2602637"/>
+              <a:ext cx="326495" cy="57602"/>
             </a:xfrm>
             <a:prstGeom prst="rect">
               <a:avLst/>
@@ -39954,8 +39954,8 @@
           </p:nvSpPr>
           <p:spPr>
             <a:xfrm>
-              <a:off x="6931717" y="2545034"/>
-              <a:ext cx="249673" cy="57602"/>
+              <a:off x="7277419" y="2545034"/>
+              <a:ext cx="326495" cy="57602"/>
             </a:xfrm>
             <a:prstGeom prst="rect">
               <a:avLst/>
@@ -39989,8 +39989,8 @@
           </p:nvSpPr>
           <p:spPr>
             <a:xfrm>
-              <a:off x="6931717" y="2487432"/>
-              <a:ext cx="249673" cy="57602"/>
+              <a:off x="7277419" y="2487432"/>
+              <a:ext cx="326495" cy="57602"/>
             </a:xfrm>
             <a:prstGeom prst="rect">
               <a:avLst/>
@@ -40024,8 +40024,8 @@
           </p:nvSpPr>
           <p:spPr>
             <a:xfrm>
-              <a:off x="6931717" y="2429830"/>
-              <a:ext cx="249673" cy="57602"/>
+              <a:off x="7277419" y="2429830"/>
+              <a:ext cx="326495" cy="57602"/>
             </a:xfrm>
             <a:prstGeom prst="rect">
               <a:avLst/>
@@ -40059,8 +40059,8 @@
           </p:nvSpPr>
           <p:spPr>
             <a:xfrm>
-              <a:off x="6931717" y="2372228"/>
-              <a:ext cx="249673" cy="57602"/>
+              <a:off x="7277419" y="2372228"/>
+              <a:ext cx="326495" cy="57602"/>
             </a:xfrm>
             <a:prstGeom prst="rect">
               <a:avLst/>
@@ -40094,8 +40094,8 @@
           </p:nvSpPr>
           <p:spPr>
             <a:xfrm>
-              <a:off x="6931717" y="2314625"/>
-              <a:ext cx="249673" cy="57602"/>
+              <a:off x="7277419" y="2314625"/>
+              <a:ext cx="326495" cy="57602"/>
             </a:xfrm>
             <a:prstGeom prst="rect">
               <a:avLst/>
@@ -40129,8 +40129,8 @@
           </p:nvSpPr>
           <p:spPr>
             <a:xfrm>
-              <a:off x="6931717" y="2257023"/>
-              <a:ext cx="249673" cy="57602"/>
+              <a:off x="7277419" y="2257023"/>
+              <a:ext cx="326495" cy="57602"/>
             </a:xfrm>
             <a:prstGeom prst="rect">
               <a:avLst/>
@@ -40164,8 +40164,8 @@
           </p:nvSpPr>
           <p:spPr>
             <a:xfrm>
-              <a:off x="6931717" y="2199421"/>
-              <a:ext cx="249673" cy="57602"/>
+              <a:off x="7277419" y="2199421"/>
+              <a:ext cx="326495" cy="57602"/>
             </a:xfrm>
             <a:prstGeom prst="rect">
               <a:avLst/>
@@ -40199,8 +40199,8 @@
           </p:nvSpPr>
           <p:spPr>
             <a:xfrm>
-              <a:off x="6931717" y="2141819"/>
-              <a:ext cx="249673" cy="57602"/>
+              <a:off x="7277419" y="2141819"/>
+              <a:ext cx="326495" cy="57602"/>
             </a:xfrm>
             <a:prstGeom prst="rect">
               <a:avLst/>
@@ -40234,8 +40234,8 @@
           </p:nvSpPr>
           <p:spPr>
             <a:xfrm>
-              <a:off x="6931717" y="2084216"/>
-              <a:ext cx="249673" cy="57602"/>
+              <a:off x="7277419" y="2084216"/>
+              <a:ext cx="326495" cy="57602"/>
             </a:xfrm>
             <a:prstGeom prst="rect">
               <a:avLst/>
@@ -40269,8 +40269,8 @@
           </p:nvSpPr>
           <p:spPr>
             <a:xfrm>
-              <a:off x="6931717" y="2026614"/>
-              <a:ext cx="249673" cy="57602"/>
+              <a:off x="7277419" y="2026614"/>
+              <a:ext cx="326495" cy="57602"/>
             </a:xfrm>
             <a:prstGeom prst="rect">
               <a:avLst/>
@@ -40304,8 +40304,8 @@
           </p:nvSpPr>
           <p:spPr>
             <a:xfrm>
-              <a:off x="6931717" y="1969012"/>
-              <a:ext cx="249673" cy="57602"/>
+              <a:off x="7277419" y="1969012"/>
+              <a:ext cx="326495" cy="57602"/>
             </a:xfrm>
             <a:prstGeom prst="rect">
               <a:avLst/>
@@ -40339,8 +40339,8 @@
           </p:nvSpPr>
           <p:spPr>
             <a:xfrm>
-              <a:off x="6931717" y="1911410"/>
-              <a:ext cx="249673" cy="57602"/>
+              <a:off x="7277419" y="1911410"/>
+              <a:ext cx="326495" cy="57602"/>
             </a:xfrm>
             <a:prstGeom prst="rect">
               <a:avLst/>
@@ -40374,8 +40374,8 @@
           </p:nvSpPr>
           <p:spPr>
             <a:xfrm>
-              <a:off x="6931717" y="1853807"/>
-              <a:ext cx="249673" cy="57602"/>
+              <a:off x="7277419" y="1853807"/>
+              <a:ext cx="326495" cy="57602"/>
             </a:xfrm>
             <a:prstGeom prst="rect">
               <a:avLst/>
@@ -40409,8 +40409,8 @@
           </p:nvSpPr>
           <p:spPr>
             <a:xfrm>
-              <a:off x="6931717" y="1796205"/>
-              <a:ext cx="249673" cy="57602"/>
+              <a:off x="7277419" y="1796205"/>
+              <a:ext cx="326495" cy="57602"/>
             </a:xfrm>
             <a:prstGeom prst="rect">
               <a:avLst/>
@@ -40444,8 +40444,8 @@
           </p:nvSpPr>
           <p:spPr>
             <a:xfrm>
-              <a:off x="6931717" y="1738603"/>
-              <a:ext cx="249673" cy="57602"/>
+              <a:off x="7277419" y="1738603"/>
+              <a:ext cx="326495" cy="57602"/>
             </a:xfrm>
             <a:prstGeom prst="rect">
               <a:avLst/>
@@ -40479,8 +40479,8 @@
           </p:nvSpPr>
           <p:spPr>
             <a:xfrm>
-              <a:off x="6931717" y="1681001"/>
-              <a:ext cx="249673" cy="57602"/>
+              <a:off x="7277419" y="1681001"/>
+              <a:ext cx="326495" cy="57602"/>
             </a:xfrm>
             <a:prstGeom prst="rect">
               <a:avLst/>
@@ -40514,8 +40514,8 @@
           </p:nvSpPr>
           <p:spPr>
             <a:xfrm>
-              <a:off x="6931717" y="1623398"/>
-              <a:ext cx="249673" cy="57602"/>
+              <a:off x="7277419" y="1623398"/>
+              <a:ext cx="326495" cy="57602"/>
             </a:xfrm>
             <a:prstGeom prst="rect">
               <a:avLst/>
@@ -40549,8 +40549,8 @@
           </p:nvSpPr>
           <p:spPr>
             <a:xfrm>
-              <a:off x="6931717" y="1565796"/>
-              <a:ext cx="249673" cy="57602"/>
+              <a:off x="7277419" y="1565796"/>
+              <a:ext cx="326495" cy="57602"/>
             </a:xfrm>
             <a:prstGeom prst="rect">
               <a:avLst/>
@@ -40584,8 +40584,8 @@
           </p:nvSpPr>
           <p:spPr>
             <a:xfrm>
-              <a:off x="6931717" y="1508194"/>
-              <a:ext cx="249673" cy="57602"/>
+              <a:off x="7277419" y="1508194"/>
+              <a:ext cx="326495" cy="57602"/>
             </a:xfrm>
             <a:prstGeom prst="rect">
               <a:avLst/>
@@ -40619,8 +40619,8 @@
           </p:nvSpPr>
           <p:spPr>
             <a:xfrm>
-              <a:off x="6931717" y="1450592"/>
-              <a:ext cx="249673" cy="57602"/>
+              <a:off x="7277419" y="1450592"/>
+              <a:ext cx="326495" cy="57602"/>
             </a:xfrm>
             <a:prstGeom prst="rect">
               <a:avLst/>
@@ -40654,8 +40654,8 @@
           </p:nvSpPr>
           <p:spPr>
             <a:xfrm>
-              <a:off x="6931717" y="1392990"/>
-              <a:ext cx="249673" cy="57602"/>
+              <a:off x="7277419" y="1392990"/>
+              <a:ext cx="326495" cy="57602"/>
             </a:xfrm>
             <a:prstGeom prst="rect">
               <a:avLst/>
@@ -40689,7 +40689,7 @@
           </p:nvSpPr>
           <p:spPr>
             <a:xfrm>
-              <a:off x="7272617" y="7153214"/>
+              <a:off x="7752758" y="7153214"/>
               <a:ext cx="288084" cy="57602"/>
             </a:xfrm>
             <a:prstGeom prst="rect">
@@ -40724,7 +40724,7 @@
           </p:nvSpPr>
           <p:spPr>
             <a:xfrm>
-              <a:off x="7272617" y="7095611"/>
+              <a:off x="7752758" y="7095611"/>
               <a:ext cx="288084" cy="57602"/>
             </a:xfrm>
             <a:prstGeom prst="rect">
@@ -40759,7 +40759,7 @@
           </p:nvSpPr>
           <p:spPr>
             <a:xfrm>
-              <a:off x="7272617" y="7038009"/>
+              <a:off x="7752758" y="7038009"/>
               <a:ext cx="288084" cy="57602"/>
             </a:xfrm>
             <a:prstGeom prst="rect">
@@ -40794,7 +40794,7 @@
           </p:nvSpPr>
           <p:spPr>
             <a:xfrm>
-              <a:off x="7272617" y="6980407"/>
+              <a:off x="7752758" y="6980407"/>
               <a:ext cx="288084" cy="57602"/>
             </a:xfrm>
             <a:prstGeom prst="rect">
@@ -40829,7 +40829,7 @@
           </p:nvSpPr>
           <p:spPr>
             <a:xfrm>
-              <a:off x="7272617" y="6922805"/>
+              <a:off x="7752758" y="6922805"/>
               <a:ext cx="288084" cy="57602"/>
             </a:xfrm>
             <a:prstGeom prst="rect">
@@ -40864,7 +40864,7 @@
           </p:nvSpPr>
           <p:spPr>
             <a:xfrm>
-              <a:off x="7272617" y="6865202"/>
+              <a:off x="7752758" y="6865202"/>
               <a:ext cx="288084" cy="57602"/>
             </a:xfrm>
             <a:prstGeom prst="rect">
@@ -40899,7 +40899,7 @@
           </p:nvSpPr>
           <p:spPr>
             <a:xfrm>
-              <a:off x="7272617" y="6807600"/>
+              <a:off x="7752758" y="6807600"/>
               <a:ext cx="288084" cy="57602"/>
             </a:xfrm>
             <a:prstGeom prst="rect">
@@ -40934,7 +40934,7 @@
           </p:nvSpPr>
           <p:spPr>
             <a:xfrm>
-              <a:off x="7272617" y="6749998"/>
+              <a:off x="7752758" y="6749998"/>
               <a:ext cx="288084" cy="57602"/>
             </a:xfrm>
             <a:prstGeom prst="rect">
@@ -40969,7 +40969,7 @@
           </p:nvSpPr>
           <p:spPr>
             <a:xfrm>
-              <a:off x="7272617" y="6692396"/>
+              <a:off x="7752758" y="6692396"/>
               <a:ext cx="288084" cy="57602"/>
             </a:xfrm>
             <a:prstGeom prst="rect">
@@ -41004,7 +41004,7 @@
           </p:nvSpPr>
           <p:spPr>
             <a:xfrm>
-              <a:off x="7272617" y="6634794"/>
+              <a:off x="7752758" y="6634794"/>
               <a:ext cx="288084" cy="57602"/>
             </a:xfrm>
             <a:prstGeom prst="rect">
@@ -41039,7 +41039,7 @@
           </p:nvSpPr>
           <p:spPr>
             <a:xfrm>
-              <a:off x="7272617" y="6577191"/>
+              <a:off x="7752758" y="6577191"/>
               <a:ext cx="288084" cy="57602"/>
             </a:xfrm>
             <a:prstGeom prst="rect">
@@ -41074,7 +41074,7 @@
           </p:nvSpPr>
           <p:spPr>
             <a:xfrm>
-              <a:off x="7272617" y="6519589"/>
+              <a:off x="7752758" y="6519589"/>
               <a:ext cx="288084" cy="57602"/>
             </a:xfrm>
             <a:prstGeom prst="rect">
@@ -41109,7 +41109,7 @@
           </p:nvSpPr>
           <p:spPr>
             <a:xfrm>
-              <a:off x="7272617" y="6461987"/>
+              <a:off x="7752758" y="6461987"/>
               <a:ext cx="288084" cy="57602"/>
             </a:xfrm>
             <a:prstGeom prst="rect">
@@ -41144,7 +41144,7 @@
           </p:nvSpPr>
           <p:spPr>
             <a:xfrm>
-              <a:off x="7272617" y="6404385"/>
+              <a:off x="7752758" y="6404385"/>
               <a:ext cx="288084" cy="57602"/>
             </a:xfrm>
             <a:prstGeom prst="rect">
@@ -41179,7 +41179,7 @@
           </p:nvSpPr>
           <p:spPr>
             <a:xfrm>
-              <a:off x="7272617" y="6346782"/>
+              <a:off x="7752758" y="6346782"/>
               <a:ext cx="288084" cy="57602"/>
             </a:xfrm>
             <a:prstGeom prst="rect">
@@ -41214,7 +41214,7 @@
           </p:nvSpPr>
           <p:spPr>
             <a:xfrm>
-              <a:off x="7272617" y="6289180"/>
+              <a:off x="7752758" y="6289180"/>
               <a:ext cx="288084" cy="57602"/>
             </a:xfrm>
             <a:prstGeom prst="rect">
@@ -41249,7 +41249,7 @@
           </p:nvSpPr>
           <p:spPr>
             <a:xfrm>
-              <a:off x="7272617" y="6231578"/>
+              <a:off x="7752758" y="6231578"/>
               <a:ext cx="288084" cy="57602"/>
             </a:xfrm>
             <a:prstGeom prst="rect">
@@ -41284,7 +41284,7 @@
           </p:nvSpPr>
           <p:spPr>
             <a:xfrm>
-              <a:off x="7272617" y="6173976"/>
+              <a:off x="7752758" y="6173976"/>
               <a:ext cx="288084" cy="57602"/>
             </a:xfrm>
             <a:prstGeom prst="rect">
@@ -41319,7 +41319,7 @@
           </p:nvSpPr>
           <p:spPr>
             <a:xfrm>
-              <a:off x="7272617" y="6116373"/>
+              <a:off x="7752758" y="6116373"/>
               <a:ext cx="288084" cy="57602"/>
             </a:xfrm>
             <a:prstGeom prst="rect">
@@ -41354,7 +41354,7 @@
           </p:nvSpPr>
           <p:spPr>
             <a:xfrm>
-              <a:off x="7272617" y="6058771"/>
+              <a:off x="7752758" y="6058771"/>
               <a:ext cx="288084" cy="57602"/>
             </a:xfrm>
             <a:prstGeom prst="rect">
@@ -41389,7 +41389,7 @@
           </p:nvSpPr>
           <p:spPr>
             <a:xfrm>
-              <a:off x="7272617" y="6001169"/>
+              <a:off x="7752758" y="6001169"/>
               <a:ext cx="288084" cy="57602"/>
             </a:xfrm>
             <a:prstGeom prst="rect">
@@ -41424,7 +41424,7 @@
           </p:nvSpPr>
           <p:spPr>
             <a:xfrm>
-              <a:off x="7272617" y="5943567"/>
+              <a:off x="7752758" y="5943567"/>
               <a:ext cx="288084" cy="57602"/>
             </a:xfrm>
             <a:prstGeom prst="rect">
@@ -41459,7 +41459,7 @@
           </p:nvSpPr>
           <p:spPr>
             <a:xfrm>
-              <a:off x="7272617" y="5885964"/>
+              <a:off x="7752758" y="5885964"/>
               <a:ext cx="288084" cy="57602"/>
             </a:xfrm>
             <a:prstGeom prst="rect">
@@ -41494,7 +41494,7 @@
           </p:nvSpPr>
           <p:spPr>
             <a:xfrm>
-              <a:off x="7272617" y="5828362"/>
+              <a:off x="7752758" y="5828362"/>
               <a:ext cx="288084" cy="57602"/>
             </a:xfrm>
             <a:prstGeom prst="rect">
@@ -41529,7 +41529,7 @@
           </p:nvSpPr>
           <p:spPr>
             <a:xfrm>
-              <a:off x="7272617" y="5770760"/>
+              <a:off x="7752758" y="5770760"/>
               <a:ext cx="288084" cy="57602"/>
             </a:xfrm>
             <a:prstGeom prst="rect">
@@ -41564,7 +41564,7 @@
           </p:nvSpPr>
           <p:spPr>
             <a:xfrm>
-              <a:off x="7272617" y="5713158"/>
+              <a:off x="7752758" y="5713158"/>
               <a:ext cx="288084" cy="57602"/>
             </a:xfrm>
             <a:prstGeom prst="rect">
@@ -41599,7 +41599,7 @@
           </p:nvSpPr>
           <p:spPr>
             <a:xfrm>
-              <a:off x="7272617" y="5655555"/>
+              <a:off x="7752758" y="5655555"/>
               <a:ext cx="288084" cy="57602"/>
             </a:xfrm>
             <a:prstGeom prst="rect">
@@ -41634,7 +41634,7 @@
           </p:nvSpPr>
           <p:spPr>
             <a:xfrm>
-              <a:off x="7272617" y="5597953"/>
+              <a:off x="7752758" y="5597953"/>
               <a:ext cx="288084" cy="57602"/>
             </a:xfrm>
             <a:prstGeom prst="rect">
@@ -41669,7 +41669,7 @@
           </p:nvSpPr>
           <p:spPr>
             <a:xfrm>
-              <a:off x="7272617" y="5540351"/>
+              <a:off x="7752758" y="5540351"/>
               <a:ext cx="288084" cy="57602"/>
             </a:xfrm>
             <a:prstGeom prst="rect">
@@ -41704,7 +41704,7 @@
           </p:nvSpPr>
           <p:spPr>
             <a:xfrm>
-              <a:off x="7272617" y="5482749"/>
+              <a:off x="7752758" y="5482749"/>
               <a:ext cx="288084" cy="57602"/>
             </a:xfrm>
             <a:prstGeom prst="rect">
@@ -41739,7 +41739,7 @@
           </p:nvSpPr>
           <p:spPr>
             <a:xfrm>
-              <a:off x="7272617" y="5425146"/>
+              <a:off x="7752758" y="5425146"/>
               <a:ext cx="288084" cy="57602"/>
             </a:xfrm>
             <a:prstGeom prst="rect">
@@ -41774,7 +41774,7 @@
           </p:nvSpPr>
           <p:spPr>
             <a:xfrm>
-              <a:off x="7272617" y="5367544"/>
+              <a:off x="7752758" y="5367544"/>
               <a:ext cx="288084" cy="57602"/>
             </a:xfrm>
             <a:prstGeom prst="rect">
@@ -41809,7 +41809,7 @@
           </p:nvSpPr>
           <p:spPr>
             <a:xfrm>
-              <a:off x="7272617" y="5309942"/>
+              <a:off x="7752758" y="5309942"/>
               <a:ext cx="288084" cy="57602"/>
             </a:xfrm>
             <a:prstGeom prst="rect">
@@ -41844,7 +41844,7 @@
           </p:nvSpPr>
           <p:spPr>
             <a:xfrm>
-              <a:off x="7272617" y="5252340"/>
+              <a:off x="7752758" y="5252340"/>
               <a:ext cx="288084" cy="57602"/>
             </a:xfrm>
             <a:prstGeom prst="rect">
@@ -41879,7 +41879,7 @@
           </p:nvSpPr>
           <p:spPr>
             <a:xfrm>
-              <a:off x="7272617" y="5194737"/>
+              <a:off x="7752758" y="5194737"/>
               <a:ext cx="288084" cy="57602"/>
             </a:xfrm>
             <a:prstGeom prst="rect">
@@ -41914,7 +41914,7 @@
           </p:nvSpPr>
           <p:spPr>
             <a:xfrm>
-              <a:off x="7272617" y="5137135"/>
+              <a:off x="7752758" y="5137135"/>
               <a:ext cx="288084" cy="57602"/>
             </a:xfrm>
             <a:prstGeom prst="rect">
@@ -41949,7 +41949,7 @@
           </p:nvSpPr>
           <p:spPr>
             <a:xfrm>
-              <a:off x="7272617" y="5079533"/>
+              <a:off x="7752758" y="5079533"/>
               <a:ext cx="288084" cy="57602"/>
             </a:xfrm>
             <a:prstGeom prst="rect">
@@ -41984,7 +41984,7 @@
           </p:nvSpPr>
           <p:spPr>
             <a:xfrm>
-              <a:off x="7272617" y="5021931"/>
+              <a:off x="7752758" y="5021931"/>
               <a:ext cx="288084" cy="57602"/>
             </a:xfrm>
             <a:prstGeom prst="rect">
@@ -42019,7 +42019,7 @@
           </p:nvSpPr>
           <p:spPr>
             <a:xfrm>
-              <a:off x="7272617" y="4964329"/>
+              <a:off x="7752758" y="4964329"/>
               <a:ext cx="288084" cy="57602"/>
             </a:xfrm>
             <a:prstGeom prst="rect">
@@ -42054,7 +42054,7 @@
           </p:nvSpPr>
           <p:spPr>
             <a:xfrm>
-              <a:off x="7272617" y="4906726"/>
+              <a:off x="7752758" y="4906726"/>
               <a:ext cx="288084" cy="57602"/>
             </a:xfrm>
             <a:prstGeom prst="rect">
@@ -42089,7 +42089,7 @@
           </p:nvSpPr>
           <p:spPr>
             <a:xfrm>
-              <a:off x="7272617" y="4849124"/>
+              <a:off x="7752758" y="4849124"/>
               <a:ext cx="288084" cy="57602"/>
             </a:xfrm>
             <a:prstGeom prst="rect">
@@ -42124,7 +42124,7 @@
           </p:nvSpPr>
           <p:spPr>
             <a:xfrm>
-              <a:off x="7272617" y="4791522"/>
+              <a:off x="7752758" y="4791522"/>
               <a:ext cx="288084" cy="57602"/>
             </a:xfrm>
             <a:prstGeom prst="rect">
@@ -42159,7 +42159,7 @@
           </p:nvSpPr>
           <p:spPr>
             <a:xfrm>
-              <a:off x="7272617" y="4733920"/>
+              <a:off x="7752758" y="4733920"/>
               <a:ext cx="288084" cy="57602"/>
             </a:xfrm>
             <a:prstGeom prst="rect">
@@ -42194,7 +42194,7 @@
           </p:nvSpPr>
           <p:spPr>
             <a:xfrm>
-              <a:off x="7272617" y="4676317"/>
+              <a:off x="7752758" y="4676317"/>
               <a:ext cx="288084" cy="57602"/>
             </a:xfrm>
             <a:prstGeom prst="rect">
@@ -42229,7 +42229,7 @@
           </p:nvSpPr>
           <p:spPr>
             <a:xfrm>
-              <a:off x="7272617" y="4618715"/>
+              <a:off x="7752758" y="4618715"/>
               <a:ext cx="288084" cy="57602"/>
             </a:xfrm>
             <a:prstGeom prst="rect">
@@ -42264,7 +42264,7 @@
           </p:nvSpPr>
           <p:spPr>
             <a:xfrm>
-              <a:off x="7272617" y="4561113"/>
+              <a:off x="7752758" y="4561113"/>
               <a:ext cx="288084" cy="57602"/>
             </a:xfrm>
             <a:prstGeom prst="rect">
@@ -42299,7 +42299,7 @@
           </p:nvSpPr>
           <p:spPr>
             <a:xfrm>
-              <a:off x="7272617" y="4503511"/>
+              <a:off x="7752758" y="4503511"/>
               <a:ext cx="288084" cy="57602"/>
             </a:xfrm>
             <a:prstGeom prst="rect">
@@ -42334,7 +42334,7 @@
           </p:nvSpPr>
           <p:spPr>
             <a:xfrm>
-              <a:off x="7272617" y="4445908"/>
+              <a:off x="7752758" y="4445908"/>
               <a:ext cx="288084" cy="57602"/>
             </a:xfrm>
             <a:prstGeom prst="rect">
@@ -42369,7 +42369,7 @@
           </p:nvSpPr>
           <p:spPr>
             <a:xfrm>
-              <a:off x="7272617" y="4388306"/>
+              <a:off x="7752758" y="4388306"/>
               <a:ext cx="288084" cy="57602"/>
             </a:xfrm>
             <a:prstGeom prst="rect">
@@ -42404,7 +42404,7 @@
           </p:nvSpPr>
           <p:spPr>
             <a:xfrm>
-              <a:off x="7272617" y="4330704"/>
+              <a:off x="7752758" y="4330704"/>
               <a:ext cx="288084" cy="57602"/>
             </a:xfrm>
             <a:prstGeom prst="rect">
@@ -42439,7 +42439,7 @@
           </p:nvSpPr>
           <p:spPr>
             <a:xfrm>
-              <a:off x="7272617" y="4273102"/>
+              <a:off x="7752758" y="4273102"/>
               <a:ext cx="288084" cy="57602"/>
             </a:xfrm>
             <a:prstGeom prst="rect">
@@ -42474,7 +42474,7 @@
           </p:nvSpPr>
           <p:spPr>
             <a:xfrm>
-              <a:off x="7272617" y="4215499"/>
+              <a:off x="7752758" y="4215499"/>
               <a:ext cx="288084" cy="57602"/>
             </a:xfrm>
             <a:prstGeom prst="rect">
@@ -42509,7 +42509,7 @@
           </p:nvSpPr>
           <p:spPr>
             <a:xfrm>
-              <a:off x="7272617" y="4157897"/>
+              <a:off x="7752758" y="4157897"/>
               <a:ext cx="288084" cy="57602"/>
             </a:xfrm>
             <a:prstGeom prst="rect">
@@ -42544,14 +42544,14 @@
           </p:nvSpPr>
           <p:spPr>
             <a:xfrm>
-              <a:off x="7272617" y="4100295"/>
+              <a:off x="7752758" y="4100295"/>
               <a:ext cx="288084" cy="57602"/>
             </a:xfrm>
             <a:prstGeom prst="rect">
               <a:avLst/>
             </a:prstGeom>
             <a:solidFill>
-              <a:srgbClr val="BEBEBE">
+              <a:srgbClr val="63E3C5">
                 <a:alpha val="100000"/>
               </a:srgbClr>
             </a:solidFill>
@@ -42579,7 +42579,7 @@
           </p:nvSpPr>
           <p:spPr>
             <a:xfrm>
-              <a:off x="7272617" y="4042693"/>
+              <a:off x="7752758" y="4042693"/>
               <a:ext cx="288084" cy="57602"/>
             </a:xfrm>
             <a:prstGeom prst="rect">
@@ -42614,7 +42614,7 @@
           </p:nvSpPr>
           <p:spPr>
             <a:xfrm>
-              <a:off x="7272617" y="3985090"/>
+              <a:off x="7752758" y="3985090"/>
               <a:ext cx="288084" cy="57602"/>
             </a:xfrm>
             <a:prstGeom prst="rect">
@@ -42649,7 +42649,7 @@
           </p:nvSpPr>
           <p:spPr>
             <a:xfrm>
-              <a:off x="7272617" y="3927488"/>
+              <a:off x="7752758" y="3927488"/>
               <a:ext cx="288084" cy="57602"/>
             </a:xfrm>
             <a:prstGeom prst="rect">
@@ -42684,7 +42684,7 @@
           </p:nvSpPr>
           <p:spPr>
             <a:xfrm>
-              <a:off x="7272617" y="3869886"/>
+              <a:off x="7752758" y="3869886"/>
               <a:ext cx="288084" cy="57602"/>
             </a:xfrm>
             <a:prstGeom prst="rect">
@@ -42719,7 +42719,7 @@
           </p:nvSpPr>
           <p:spPr>
             <a:xfrm>
-              <a:off x="7272617" y="3812284"/>
+              <a:off x="7752758" y="3812284"/>
               <a:ext cx="288084" cy="57602"/>
             </a:xfrm>
             <a:prstGeom prst="rect">
@@ -42754,7 +42754,7 @@
           </p:nvSpPr>
           <p:spPr>
             <a:xfrm>
-              <a:off x="7272617" y="3754681"/>
+              <a:off x="7752758" y="3754681"/>
               <a:ext cx="288084" cy="57602"/>
             </a:xfrm>
             <a:prstGeom prst="rect">
@@ -42789,7 +42789,7 @@
           </p:nvSpPr>
           <p:spPr>
             <a:xfrm>
-              <a:off x="7272617" y="3697079"/>
+              <a:off x="7752758" y="3697079"/>
               <a:ext cx="288084" cy="57602"/>
             </a:xfrm>
             <a:prstGeom prst="rect">
@@ -42824,7 +42824,7 @@
           </p:nvSpPr>
           <p:spPr>
             <a:xfrm>
-              <a:off x="7272617" y="3639477"/>
+              <a:off x="7752758" y="3639477"/>
               <a:ext cx="288084" cy="57602"/>
             </a:xfrm>
             <a:prstGeom prst="rect">
@@ -42859,7 +42859,7 @@
           </p:nvSpPr>
           <p:spPr>
             <a:xfrm>
-              <a:off x="7272617" y="3581875"/>
+              <a:off x="7752758" y="3581875"/>
               <a:ext cx="288084" cy="57602"/>
             </a:xfrm>
             <a:prstGeom prst="rect">
@@ -42894,7 +42894,7 @@
           </p:nvSpPr>
           <p:spPr>
             <a:xfrm>
-              <a:off x="7272617" y="3524272"/>
+              <a:off x="7752758" y="3524272"/>
               <a:ext cx="288084" cy="57602"/>
             </a:xfrm>
             <a:prstGeom prst="rect">
@@ -42929,7 +42929,7 @@
           </p:nvSpPr>
           <p:spPr>
             <a:xfrm>
-              <a:off x="7272617" y="3466670"/>
+              <a:off x="7752758" y="3466670"/>
               <a:ext cx="288084" cy="57602"/>
             </a:xfrm>
             <a:prstGeom prst="rect">
@@ -42964,7 +42964,7 @@
           </p:nvSpPr>
           <p:spPr>
             <a:xfrm>
-              <a:off x="7272617" y="3409068"/>
+              <a:off x="7752758" y="3409068"/>
               <a:ext cx="288084" cy="57602"/>
             </a:xfrm>
             <a:prstGeom prst="rect">
@@ -42999,7 +42999,7 @@
           </p:nvSpPr>
           <p:spPr>
             <a:xfrm>
-              <a:off x="7272617" y="3351466"/>
+              <a:off x="7752758" y="3351466"/>
               <a:ext cx="288084" cy="57602"/>
             </a:xfrm>
             <a:prstGeom prst="rect">
@@ -43034,7 +43034,7 @@
           </p:nvSpPr>
           <p:spPr>
             <a:xfrm>
-              <a:off x="7272617" y="3293864"/>
+              <a:off x="7752758" y="3293864"/>
               <a:ext cx="288084" cy="57602"/>
             </a:xfrm>
             <a:prstGeom prst="rect">
@@ -43069,7 +43069,7 @@
           </p:nvSpPr>
           <p:spPr>
             <a:xfrm>
-              <a:off x="7272617" y="3236261"/>
+              <a:off x="7752758" y="3236261"/>
               <a:ext cx="288084" cy="57602"/>
             </a:xfrm>
             <a:prstGeom prst="rect">
@@ -43104,14 +43104,14 @@
           </p:nvSpPr>
           <p:spPr>
             <a:xfrm>
-              <a:off x="7272617" y="3178659"/>
+              <a:off x="7752758" y="3178659"/>
               <a:ext cx="288084" cy="57602"/>
             </a:xfrm>
             <a:prstGeom prst="rect">
               <a:avLst/>
             </a:prstGeom>
             <a:solidFill>
-              <a:srgbClr val="BEBEBE">
+              <a:srgbClr val="3CBA26">
                 <a:alpha val="100000"/>
               </a:srgbClr>
             </a:solidFill>
@@ -43139,7 +43139,7 @@
           </p:nvSpPr>
           <p:spPr>
             <a:xfrm>
-              <a:off x="7272617" y="3121057"/>
+              <a:off x="7752758" y="3121057"/>
               <a:ext cx="288084" cy="57602"/>
             </a:xfrm>
             <a:prstGeom prst="rect">
@@ -43174,7 +43174,7 @@
           </p:nvSpPr>
           <p:spPr>
             <a:xfrm>
-              <a:off x="7272617" y="3063455"/>
+              <a:off x="7752758" y="3063455"/>
               <a:ext cx="288084" cy="57602"/>
             </a:xfrm>
             <a:prstGeom prst="rect">
@@ -43209,7 +43209,7 @@
           </p:nvSpPr>
           <p:spPr>
             <a:xfrm>
-              <a:off x="7272617" y="3005852"/>
+              <a:off x="7752758" y="3005852"/>
               <a:ext cx="288084" cy="57602"/>
             </a:xfrm>
             <a:prstGeom prst="rect">
@@ -43244,7 +43244,7 @@
           </p:nvSpPr>
           <p:spPr>
             <a:xfrm>
-              <a:off x="7272617" y="2948250"/>
+              <a:off x="7752758" y="2948250"/>
               <a:ext cx="288084" cy="57602"/>
             </a:xfrm>
             <a:prstGeom prst="rect">
@@ -43279,7 +43279,7 @@
           </p:nvSpPr>
           <p:spPr>
             <a:xfrm>
-              <a:off x="7272617" y="2890648"/>
+              <a:off x="7752758" y="2890648"/>
               <a:ext cx="288084" cy="57602"/>
             </a:xfrm>
             <a:prstGeom prst="rect">
@@ -43314,7 +43314,7 @@
           </p:nvSpPr>
           <p:spPr>
             <a:xfrm>
-              <a:off x="7272617" y="2833046"/>
+              <a:off x="7752758" y="2833046"/>
               <a:ext cx="288084" cy="57602"/>
             </a:xfrm>
             <a:prstGeom prst="rect">
@@ -43349,7 +43349,7 @@
           </p:nvSpPr>
           <p:spPr>
             <a:xfrm>
-              <a:off x="7272617" y="2775443"/>
+              <a:off x="7752758" y="2775443"/>
               <a:ext cx="288084" cy="57602"/>
             </a:xfrm>
             <a:prstGeom prst="rect">
@@ -43384,7 +43384,7 @@
           </p:nvSpPr>
           <p:spPr>
             <a:xfrm>
-              <a:off x="7272617" y="2717841"/>
+              <a:off x="7752758" y="2717841"/>
               <a:ext cx="288084" cy="57602"/>
             </a:xfrm>
             <a:prstGeom prst="rect">
@@ -43419,7 +43419,7 @@
           </p:nvSpPr>
           <p:spPr>
             <a:xfrm>
-              <a:off x="7272617" y="2660239"/>
+              <a:off x="7752758" y="2660239"/>
               <a:ext cx="288084" cy="57602"/>
             </a:xfrm>
             <a:prstGeom prst="rect">
@@ -43454,7 +43454,7 @@
           </p:nvSpPr>
           <p:spPr>
             <a:xfrm>
-              <a:off x="7272617" y="2602637"/>
+              <a:off x="7752758" y="2602637"/>
               <a:ext cx="288084" cy="57602"/>
             </a:xfrm>
             <a:prstGeom prst="rect">
@@ -43489,7 +43489,7 @@
           </p:nvSpPr>
           <p:spPr>
             <a:xfrm>
-              <a:off x="7272617" y="2545034"/>
+              <a:off x="7752758" y="2545034"/>
               <a:ext cx="288084" cy="57602"/>
             </a:xfrm>
             <a:prstGeom prst="rect">
@@ -43524,7 +43524,7 @@
           </p:nvSpPr>
           <p:spPr>
             <a:xfrm>
-              <a:off x="7272617" y="2487432"/>
+              <a:off x="7752758" y="2487432"/>
               <a:ext cx="288084" cy="57602"/>
             </a:xfrm>
             <a:prstGeom prst="rect">
@@ -43559,7 +43559,7 @@
           </p:nvSpPr>
           <p:spPr>
             <a:xfrm>
-              <a:off x="7272617" y="2429830"/>
+              <a:off x="7752758" y="2429830"/>
               <a:ext cx="288084" cy="57602"/>
             </a:xfrm>
             <a:prstGeom prst="rect">
@@ -43594,7 +43594,7 @@
           </p:nvSpPr>
           <p:spPr>
             <a:xfrm>
-              <a:off x="7272617" y="2372228"/>
+              <a:off x="7752758" y="2372228"/>
               <a:ext cx="288084" cy="57602"/>
             </a:xfrm>
             <a:prstGeom prst="rect">
@@ -43629,7 +43629,7 @@
           </p:nvSpPr>
           <p:spPr>
             <a:xfrm>
-              <a:off x="7272617" y="2314625"/>
+              <a:off x="7752758" y="2314625"/>
               <a:ext cx="288084" cy="57602"/>
             </a:xfrm>
             <a:prstGeom prst="rect">
@@ -43664,7 +43664,7 @@
           </p:nvSpPr>
           <p:spPr>
             <a:xfrm>
-              <a:off x="7272617" y="2257023"/>
+              <a:off x="7752758" y="2257023"/>
               <a:ext cx="288084" cy="57602"/>
             </a:xfrm>
             <a:prstGeom prst="rect">
@@ -43699,7 +43699,7 @@
           </p:nvSpPr>
           <p:spPr>
             <a:xfrm>
-              <a:off x="7272617" y="2199421"/>
+              <a:off x="7752758" y="2199421"/>
               <a:ext cx="288084" cy="57602"/>
             </a:xfrm>
             <a:prstGeom prst="rect">
@@ -43734,7 +43734,7 @@
           </p:nvSpPr>
           <p:spPr>
             <a:xfrm>
-              <a:off x="7272617" y="2141819"/>
+              <a:off x="7752758" y="2141819"/>
               <a:ext cx="288084" cy="57602"/>
             </a:xfrm>
             <a:prstGeom prst="rect">
@@ -43769,7 +43769,7 @@
           </p:nvSpPr>
           <p:spPr>
             <a:xfrm>
-              <a:off x="7272617" y="2084216"/>
+              <a:off x="7752758" y="2084216"/>
               <a:ext cx="288084" cy="57602"/>
             </a:xfrm>
             <a:prstGeom prst="rect">
@@ -43804,7 +43804,7 @@
           </p:nvSpPr>
           <p:spPr>
             <a:xfrm>
-              <a:off x="7272617" y="2026614"/>
+              <a:off x="7752758" y="2026614"/>
               <a:ext cx="288084" cy="57602"/>
             </a:xfrm>
             <a:prstGeom prst="rect">
@@ -43839,7 +43839,7 @@
           </p:nvSpPr>
           <p:spPr>
             <a:xfrm>
-              <a:off x="7272617" y="1969012"/>
+              <a:off x="7752758" y="1969012"/>
               <a:ext cx="288084" cy="57602"/>
             </a:xfrm>
             <a:prstGeom prst="rect">
@@ -43874,7 +43874,7 @@
           </p:nvSpPr>
           <p:spPr>
             <a:xfrm>
-              <a:off x="7272617" y="1911410"/>
+              <a:off x="7752758" y="1911410"/>
               <a:ext cx="288084" cy="57602"/>
             </a:xfrm>
             <a:prstGeom prst="rect">
@@ -43909,7 +43909,7 @@
           </p:nvSpPr>
           <p:spPr>
             <a:xfrm>
-              <a:off x="7272617" y="1853807"/>
+              <a:off x="7752758" y="1853807"/>
               <a:ext cx="288084" cy="57602"/>
             </a:xfrm>
             <a:prstGeom prst="rect">
@@ -43944,7 +43944,7 @@
           </p:nvSpPr>
           <p:spPr>
             <a:xfrm>
-              <a:off x="7272617" y="1796205"/>
+              <a:off x="7752758" y="1796205"/>
               <a:ext cx="288084" cy="57602"/>
             </a:xfrm>
             <a:prstGeom prst="rect">
@@ -43979,7 +43979,7 @@
           </p:nvSpPr>
           <p:spPr>
             <a:xfrm>
-              <a:off x="7272617" y="1738603"/>
+              <a:off x="7752758" y="1738603"/>
               <a:ext cx="288084" cy="57602"/>
             </a:xfrm>
             <a:prstGeom prst="rect">
@@ -44014,7 +44014,7 @@
           </p:nvSpPr>
           <p:spPr>
             <a:xfrm>
-              <a:off x="7272617" y="1681001"/>
+              <a:off x="7752758" y="1681001"/>
               <a:ext cx="288084" cy="57602"/>
             </a:xfrm>
             <a:prstGeom prst="rect">
@@ -44049,7 +44049,7 @@
           </p:nvSpPr>
           <p:spPr>
             <a:xfrm>
-              <a:off x="7272617" y="1623398"/>
+              <a:off x="7752758" y="1623398"/>
               <a:ext cx="288084" cy="57602"/>
             </a:xfrm>
             <a:prstGeom prst="rect">
@@ -44084,7 +44084,7 @@
           </p:nvSpPr>
           <p:spPr>
             <a:xfrm>
-              <a:off x="7272617" y="1565796"/>
+              <a:off x="7752758" y="1565796"/>
               <a:ext cx="288084" cy="57602"/>
             </a:xfrm>
             <a:prstGeom prst="rect">
@@ -44119,7 +44119,7 @@
           </p:nvSpPr>
           <p:spPr>
             <a:xfrm>
-              <a:off x="7272617" y="1508194"/>
+              <a:off x="7752758" y="1508194"/>
               <a:ext cx="288084" cy="57602"/>
             </a:xfrm>
             <a:prstGeom prst="rect">
@@ -44154,7 +44154,7 @@
           </p:nvSpPr>
           <p:spPr>
             <a:xfrm>
-              <a:off x="7272617" y="1450592"/>
+              <a:off x="7752758" y="1450592"/>
               <a:ext cx="288084" cy="57602"/>
             </a:xfrm>
             <a:prstGeom prst="rect">
@@ -44189,7 +44189,7 @@
           </p:nvSpPr>
           <p:spPr>
             <a:xfrm>
-              <a:off x="7272617" y="1392990"/>
+              <a:off x="7752758" y="1392990"/>
               <a:ext cx="288084" cy="57602"/>
             </a:xfrm>
             <a:prstGeom prst="rect">

--- a/Images/Figures_PPT/StramenopileHeatPlotMetaPlot.pptx
+++ b/Images/Figures_PPT/StramenopileHeatPlotMetaPlot.pptx
@@ -44224,7 +44224,7 @@
           </p:nvSpPr>
           <p:spPr>
             <a:xfrm>
-              <a:off x="8816207" y="2168386"/>
+              <a:off x="8816207" y="1948930"/>
               <a:ext cx="1172603" cy="1417544"/>
             </a:xfrm>
             <a:prstGeom prst="rect">
@@ -44245,7 +44245,7 @@
           </p:nvSpPr>
           <p:spPr>
             <a:xfrm>
-              <a:off x="8885796" y="2220426"/>
+              <a:off x="8885796" y="2000970"/>
               <a:ext cx="1033425" cy="115341"/>
             </a:xfrm>
             <a:prstGeom prst="rect">
@@ -44297,7 +44297,7 @@
           </p:blipFill>
           <p:spPr>
             <a:xfrm>
-              <a:off x="8885796" y="2419062"/>
+              <a:off x="8885796" y="2199606"/>
               <a:ext cx="219455" cy="1097280"/>
             </a:xfrm>
             <a:prstGeom prst="rect">
@@ -44313,7 +44313,7 @@
           </p:nvSpPr>
           <p:spPr>
             <a:xfrm>
-              <a:off x="9061361" y="3514513"/>
+              <a:off x="9061361" y="3295057"/>
               <a:ext cx="43891" cy="0"/>
             </a:xfrm>
             <a:custGeom>
@@ -44353,7 +44353,7 @@
           </p:nvSpPr>
           <p:spPr>
             <a:xfrm>
-              <a:off x="9061361" y="3332242"/>
+              <a:off x="9061361" y="3112786"/>
               <a:ext cx="43891" cy="0"/>
             </a:xfrm>
             <a:custGeom>
@@ -44393,7 +44393,7 @@
           </p:nvSpPr>
           <p:spPr>
             <a:xfrm>
-              <a:off x="9061361" y="3149972"/>
+              <a:off x="9061361" y="2930516"/>
               <a:ext cx="43891" cy="0"/>
             </a:xfrm>
             <a:custGeom>
@@ -44433,7 +44433,7 @@
           </p:nvSpPr>
           <p:spPr>
             <a:xfrm>
-              <a:off x="9061361" y="2967702"/>
+              <a:off x="9061361" y="2748246"/>
               <a:ext cx="43891" cy="0"/>
             </a:xfrm>
             <a:custGeom>
@@ -44473,7 +44473,7 @@
           </p:nvSpPr>
           <p:spPr>
             <a:xfrm>
-              <a:off x="9061361" y="2785431"/>
+              <a:off x="9061361" y="2565975"/>
               <a:ext cx="43891" cy="0"/>
             </a:xfrm>
             <a:custGeom>
@@ -44513,7 +44513,7 @@
           </p:nvSpPr>
           <p:spPr>
             <a:xfrm>
-              <a:off x="9061361" y="2603161"/>
+              <a:off x="9061361" y="2383705"/>
               <a:ext cx="43891" cy="0"/>
             </a:xfrm>
             <a:custGeom>
@@ -44553,7 +44553,7 @@
           </p:nvSpPr>
           <p:spPr>
             <a:xfrm>
-              <a:off x="9061361" y="2420890"/>
+              <a:off x="9061361" y="2201434"/>
               <a:ext cx="43891" cy="0"/>
             </a:xfrm>
             <a:custGeom>
@@ -44593,7 +44593,7 @@
           </p:nvSpPr>
           <p:spPr>
             <a:xfrm>
-              <a:off x="8885796" y="3514513"/>
+              <a:off x="8885796" y="3295057"/>
               <a:ext cx="43891" cy="0"/>
             </a:xfrm>
             <a:custGeom>
@@ -44633,7 +44633,7 @@
           </p:nvSpPr>
           <p:spPr>
             <a:xfrm>
-              <a:off x="8885796" y="3332242"/>
+              <a:off x="8885796" y="3112786"/>
               <a:ext cx="43891" cy="0"/>
             </a:xfrm>
             <a:custGeom>
@@ -44673,7 +44673,7 @@
           </p:nvSpPr>
           <p:spPr>
             <a:xfrm>
-              <a:off x="8885796" y="3149972"/>
+              <a:off x="8885796" y="2930516"/>
               <a:ext cx="43891" cy="0"/>
             </a:xfrm>
             <a:custGeom>
@@ -44713,7 +44713,7 @@
           </p:nvSpPr>
           <p:spPr>
             <a:xfrm>
-              <a:off x="8885796" y="2967702"/>
+              <a:off x="8885796" y="2748246"/>
               <a:ext cx="43891" cy="0"/>
             </a:xfrm>
             <a:custGeom>
@@ -44753,7 +44753,7 @@
           </p:nvSpPr>
           <p:spPr>
             <a:xfrm>
-              <a:off x="8885796" y="2785431"/>
+              <a:off x="8885796" y="2565975"/>
               <a:ext cx="43891" cy="0"/>
             </a:xfrm>
             <a:custGeom>
@@ -44793,7 +44793,7 @@
           </p:nvSpPr>
           <p:spPr>
             <a:xfrm>
-              <a:off x="8885796" y="2603161"/>
+              <a:off x="8885796" y="2383705"/>
               <a:ext cx="43891" cy="0"/>
             </a:xfrm>
             <a:custGeom>
@@ -44833,7 +44833,7 @@
           </p:nvSpPr>
           <p:spPr>
             <a:xfrm>
-              <a:off x="8885796" y="2420890"/>
+              <a:off x="8885796" y="2201434"/>
               <a:ext cx="43891" cy="0"/>
             </a:xfrm>
             <a:custGeom>
@@ -44873,7 +44873,7 @@
           </p:nvSpPr>
           <p:spPr>
             <a:xfrm>
-              <a:off x="9174841" y="3489615"/>
+              <a:off x="9174841" y="3270159"/>
               <a:ext cx="69850" cy="48021"/>
             </a:xfrm>
             <a:prstGeom prst="rect">
@@ -44919,7 +44919,7 @@
           </p:nvSpPr>
           <p:spPr>
             <a:xfrm>
-              <a:off x="9174841" y="3307345"/>
+              <a:off x="9174841" y="3087889"/>
               <a:ext cx="69850" cy="48021"/>
             </a:xfrm>
             <a:prstGeom prst="rect">
@@ -44965,7 +44965,7 @@
           </p:nvSpPr>
           <p:spPr>
             <a:xfrm>
-              <a:off x="9174841" y="3125074"/>
+              <a:off x="9174841" y="2905618"/>
               <a:ext cx="69850" cy="48021"/>
             </a:xfrm>
             <a:prstGeom prst="rect">
@@ -45011,7 +45011,7 @@
           </p:nvSpPr>
           <p:spPr>
             <a:xfrm>
-              <a:off x="9174841" y="2942667"/>
+              <a:off x="9174841" y="2723211"/>
               <a:ext cx="69850" cy="48158"/>
             </a:xfrm>
             <a:prstGeom prst="rect">
@@ -45057,7 +45057,7 @@
           </p:nvSpPr>
           <p:spPr>
             <a:xfrm>
-              <a:off x="9174841" y="2760533"/>
+              <a:off x="9174841" y="2541077"/>
               <a:ext cx="69850" cy="48021"/>
             </a:xfrm>
             <a:prstGeom prst="rect">
@@ -45103,7 +45103,7 @@
           </p:nvSpPr>
           <p:spPr>
             <a:xfrm>
-              <a:off x="9174841" y="2578127"/>
+              <a:off x="9174841" y="2358671"/>
               <a:ext cx="69850" cy="48158"/>
             </a:xfrm>
             <a:prstGeom prst="rect">
@@ -45149,7 +45149,7 @@
           </p:nvSpPr>
           <p:spPr>
             <a:xfrm>
-              <a:off x="9174841" y="2395993"/>
+              <a:off x="9174841" y="2176537"/>
               <a:ext cx="104775" cy="48021"/>
             </a:xfrm>
             <a:prstGeom prst="rect">
@@ -45195,8 +45195,8 @@
           </p:nvSpPr>
           <p:spPr>
             <a:xfrm>
-              <a:off x="8816207" y="3593131"/>
-              <a:ext cx="1109041" cy="1417544"/>
+              <a:off x="8816207" y="3373675"/>
+              <a:ext cx="939935" cy="1417544"/>
             </a:xfrm>
             <a:prstGeom prst="rect">
               <a:avLst/>
@@ -45216,7 +45216,654 @@
           </p:nvSpPr>
           <p:spPr>
             <a:xfrm>
-              <a:off x="8885796" y="3644922"/>
+              <a:off x="8885796" y="3453124"/>
+              <a:ext cx="800757" cy="87932"/>
+            </a:xfrm>
+            <a:prstGeom prst="rect">
+              <a:avLst/>
+            </a:prstGeom>
+            <a:noFill/>
+          </p:spPr>
+          <p:txBody>
+            <a:bodyPr lIns="0" rIns="0" tIns="0" bIns="0" anchorCtr="1" anchor="ctr" wrap="none"/>
+            <a:lstStyle/>
+            <a:p>
+              <a:pPr algn="l" marL="0" marR="0" indent="0">
+                <a:lnSpc>
+                  <a:spcPts val="1000"/>
+                </a:lnSpc>
+                <a:spcBef>
+                  <a:spcPts val="0"/>
+                </a:spcBef>
+                <a:spcAft>
+                  <a:spcPts val="0"/>
+                </a:spcAft>
+              </a:pPr>
+              <a:r>
+                <a:rPr sz="1000">
+                  <a:solidFill>
+                    <a:srgbClr val="000000">
+                      <a:alpha val="100000"/>
+                    </a:srgbClr>
+                  </a:solidFill>
+                  <a:latin typeface="Times New Roman"/>
+                  <a:cs typeface="Times New Roman"/>
+                </a:rPr>
+                <a:t>HMMER Score</a:t>
+              </a:r>
+            </a:p>
+          </p:txBody>
+        </p:sp>
+        <p:sp>
+          <p:nvSpPr>
+            <p:cNvPr id="1140" name="rc1139"/>
+            <p:cNvSpPr/>
+            <p:nvPr/>
+          </p:nvSpPr>
+          <p:spPr>
+            <a:xfrm>
+              <a:off x="8885796" y="3624350"/>
+              <a:ext cx="219455" cy="219455"/>
+            </a:xfrm>
+            <a:prstGeom prst="rect">
+              <a:avLst/>
+            </a:prstGeom>
+            <a:solidFill>
+              <a:srgbClr val="FFFFFF">
+                <a:alpha val="100000"/>
+              </a:srgbClr>
+            </a:solidFill>
+            <a:ln w="13550" cap="rnd">
+              <a:solidFill>
+                <a:srgbClr val="FFFFFF">
+                  <a:alpha val="100000"/>
+                </a:srgbClr>
+              </a:solidFill>
+              <a:prstDash val="solid"/>
+              <a:round/>
+            </a:ln>
+          </p:spPr>
+          <p:txBody>
+            <a:bodyPr/>
+            <a:lstStyle/>
+            <a:p/>
+          </p:txBody>
+        </p:sp>
+        <p:sp>
+          <p:nvSpPr>
+            <p:cNvPr id="1141" name="rc1140"/>
+            <p:cNvSpPr/>
+            <p:nvPr/>
+          </p:nvSpPr>
+          <p:spPr>
+            <a:xfrm>
+              <a:off x="8887596" y="3626150"/>
+              <a:ext cx="215856" cy="215856"/>
+            </a:xfrm>
+            <a:prstGeom prst="rect">
+              <a:avLst/>
+            </a:prstGeom>
+            <a:solidFill>
+              <a:srgbClr val="AE5A41">
+                <a:alpha val="100000"/>
+              </a:srgbClr>
+            </a:solidFill>
+            <a:ln w="2710" cap="flat">
+              <a:solidFill>
+                <a:srgbClr val="FFFFFF">
+                  <a:alpha val="100000"/>
+                </a:srgbClr>
+              </a:solidFill>
+              <a:prstDash val="solid"/>
+              <a:miter/>
+            </a:ln>
+          </p:spPr>
+          <p:txBody>
+            <a:bodyPr/>
+            <a:lstStyle/>
+            <a:p/>
+          </p:txBody>
+        </p:sp>
+        <p:sp>
+          <p:nvSpPr>
+            <p:cNvPr id="1142" name="rc1141"/>
+            <p:cNvSpPr/>
+            <p:nvPr/>
+          </p:nvSpPr>
+          <p:spPr>
+            <a:xfrm>
+              <a:off x="8885796" y="3843806"/>
+              <a:ext cx="219455" cy="219456"/>
+            </a:xfrm>
+            <a:prstGeom prst="rect">
+              <a:avLst/>
+            </a:prstGeom>
+            <a:solidFill>
+              <a:srgbClr val="FFFFFF">
+                <a:alpha val="100000"/>
+              </a:srgbClr>
+            </a:solidFill>
+            <a:ln w="13550" cap="rnd">
+              <a:solidFill>
+                <a:srgbClr val="FFFFFF">
+                  <a:alpha val="100000"/>
+                </a:srgbClr>
+              </a:solidFill>
+              <a:prstDash val="solid"/>
+              <a:round/>
+            </a:ln>
+          </p:spPr>
+          <p:txBody>
+            <a:bodyPr/>
+            <a:lstStyle/>
+            <a:p/>
+          </p:txBody>
+        </p:sp>
+        <p:sp>
+          <p:nvSpPr>
+            <p:cNvPr id="1143" name="rc1142"/>
+            <p:cNvSpPr/>
+            <p:nvPr/>
+          </p:nvSpPr>
+          <p:spPr>
+            <a:xfrm>
+              <a:off x="8887596" y="3845606"/>
+              <a:ext cx="215856" cy="215856"/>
+            </a:xfrm>
+            <a:prstGeom prst="rect">
+              <a:avLst/>
+            </a:prstGeom>
+            <a:solidFill>
+              <a:srgbClr val="559E83">
+                <a:alpha val="100000"/>
+              </a:srgbClr>
+            </a:solidFill>
+            <a:ln w="2710" cap="flat">
+              <a:solidFill>
+                <a:srgbClr val="FFFFFF">
+                  <a:alpha val="100000"/>
+                </a:srgbClr>
+              </a:solidFill>
+              <a:prstDash val="solid"/>
+              <a:miter/>
+            </a:ln>
+          </p:spPr>
+          <p:txBody>
+            <a:bodyPr/>
+            <a:lstStyle/>
+            <a:p/>
+          </p:txBody>
+        </p:sp>
+        <p:sp>
+          <p:nvSpPr>
+            <p:cNvPr id="1144" name="rc1143"/>
+            <p:cNvSpPr/>
+            <p:nvPr/>
+          </p:nvSpPr>
+          <p:spPr>
+            <a:xfrm>
+              <a:off x="8885796" y="4063262"/>
+              <a:ext cx="219455" cy="219455"/>
+            </a:xfrm>
+            <a:prstGeom prst="rect">
+              <a:avLst/>
+            </a:prstGeom>
+            <a:solidFill>
+              <a:srgbClr val="FFFFFF">
+                <a:alpha val="100000"/>
+              </a:srgbClr>
+            </a:solidFill>
+            <a:ln w="13550" cap="rnd">
+              <a:solidFill>
+                <a:srgbClr val="FFFFFF">
+                  <a:alpha val="100000"/>
+                </a:srgbClr>
+              </a:solidFill>
+              <a:prstDash val="solid"/>
+              <a:round/>
+            </a:ln>
+          </p:spPr>
+          <p:txBody>
+            <a:bodyPr/>
+            <a:lstStyle/>
+            <a:p/>
+          </p:txBody>
+        </p:sp>
+        <p:sp>
+          <p:nvSpPr>
+            <p:cNvPr id="1145" name="rc1144"/>
+            <p:cNvSpPr/>
+            <p:nvPr/>
+          </p:nvSpPr>
+          <p:spPr>
+            <a:xfrm>
+              <a:off x="8887596" y="4065062"/>
+              <a:ext cx="215856" cy="215855"/>
+            </a:xfrm>
+            <a:prstGeom prst="rect">
+              <a:avLst/>
+            </a:prstGeom>
+            <a:solidFill>
+              <a:srgbClr val="B2D4AD">
+                <a:alpha val="100000"/>
+              </a:srgbClr>
+            </a:solidFill>
+            <a:ln w="2710" cap="flat">
+              <a:solidFill>
+                <a:srgbClr val="FFFFFF">
+                  <a:alpha val="100000"/>
+                </a:srgbClr>
+              </a:solidFill>
+              <a:prstDash val="solid"/>
+              <a:miter/>
+            </a:ln>
+          </p:spPr>
+          <p:txBody>
+            <a:bodyPr/>
+            <a:lstStyle/>
+            <a:p/>
+          </p:txBody>
+        </p:sp>
+        <p:sp>
+          <p:nvSpPr>
+            <p:cNvPr id="1146" name="rc1145"/>
+            <p:cNvSpPr/>
+            <p:nvPr/>
+          </p:nvSpPr>
+          <p:spPr>
+            <a:xfrm>
+              <a:off x="8885796" y="4282718"/>
+              <a:ext cx="219455" cy="219455"/>
+            </a:xfrm>
+            <a:prstGeom prst="rect">
+              <a:avLst/>
+            </a:prstGeom>
+            <a:solidFill>
+              <a:srgbClr val="FFFFFF">
+                <a:alpha val="100000"/>
+              </a:srgbClr>
+            </a:solidFill>
+            <a:ln w="13550" cap="rnd">
+              <a:solidFill>
+                <a:srgbClr val="FFFFFF">
+                  <a:alpha val="100000"/>
+                </a:srgbClr>
+              </a:solidFill>
+              <a:prstDash val="solid"/>
+              <a:round/>
+            </a:ln>
+          </p:spPr>
+          <p:txBody>
+            <a:bodyPr/>
+            <a:lstStyle/>
+            <a:p/>
+          </p:txBody>
+        </p:sp>
+        <p:sp>
+          <p:nvSpPr>
+            <p:cNvPr id="1147" name="rc1146"/>
+            <p:cNvSpPr/>
+            <p:nvPr/>
+          </p:nvSpPr>
+          <p:spPr>
+            <a:xfrm>
+              <a:off x="8887596" y="4284518"/>
+              <a:ext cx="215856" cy="215855"/>
+            </a:xfrm>
+            <a:prstGeom prst="rect">
+              <a:avLst/>
+            </a:prstGeom>
+            <a:solidFill>
+              <a:srgbClr val="DBC795">
+                <a:alpha val="100000"/>
+              </a:srgbClr>
+            </a:solidFill>
+            <a:ln w="2710" cap="flat">
+              <a:solidFill>
+                <a:srgbClr val="FFFFFF">
+                  <a:alpha val="100000"/>
+                </a:srgbClr>
+              </a:solidFill>
+              <a:prstDash val="solid"/>
+              <a:miter/>
+            </a:ln>
+          </p:spPr>
+          <p:txBody>
+            <a:bodyPr/>
+            <a:lstStyle/>
+            <a:p/>
+          </p:txBody>
+        </p:sp>
+        <p:sp>
+          <p:nvSpPr>
+            <p:cNvPr id="1148" name="rc1147"/>
+            <p:cNvSpPr/>
+            <p:nvPr/>
+          </p:nvSpPr>
+          <p:spPr>
+            <a:xfrm>
+              <a:off x="8885796" y="4502174"/>
+              <a:ext cx="219455" cy="219455"/>
+            </a:xfrm>
+            <a:prstGeom prst="rect">
+              <a:avLst/>
+            </a:prstGeom>
+            <a:solidFill>
+              <a:srgbClr val="FFFFFF">
+                <a:alpha val="100000"/>
+              </a:srgbClr>
+            </a:solidFill>
+            <a:ln w="13550" cap="rnd">
+              <a:solidFill>
+                <a:srgbClr val="FFFFFF">
+                  <a:alpha val="100000"/>
+                </a:srgbClr>
+              </a:solidFill>
+              <a:prstDash val="solid"/>
+              <a:round/>
+            </a:ln>
+          </p:spPr>
+          <p:txBody>
+            <a:bodyPr/>
+            <a:lstStyle/>
+            <a:p/>
+          </p:txBody>
+        </p:sp>
+        <p:sp>
+          <p:nvSpPr>
+            <p:cNvPr id="1149" name="rc1148"/>
+            <p:cNvSpPr/>
+            <p:nvPr/>
+          </p:nvSpPr>
+          <p:spPr>
+            <a:xfrm>
+              <a:off x="8887596" y="4503974"/>
+              <a:ext cx="215856" cy="215855"/>
+            </a:xfrm>
+            <a:prstGeom prst="rect">
+              <a:avLst/>
+            </a:prstGeom>
+            <a:solidFill>
+              <a:srgbClr val="FFFFFF">
+                <a:alpha val="100000"/>
+              </a:srgbClr>
+            </a:solidFill>
+            <a:ln w="2710" cap="flat">
+              <a:solidFill>
+                <a:srgbClr val="FFFFFF">
+                  <a:alpha val="100000"/>
+                </a:srgbClr>
+              </a:solidFill>
+              <a:prstDash val="solid"/>
+              <a:miter/>
+            </a:ln>
+          </p:spPr>
+          <p:txBody>
+            <a:bodyPr/>
+            <a:lstStyle/>
+            <a:p/>
+          </p:txBody>
+        </p:sp>
+        <p:sp>
+          <p:nvSpPr>
+            <p:cNvPr id="1150" name="tx1149"/>
+            <p:cNvSpPr/>
+            <p:nvPr/>
+          </p:nvSpPr>
+          <p:spPr>
+            <a:xfrm>
+              <a:off x="9174841" y="3710954"/>
+              <a:ext cx="50443" cy="46248"/>
+            </a:xfrm>
+            <a:prstGeom prst="rect">
+              <a:avLst/>
+            </a:prstGeom>
+            <a:noFill/>
+          </p:spPr>
+          <p:txBody>
+            <a:bodyPr lIns="0" rIns="0" tIns="0" bIns="0" anchorCtr="1" anchor="ctr" wrap="none"/>
+            <a:lstStyle/>
+            <a:p>
+              <a:pPr algn="l" marL="0" marR="0" indent="0">
+                <a:lnSpc>
+                  <a:spcPts val="550"/>
+                </a:lnSpc>
+                <a:spcBef>
+                  <a:spcPts val="0"/>
+                </a:spcBef>
+                <a:spcAft>
+                  <a:spcPts val="0"/>
+                </a:spcAft>
+              </a:pPr>
+              <a:r>
+                <a:rPr sz="550">
+                  <a:solidFill>
+                    <a:srgbClr val="000000">
+                      <a:alpha val="100000"/>
+                    </a:srgbClr>
+                  </a:solidFill>
+                  <a:latin typeface="Times New Roman"/>
+                  <a:cs typeface="Times New Roman"/>
+                </a:rPr>
+                <a:t>H</a:t>
+              </a:r>
+            </a:p>
+          </p:txBody>
+        </p:sp>
+        <p:sp>
+          <p:nvSpPr>
+            <p:cNvPr id="1151" name="tx1150"/>
+            <p:cNvSpPr/>
+            <p:nvPr/>
+          </p:nvSpPr>
+          <p:spPr>
+            <a:xfrm>
+              <a:off x="9174841" y="3930410"/>
+              <a:ext cx="62107" cy="46248"/>
+            </a:xfrm>
+            <a:prstGeom prst="rect">
+              <a:avLst/>
+            </a:prstGeom>
+            <a:noFill/>
+          </p:spPr>
+          <p:txBody>
+            <a:bodyPr lIns="0" rIns="0" tIns="0" bIns="0" anchorCtr="1" anchor="ctr" wrap="none"/>
+            <a:lstStyle/>
+            <a:p>
+              <a:pPr algn="l" marL="0" marR="0" indent="0">
+                <a:lnSpc>
+                  <a:spcPts val="550"/>
+                </a:lnSpc>
+                <a:spcBef>
+                  <a:spcPts val="0"/>
+                </a:spcBef>
+                <a:spcAft>
+                  <a:spcPts val="0"/>
+                </a:spcAft>
+              </a:pPr>
+              <a:r>
+                <a:rPr sz="550">
+                  <a:solidFill>
+                    <a:srgbClr val="000000">
+                      <a:alpha val="100000"/>
+                    </a:srgbClr>
+                  </a:solidFill>
+                  <a:latin typeface="Times New Roman"/>
+                  <a:cs typeface="Times New Roman"/>
+                </a:rPr>
+                <a:t>M</a:t>
+              </a:r>
+            </a:p>
+          </p:txBody>
+        </p:sp>
+        <p:sp>
+          <p:nvSpPr>
+            <p:cNvPr id="1152" name="tx1151"/>
+            <p:cNvSpPr/>
+            <p:nvPr/>
+          </p:nvSpPr>
+          <p:spPr>
+            <a:xfrm>
+              <a:off x="9174841" y="4149866"/>
+              <a:ext cx="42667" cy="46248"/>
+            </a:xfrm>
+            <a:prstGeom prst="rect">
+              <a:avLst/>
+            </a:prstGeom>
+            <a:noFill/>
+          </p:spPr>
+          <p:txBody>
+            <a:bodyPr lIns="0" rIns="0" tIns="0" bIns="0" anchorCtr="1" anchor="ctr" wrap="none"/>
+            <a:lstStyle/>
+            <a:p>
+              <a:pPr algn="l" marL="0" marR="0" indent="0">
+                <a:lnSpc>
+                  <a:spcPts val="550"/>
+                </a:lnSpc>
+                <a:spcBef>
+                  <a:spcPts val="0"/>
+                </a:spcBef>
+                <a:spcAft>
+                  <a:spcPts val="0"/>
+                </a:spcAft>
+              </a:pPr>
+              <a:r>
+                <a:rPr sz="550">
+                  <a:solidFill>
+                    <a:srgbClr val="000000">
+                      <a:alpha val="100000"/>
+                    </a:srgbClr>
+                  </a:solidFill>
+                  <a:latin typeface="Times New Roman"/>
+                  <a:cs typeface="Times New Roman"/>
+                </a:rPr>
+                <a:t>L</a:t>
+              </a:r>
+            </a:p>
+          </p:txBody>
+        </p:sp>
+        <p:sp>
+          <p:nvSpPr>
+            <p:cNvPr id="1153" name="tx1152"/>
+            <p:cNvSpPr/>
+            <p:nvPr/>
+          </p:nvSpPr>
+          <p:spPr>
+            <a:xfrm>
+              <a:off x="9174841" y="4369322"/>
+              <a:ext cx="38847" cy="46248"/>
+            </a:xfrm>
+            <a:prstGeom prst="rect">
+              <a:avLst/>
+            </a:prstGeom>
+            <a:noFill/>
+          </p:spPr>
+          <p:txBody>
+            <a:bodyPr lIns="0" rIns="0" tIns="0" bIns="0" anchorCtr="1" anchor="ctr" wrap="none"/>
+            <a:lstStyle/>
+            <a:p>
+              <a:pPr algn="l" marL="0" marR="0" indent="0">
+                <a:lnSpc>
+                  <a:spcPts val="550"/>
+                </a:lnSpc>
+                <a:spcBef>
+                  <a:spcPts val="0"/>
+                </a:spcBef>
+                <a:spcAft>
+                  <a:spcPts val="0"/>
+                </a:spcAft>
+              </a:pPr>
+              <a:r>
+                <a:rPr sz="550">
+                  <a:solidFill>
+                    <a:srgbClr val="000000">
+                      <a:alpha val="100000"/>
+                    </a:srgbClr>
+                  </a:solidFill>
+                  <a:latin typeface="Times New Roman"/>
+                  <a:cs typeface="Times New Roman"/>
+                </a:rPr>
+                <a:t>P</a:t>
+              </a:r>
+            </a:p>
+          </p:txBody>
+        </p:sp>
+        <p:sp>
+          <p:nvSpPr>
+            <p:cNvPr id="1154" name="tx1153"/>
+            <p:cNvSpPr/>
+            <p:nvPr/>
+          </p:nvSpPr>
+          <p:spPr>
+            <a:xfrm>
+              <a:off x="9174841" y="4586970"/>
+              <a:ext cx="100886" cy="48055"/>
+            </a:xfrm>
+            <a:prstGeom prst="rect">
+              <a:avLst/>
+            </a:prstGeom>
+            <a:noFill/>
+          </p:spPr>
+          <p:txBody>
+            <a:bodyPr lIns="0" rIns="0" tIns="0" bIns="0" anchorCtr="1" anchor="ctr" wrap="none"/>
+            <a:lstStyle/>
+            <a:p>
+              <a:pPr algn="l" marL="0" marR="0" indent="0">
+                <a:lnSpc>
+                  <a:spcPts val="550"/>
+                </a:lnSpc>
+                <a:spcBef>
+                  <a:spcPts val="0"/>
+                </a:spcBef>
+                <a:spcAft>
+                  <a:spcPts val="0"/>
+                </a:spcAft>
+              </a:pPr>
+              <a:r>
+                <a:rPr sz="550">
+                  <a:solidFill>
+                    <a:srgbClr val="000000">
+                      <a:alpha val="100000"/>
+                    </a:srgbClr>
+                  </a:solidFill>
+                  <a:latin typeface="Times New Roman"/>
+                  <a:cs typeface="Times New Roman"/>
+                </a:rPr>
+                <a:t>NA</a:t>
+              </a:r>
+            </a:p>
+          </p:txBody>
+        </p:sp>
+        <p:sp>
+          <p:nvSpPr>
+            <p:cNvPr id="1155" name="rc1154"/>
+            <p:cNvSpPr/>
+            <p:nvPr/>
+          </p:nvSpPr>
+          <p:spPr>
+            <a:xfrm>
+              <a:off x="8816207" y="4798419"/>
+              <a:ext cx="1109041" cy="1856456"/>
+            </a:xfrm>
+            <a:prstGeom prst="rect">
+              <a:avLst/>
+            </a:prstGeom>
+          </p:spPr>
+          <p:txBody>
+            <a:bodyPr/>
+            <a:lstStyle/>
+            <a:p/>
+          </p:txBody>
+        </p:sp>
+        <p:sp>
+          <p:nvSpPr>
+            <p:cNvPr id="1156" name="tx1155"/>
+            <p:cNvSpPr/>
+            <p:nvPr/>
+          </p:nvSpPr>
+          <p:spPr>
+            <a:xfrm>
+              <a:off x="8885796" y="4850211"/>
               <a:ext cx="969863" cy="115589"/>
             </a:xfrm>
             <a:prstGeom prst="rect">
@@ -45256,13 +45903,363 @@
         </p:sp>
         <p:sp>
           <p:nvSpPr>
-            <p:cNvPr id="1140" name="rc1139"/>
-            <p:cNvSpPr/>
-            <p:nvPr/>
-          </p:nvSpPr>
-          <p:spPr>
-            <a:xfrm>
-              <a:off x="8885796" y="3843806"/>
+            <p:cNvPr id="1157" name="rc1156"/>
+            <p:cNvSpPr/>
+            <p:nvPr/>
+          </p:nvSpPr>
+          <p:spPr>
+            <a:xfrm>
+              <a:off x="8885796" y="5049094"/>
+              <a:ext cx="219455" cy="219455"/>
+            </a:xfrm>
+            <a:prstGeom prst="rect">
+              <a:avLst/>
+            </a:prstGeom>
+            <a:solidFill>
+              <a:srgbClr val="FFFFFF">
+                <a:alpha val="100000"/>
+              </a:srgbClr>
+            </a:solidFill>
+            <a:ln w="13550" cap="rnd">
+              <a:solidFill>
+                <a:srgbClr val="FFFFFF">
+                  <a:alpha val="100000"/>
+                </a:srgbClr>
+              </a:solidFill>
+              <a:prstDash val="solid"/>
+              <a:round/>
+            </a:ln>
+          </p:spPr>
+          <p:txBody>
+            <a:bodyPr/>
+            <a:lstStyle/>
+            <a:p/>
+          </p:txBody>
+        </p:sp>
+        <p:sp>
+          <p:nvSpPr>
+            <p:cNvPr id="1158" name="rc1157"/>
+            <p:cNvSpPr/>
+            <p:nvPr/>
+          </p:nvSpPr>
+          <p:spPr>
+            <a:xfrm>
+              <a:off x="8887596" y="5050894"/>
+              <a:ext cx="215856" cy="215855"/>
+            </a:xfrm>
+            <a:prstGeom prst="rect">
+              <a:avLst/>
+            </a:prstGeom>
+            <a:solidFill>
+              <a:srgbClr val="3CBA26">
+                <a:alpha val="100000"/>
+              </a:srgbClr>
+            </a:solidFill>
+            <a:ln w="2710" cap="flat">
+              <a:solidFill>
+                <a:srgbClr val="FFFFFF">
+                  <a:alpha val="100000"/>
+                </a:srgbClr>
+              </a:solidFill>
+              <a:prstDash val="solid"/>
+              <a:miter/>
+            </a:ln>
+          </p:spPr>
+          <p:txBody>
+            <a:bodyPr/>
+            <a:lstStyle/>
+            <a:p/>
+          </p:txBody>
+        </p:sp>
+        <p:sp>
+          <p:nvSpPr>
+            <p:cNvPr id="1159" name="rc1158"/>
+            <p:cNvSpPr/>
+            <p:nvPr/>
+          </p:nvSpPr>
+          <p:spPr>
+            <a:xfrm>
+              <a:off x="8885796" y="5268550"/>
+              <a:ext cx="219455" cy="219455"/>
+            </a:xfrm>
+            <a:prstGeom prst="rect">
+              <a:avLst/>
+            </a:prstGeom>
+            <a:solidFill>
+              <a:srgbClr val="FFFFFF">
+                <a:alpha val="100000"/>
+              </a:srgbClr>
+            </a:solidFill>
+            <a:ln w="13550" cap="rnd">
+              <a:solidFill>
+                <a:srgbClr val="FFFFFF">
+                  <a:alpha val="100000"/>
+                </a:srgbClr>
+              </a:solidFill>
+              <a:prstDash val="solid"/>
+              <a:round/>
+            </a:ln>
+          </p:spPr>
+          <p:txBody>
+            <a:bodyPr/>
+            <a:lstStyle/>
+            <a:p/>
+          </p:txBody>
+        </p:sp>
+        <p:sp>
+          <p:nvSpPr>
+            <p:cNvPr id="1160" name="rc1159"/>
+            <p:cNvSpPr/>
+            <p:nvPr/>
+          </p:nvSpPr>
+          <p:spPr>
+            <a:xfrm>
+              <a:off x="8887596" y="5270350"/>
+              <a:ext cx="215856" cy="215855"/>
+            </a:xfrm>
+            <a:prstGeom prst="rect">
+              <a:avLst/>
+            </a:prstGeom>
+            <a:solidFill>
+              <a:srgbClr val="A87142">
+                <a:alpha val="100000"/>
+              </a:srgbClr>
+            </a:solidFill>
+            <a:ln w="2710" cap="flat">
+              <a:solidFill>
+                <a:srgbClr val="FFFFFF">
+                  <a:alpha val="100000"/>
+                </a:srgbClr>
+              </a:solidFill>
+              <a:prstDash val="solid"/>
+              <a:miter/>
+            </a:ln>
+          </p:spPr>
+          <p:txBody>
+            <a:bodyPr/>
+            <a:lstStyle/>
+            <a:p/>
+          </p:txBody>
+        </p:sp>
+        <p:sp>
+          <p:nvSpPr>
+            <p:cNvPr id="1161" name="rc1160"/>
+            <p:cNvSpPr/>
+            <p:nvPr/>
+          </p:nvSpPr>
+          <p:spPr>
+            <a:xfrm>
+              <a:off x="8885796" y="5488006"/>
+              <a:ext cx="219455" cy="219455"/>
+            </a:xfrm>
+            <a:prstGeom prst="rect">
+              <a:avLst/>
+            </a:prstGeom>
+            <a:solidFill>
+              <a:srgbClr val="FFFFFF">
+                <a:alpha val="100000"/>
+              </a:srgbClr>
+            </a:solidFill>
+            <a:ln w="13550" cap="rnd">
+              <a:solidFill>
+                <a:srgbClr val="FFFFFF">
+                  <a:alpha val="100000"/>
+                </a:srgbClr>
+              </a:solidFill>
+              <a:prstDash val="solid"/>
+              <a:round/>
+            </a:ln>
+          </p:spPr>
+          <p:txBody>
+            <a:bodyPr/>
+            <a:lstStyle/>
+            <a:p/>
+          </p:txBody>
+        </p:sp>
+        <p:sp>
+          <p:nvSpPr>
+            <p:cNvPr id="1162" name="rc1161"/>
+            <p:cNvSpPr/>
+            <p:nvPr/>
+          </p:nvSpPr>
+          <p:spPr>
+            <a:xfrm>
+              <a:off x="8887596" y="5489806"/>
+              <a:ext cx="215856" cy="215855"/>
+            </a:xfrm>
+            <a:prstGeom prst="rect">
+              <a:avLst/>
+            </a:prstGeom>
+            <a:solidFill>
+              <a:srgbClr val="63E3C5">
+                <a:alpha val="100000"/>
+              </a:srgbClr>
+            </a:solidFill>
+            <a:ln w="2710" cap="flat">
+              <a:solidFill>
+                <a:srgbClr val="FFFFFF">
+                  <a:alpha val="100000"/>
+                </a:srgbClr>
+              </a:solidFill>
+              <a:prstDash val="solid"/>
+              <a:miter/>
+            </a:ln>
+          </p:spPr>
+          <p:txBody>
+            <a:bodyPr/>
+            <a:lstStyle/>
+            <a:p/>
+          </p:txBody>
+        </p:sp>
+        <p:sp>
+          <p:nvSpPr>
+            <p:cNvPr id="1163" name="rc1162"/>
+            <p:cNvSpPr/>
+            <p:nvPr/>
+          </p:nvSpPr>
+          <p:spPr>
+            <a:xfrm>
+              <a:off x="8885796" y="5707462"/>
+              <a:ext cx="219455" cy="219455"/>
+            </a:xfrm>
+            <a:prstGeom prst="rect">
+              <a:avLst/>
+            </a:prstGeom>
+            <a:solidFill>
+              <a:srgbClr val="FFFFFF">
+                <a:alpha val="100000"/>
+              </a:srgbClr>
+            </a:solidFill>
+            <a:ln w="13550" cap="rnd">
+              <a:solidFill>
+                <a:srgbClr val="FFFFFF">
+                  <a:alpha val="100000"/>
+                </a:srgbClr>
+              </a:solidFill>
+              <a:prstDash val="solid"/>
+              <a:round/>
+            </a:ln>
+          </p:spPr>
+          <p:txBody>
+            <a:bodyPr/>
+            <a:lstStyle/>
+            <a:p/>
+          </p:txBody>
+        </p:sp>
+        <p:sp>
+          <p:nvSpPr>
+            <p:cNvPr id="1164" name="rc1163"/>
+            <p:cNvSpPr/>
+            <p:nvPr/>
+          </p:nvSpPr>
+          <p:spPr>
+            <a:xfrm>
+              <a:off x="8885796" y="5926918"/>
+              <a:ext cx="219455" cy="219455"/>
+            </a:xfrm>
+            <a:prstGeom prst="rect">
+              <a:avLst/>
+            </a:prstGeom>
+            <a:solidFill>
+              <a:srgbClr val="FFFFFF">
+                <a:alpha val="100000"/>
+              </a:srgbClr>
+            </a:solidFill>
+            <a:ln w="13550" cap="rnd">
+              <a:solidFill>
+                <a:srgbClr val="FFFFFF">
+                  <a:alpha val="100000"/>
+                </a:srgbClr>
+              </a:solidFill>
+              <a:prstDash val="solid"/>
+              <a:round/>
+            </a:ln>
+          </p:spPr>
+          <p:txBody>
+            <a:bodyPr/>
+            <a:lstStyle/>
+            <a:p/>
+          </p:txBody>
+        </p:sp>
+        <p:sp>
+          <p:nvSpPr>
+            <p:cNvPr id="1165" name="rc1164"/>
+            <p:cNvSpPr/>
+            <p:nvPr/>
+          </p:nvSpPr>
+          <p:spPr>
+            <a:xfrm>
+              <a:off x="8887596" y="5928718"/>
+              <a:ext cx="215856" cy="215855"/>
+            </a:xfrm>
+            <a:prstGeom prst="rect">
+              <a:avLst/>
+            </a:prstGeom>
+            <a:solidFill>
+              <a:srgbClr val="FE4A49">
+                <a:alpha val="100000"/>
+              </a:srgbClr>
+            </a:solidFill>
+            <a:ln w="2710" cap="flat">
+              <a:solidFill>
+                <a:srgbClr val="FFFFFF">
+                  <a:alpha val="100000"/>
+                </a:srgbClr>
+              </a:solidFill>
+              <a:prstDash val="solid"/>
+              <a:miter/>
+            </a:ln>
+          </p:spPr>
+          <p:txBody>
+            <a:bodyPr/>
+            <a:lstStyle/>
+            <a:p/>
+          </p:txBody>
+        </p:sp>
+        <p:sp>
+          <p:nvSpPr>
+            <p:cNvPr id="1166" name="rc1165"/>
+            <p:cNvSpPr/>
+            <p:nvPr/>
+          </p:nvSpPr>
+          <p:spPr>
+            <a:xfrm>
+              <a:off x="8885796" y="6146374"/>
+              <a:ext cx="219455" cy="219455"/>
+            </a:xfrm>
+            <a:prstGeom prst="rect">
+              <a:avLst/>
+            </a:prstGeom>
+            <a:solidFill>
+              <a:srgbClr val="FFFFFF">
+                <a:alpha val="100000"/>
+              </a:srgbClr>
+            </a:solidFill>
+            <a:ln w="13550" cap="rnd">
+              <a:solidFill>
+                <a:srgbClr val="FFFFFF">
+                  <a:alpha val="100000"/>
+                </a:srgbClr>
+              </a:solidFill>
+              <a:prstDash val="solid"/>
+              <a:round/>
+            </a:ln>
+          </p:spPr>
+          <p:txBody>
+            <a:bodyPr/>
+            <a:lstStyle/>
+            <a:p/>
+          </p:txBody>
+        </p:sp>
+        <p:sp>
+          <p:nvSpPr>
+            <p:cNvPr id="1167" name="rc1166"/>
+            <p:cNvSpPr/>
+            <p:nvPr/>
+          </p:nvSpPr>
+          <p:spPr>
+            <a:xfrm>
+              <a:off x="8885796" y="6365830"/>
               <a:ext cx="219455" cy="219456"/>
             </a:xfrm>
             <a:prstGeom prst="rect">
@@ -45291,293 +46288,13 @@
         </p:sp>
         <p:sp>
           <p:nvSpPr>
-            <p:cNvPr id="1141" name="rc1140"/>
-            <p:cNvSpPr/>
-            <p:nvPr/>
-          </p:nvSpPr>
-          <p:spPr>
-            <a:xfrm>
-              <a:off x="8887596" y="3845606"/>
-              <a:ext cx="215856" cy="215856"/>
-            </a:xfrm>
-            <a:prstGeom prst="rect">
-              <a:avLst/>
-            </a:prstGeom>
-            <a:solidFill>
-              <a:srgbClr val="3CBA26">
-                <a:alpha val="100000"/>
-              </a:srgbClr>
-            </a:solidFill>
-            <a:ln w="2710" cap="flat">
-              <a:solidFill>
-                <a:srgbClr val="FFFFFF">
-                  <a:alpha val="100000"/>
-                </a:srgbClr>
-              </a:solidFill>
-              <a:prstDash val="solid"/>
-              <a:miter/>
-            </a:ln>
-          </p:spPr>
-          <p:txBody>
-            <a:bodyPr/>
-            <a:lstStyle/>
-            <a:p/>
-          </p:txBody>
-        </p:sp>
-        <p:sp>
-          <p:nvSpPr>
-            <p:cNvPr id="1142" name="rc1141"/>
-            <p:cNvSpPr/>
-            <p:nvPr/>
-          </p:nvSpPr>
-          <p:spPr>
-            <a:xfrm>
-              <a:off x="8885796" y="4063262"/>
-              <a:ext cx="219455" cy="219455"/>
-            </a:xfrm>
-            <a:prstGeom prst="rect">
-              <a:avLst/>
-            </a:prstGeom>
-            <a:solidFill>
-              <a:srgbClr val="FFFFFF">
-                <a:alpha val="100000"/>
-              </a:srgbClr>
-            </a:solidFill>
-            <a:ln w="13550" cap="rnd">
-              <a:solidFill>
-                <a:srgbClr val="FFFFFF">
-                  <a:alpha val="100000"/>
-                </a:srgbClr>
-              </a:solidFill>
-              <a:prstDash val="solid"/>
-              <a:round/>
-            </a:ln>
-          </p:spPr>
-          <p:txBody>
-            <a:bodyPr/>
-            <a:lstStyle/>
-            <a:p/>
-          </p:txBody>
-        </p:sp>
-        <p:sp>
-          <p:nvSpPr>
-            <p:cNvPr id="1143" name="rc1142"/>
-            <p:cNvSpPr/>
-            <p:nvPr/>
-          </p:nvSpPr>
-          <p:spPr>
-            <a:xfrm>
-              <a:off x="8887596" y="4065062"/>
-              <a:ext cx="215856" cy="215855"/>
-            </a:xfrm>
-            <a:prstGeom prst="rect">
-              <a:avLst/>
-            </a:prstGeom>
-            <a:solidFill>
-              <a:srgbClr val="A87142">
-                <a:alpha val="100000"/>
-              </a:srgbClr>
-            </a:solidFill>
-            <a:ln w="2710" cap="flat">
-              <a:solidFill>
-                <a:srgbClr val="FFFFFF">
-                  <a:alpha val="100000"/>
-                </a:srgbClr>
-              </a:solidFill>
-              <a:prstDash val="solid"/>
-              <a:miter/>
-            </a:ln>
-          </p:spPr>
-          <p:txBody>
-            <a:bodyPr/>
-            <a:lstStyle/>
-            <a:p/>
-          </p:txBody>
-        </p:sp>
-        <p:sp>
-          <p:nvSpPr>
-            <p:cNvPr id="1144" name="rc1143"/>
-            <p:cNvSpPr/>
-            <p:nvPr/>
-          </p:nvSpPr>
-          <p:spPr>
-            <a:xfrm>
-              <a:off x="8885796" y="4282718"/>
-              <a:ext cx="219455" cy="219455"/>
-            </a:xfrm>
-            <a:prstGeom prst="rect">
-              <a:avLst/>
-            </a:prstGeom>
-            <a:solidFill>
-              <a:srgbClr val="FFFFFF">
-                <a:alpha val="100000"/>
-              </a:srgbClr>
-            </a:solidFill>
-            <a:ln w="13550" cap="rnd">
-              <a:solidFill>
-                <a:srgbClr val="FFFFFF">
-                  <a:alpha val="100000"/>
-                </a:srgbClr>
-              </a:solidFill>
-              <a:prstDash val="solid"/>
-              <a:round/>
-            </a:ln>
-          </p:spPr>
-          <p:txBody>
-            <a:bodyPr/>
-            <a:lstStyle/>
-            <a:p/>
-          </p:txBody>
-        </p:sp>
-        <p:sp>
-          <p:nvSpPr>
-            <p:cNvPr id="1145" name="rc1144"/>
-            <p:cNvSpPr/>
-            <p:nvPr/>
-          </p:nvSpPr>
-          <p:spPr>
-            <a:xfrm>
-              <a:off x="8887596" y="4284518"/>
-              <a:ext cx="215856" cy="215855"/>
-            </a:xfrm>
-            <a:prstGeom prst="rect">
-              <a:avLst/>
-            </a:prstGeom>
-            <a:solidFill>
-              <a:srgbClr val="63E3C5">
-                <a:alpha val="100000"/>
-              </a:srgbClr>
-            </a:solidFill>
-            <a:ln w="2710" cap="flat">
-              <a:solidFill>
-                <a:srgbClr val="FFFFFF">
-                  <a:alpha val="100000"/>
-                </a:srgbClr>
-              </a:solidFill>
-              <a:prstDash val="solid"/>
-              <a:miter/>
-            </a:ln>
-          </p:spPr>
-          <p:txBody>
-            <a:bodyPr/>
-            <a:lstStyle/>
-            <a:p/>
-          </p:txBody>
-        </p:sp>
-        <p:sp>
-          <p:nvSpPr>
-            <p:cNvPr id="1146" name="rc1145"/>
-            <p:cNvSpPr/>
-            <p:nvPr/>
-          </p:nvSpPr>
-          <p:spPr>
-            <a:xfrm>
-              <a:off x="8885796" y="4502174"/>
-              <a:ext cx="219455" cy="219455"/>
-            </a:xfrm>
-            <a:prstGeom prst="rect">
-              <a:avLst/>
-            </a:prstGeom>
-            <a:solidFill>
-              <a:srgbClr val="FFFFFF">
-                <a:alpha val="100000"/>
-              </a:srgbClr>
-            </a:solidFill>
-            <a:ln w="13550" cap="rnd">
-              <a:solidFill>
-                <a:srgbClr val="FFFFFF">
-                  <a:alpha val="100000"/>
-                </a:srgbClr>
-              </a:solidFill>
-              <a:prstDash val="solid"/>
-              <a:round/>
-            </a:ln>
-          </p:spPr>
-          <p:txBody>
-            <a:bodyPr/>
-            <a:lstStyle/>
-            <a:p/>
-          </p:txBody>
-        </p:sp>
-        <p:sp>
-          <p:nvSpPr>
-            <p:cNvPr id="1147" name="rc1146"/>
-            <p:cNvSpPr/>
-            <p:nvPr/>
-          </p:nvSpPr>
-          <p:spPr>
-            <a:xfrm>
-              <a:off x="8887596" y="4503974"/>
-              <a:ext cx="215856" cy="215855"/>
-            </a:xfrm>
-            <a:prstGeom prst="rect">
-              <a:avLst/>
-            </a:prstGeom>
-            <a:solidFill>
-              <a:srgbClr val="FE4A49">
-                <a:alpha val="100000"/>
-              </a:srgbClr>
-            </a:solidFill>
-            <a:ln w="2710" cap="flat">
-              <a:solidFill>
-                <a:srgbClr val="FFFFFF">
-                  <a:alpha val="100000"/>
-                </a:srgbClr>
-              </a:solidFill>
-              <a:prstDash val="solid"/>
-              <a:miter/>
-            </a:ln>
-          </p:spPr>
-          <p:txBody>
-            <a:bodyPr/>
-            <a:lstStyle/>
-            <a:p/>
-          </p:txBody>
-        </p:sp>
-        <p:sp>
-          <p:nvSpPr>
-            <p:cNvPr id="1148" name="rc1147"/>
-            <p:cNvSpPr/>
-            <p:nvPr/>
-          </p:nvSpPr>
-          <p:spPr>
-            <a:xfrm>
-              <a:off x="8885796" y="4721630"/>
-              <a:ext cx="219455" cy="219455"/>
-            </a:xfrm>
-            <a:prstGeom prst="rect">
-              <a:avLst/>
-            </a:prstGeom>
-            <a:solidFill>
-              <a:srgbClr val="FFFFFF">
-                <a:alpha val="100000"/>
-              </a:srgbClr>
-            </a:solidFill>
-            <a:ln w="13550" cap="rnd">
-              <a:solidFill>
-                <a:srgbClr val="FFFFFF">
-                  <a:alpha val="100000"/>
-                </a:srgbClr>
-              </a:solidFill>
-              <a:prstDash val="solid"/>
-              <a:round/>
-            </a:ln>
-          </p:spPr>
-          <p:txBody>
-            <a:bodyPr/>
-            <a:lstStyle/>
-            <a:p/>
-          </p:txBody>
-        </p:sp>
-        <p:sp>
-          <p:nvSpPr>
-            <p:cNvPr id="1149" name="tx1148"/>
-            <p:cNvSpPr/>
-            <p:nvPr/>
-          </p:nvSpPr>
-          <p:spPr>
-            <a:xfrm>
-              <a:off x="9174841" y="3913220"/>
+            <p:cNvPr id="1168" name="tx1167"/>
+            <p:cNvSpPr/>
+            <p:nvPr/>
+          </p:nvSpPr>
+          <p:spPr>
+            <a:xfrm>
+              <a:off x="9174841" y="5118508"/>
               <a:ext cx="337551" cy="63437"/>
             </a:xfrm>
             <a:prstGeom prst="rect">
@@ -45617,13 +46334,13 @@
         </p:sp>
         <p:sp>
           <p:nvSpPr>
-            <p:cNvPr id="1150" name="tx1149"/>
-            <p:cNvSpPr/>
-            <p:nvPr/>
-          </p:nvSpPr>
-          <p:spPr>
-            <a:xfrm>
-              <a:off x="9174841" y="4132676"/>
+            <p:cNvPr id="1169" name="tx1168"/>
+            <p:cNvSpPr/>
+            <p:nvPr/>
+          </p:nvSpPr>
+          <p:spPr>
+            <a:xfrm>
+              <a:off x="9174841" y="5337964"/>
               <a:ext cx="337483" cy="63437"/>
             </a:xfrm>
             <a:prstGeom prst="rect">
@@ -45663,13 +46380,13 @@
         </p:sp>
         <p:sp>
           <p:nvSpPr>
-            <p:cNvPr id="1151" name="tx1150"/>
-            <p:cNvSpPr/>
-            <p:nvPr/>
-          </p:nvSpPr>
-          <p:spPr>
-            <a:xfrm>
-              <a:off x="9174841" y="4352132"/>
+            <p:cNvPr id="1170" name="tx1169"/>
+            <p:cNvSpPr/>
+            <p:nvPr/>
+          </p:nvSpPr>
+          <p:spPr>
+            <a:xfrm>
+              <a:off x="9174841" y="5557420"/>
               <a:ext cx="298806" cy="63437"/>
             </a:xfrm>
             <a:prstGeom prst="rect">
@@ -45709,14 +46426,14 @@
         </p:sp>
         <p:sp>
           <p:nvSpPr>
-            <p:cNvPr id="1152" name="tx1151"/>
-            <p:cNvSpPr/>
-            <p:nvPr/>
-          </p:nvSpPr>
-          <p:spPr>
-            <a:xfrm>
-              <a:off x="9174841" y="4585572"/>
-              <a:ext cx="221112" cy="49454"/>
+            <p:cNvPr id="1171" name="tx1170"/>
+            <p:cNvSpPr/>
+            <p:nvPr/>
+          </p:nvSpPr>
+          <p:spPr>
+            <a:xfrm>
+              <a:off x="9174841" y="5790860"/>
+              <a:ext cx="428752" cy="49454"/>
             </a:xfrm>
             <a:prstGeom prst="rect">
               <a:avLst/>
@@ -45748,20 +46465,112 @@
                   <a:latin typeface="Times New Roman"/>
                   <a:cs typeface="Times New Roman"/>
                 </a:rPr>
-                <a:t>Parasite</a:t>
+                <a:t>Plastid Parasite</a:t>
               </a:r>
             </a:p>
           </p:txBody>
         </p:sp>
         <p:sp>
           <p:nvSpPr>
-            <p:cNvPr id="1153" name="tx1152"/>
-            <p:cNvSpPr/>
-            <p:nvPr/>
-          </p:nvSpPr>
-          <p:spPr>
-            <a:xfrm>
-              <a:off x="9174841" y="4790908"/>
+            <p:cNvPr id="1172" name="tx1171"/>
+            <p:cNvSpPr/>
+            <p:nvPr/>
+          </p:nvSpPr>
+          <p:spPr>
+            <a:xfrm>
+              <a:off x="9174841" y="6010316"/>
+              <a:ext cx="572306" cy="49454"/>
+            </a:xfrm>
+            <a:prstGeom prst="rect">
+              <a:avLst/>
+            </a:prstGeom>
+            <a:noFill/>
+          </p:spPr>
+          <p:txBody>
+            <a:bodyPr lIns="0" rIns="0" tIns="0" bIns="0" anchorCtr="1" anchor="ctr" wrap="none"/>
+            <a:lstStyle/>
+            <a:p>
+              <a:pPr algn="l" marL="0" marR="0" indent="0">
+                <a:lnSpc>
+                  <a:spcPts val="550"/>
+                </a:lnSpc>
+                <a:spcBef>
+                  <a:spcPts val="0"/>
+                </a:spcBef>
+                <a:spcAft>
+                  <a:spcPts val="0"/>
+                </a:spcAft>
+              </a:pPr>
+              <a:r>
+                <a:rPr sz="550">
+                  <a:solidFill>
+                    <a:srgbClr val="000000">
+                      <a:alpha val="100000"/>
+                    </a:srgbClr>
+                  </a:solidFill>
+                  <a:latin typeface="Times New Roman"/>
+                  <a:cs typeface="Times New Roman"/>
+                </a:rPr>
+                <a:t>Non-Plastid Parasite</a:t>
+              </a:r>
+            </a:p>
+          </p:txBody>
+        </p:sp>
+        <p:sp>
+          <p:nvSpPr>
+            <p:cNvPr id="1173" name="tx1172"/>
+            <p:cNvSpPr/>
+            <p:nvPr/>
+          </p:nvSpPr>
+          <p:spPr>
+            <a:xfrm>
+              <a:off x="9174841" y="6215652"/>
+              <a:ext cx="591610" cy="63574"/>
+            </a:xfrm>
+            <a:prstGeom prst="rect">
+              <a:avLst/>
+            </a:prstGeom>
+            <a:noFill/>
+          </p:spPr>
+          <p:txBody>
+            <a:bodyPr lIns="0" rIns="0" tIns="0" bIns="0" anchorCtr="1" anchor="ctr" wrap="none"/>
+            <a:lstStyle/>
+            <a:p>
+              <a:pPr algn="l" marL="0" marR="0" indent="0">
+                <a:lnSpc>
+                  <a:spcPts val="550"/>
+                </a:lnSpc>
+                <a:spcBef>
+                  <a:spcPts val="0"/>
+                </a:spcBef>
+                <a:spcAft>
+                  <a:spcPts val="0"/>
+                </a:spcAft>
+              </a:pPr>
+              <a:r>
+                <a:rPr sz="550">
+                  <a:solidFill>
+                    <a:srgbClr val="000000">
+                      <a:alpha val="100000"/>
+                    </a:srgbClr>
+                  </a:solidFill>
+                  <a:latin typeface="Times New Roman"/>
+                  <a:cs typeface="Times New Roman"/>
+                </a:rPr>
+                <a:t>Streptophyta parasite</a:t>
+              </a:r>
+            </a:p>
+          </p:txBody>
+        </p:sp>
+        <p:sp>
+          <p:nvSpPr>
+            <p:cNvPr id="1174" name="tx1173"/>
+            <p:cNvSpPr/>
+            <p:nvPr/>
+          </p:nvSpPr>
+          <p:spPr>
+            <a:xfrm>
+              <a:off x="9174841" y="6435108"/>
               <a:ext cx="422954" cy="63574"/>
             </a:xfrm>
             <a:prstGeom prst="rect">
@@ -45801,654 +46610,7 @@
         </p:sp>
         <p:sp>
           <p:nvSpPr>
-            <p:cNvPr id="1154" name="rc1153"/>
-            <p:cNvSpPr/>
-            <p:nvPr/>
-          </p:nvSpPr>
-          <p:spPr>
-            <a:xfrm>
-              <a:off x="8816207" y="5017875"/>
-              <a:ext cx="939935" cy="1417544"/>
-            </a:xfrm>
-            <a:prstGeom prst="rect">
-              <a:avLst/>
-            </a:prstGeom>
-          </p:spPr>
-          <p:txBody>
-            <a:bodyPr/>
-            <a:lstStyle/>
-            <a:p/>
-          </p:txBody>
-        </p:sp>
-        <p:sp>
-          <p:nvSpPr>
-            <p:cNvPr id="1155" name="tx1154"/>
-            <p:cNvSpPr/>
-            <p:nvPr/>
-          </p:nvSpPr>
-          <p:spPr>
-            <a:xfrm>
-              <a:off x="8885796" y="5097324"/>
-              <a:ext cx="800757" cy="87932"/>
-            </a:xfrm>
-            <a:prstGeom prst="rect">
-              <a:avLst/>
-            </a:prstGeom>
-            <a:noFill/>
-          </p:spPr>
-          <p:txBody>
-            <a:bodyPr lIns="0" rIns="0" tIns="0" bIns="0" anchorCtr="1" anchor="ctr" wrap="none"/>
-            <a:lstStyle/>
-            <a:p>
-              <a:pPr algn="l" marL="0" marR="0" indent="0">
-                <a:lnSpc>
-                  <a:spcPts val="1000"/>
-                </a:lnSpc>
-                <a:spcBef>
-                  <a:spcPts val="0"/>
-                </a:spcBef>
-                <a:spcAft>
-                  <a:spcPts val="0"/>
-                </a:spcAft>
-              </a:pPr>
-              <a:r>
-                <a:rPr sz="1000">
-                  <a:solidFill>
-                    <a:srgbClr val="000000">
-                      <a:alpha val="100000"/>
-                    </a:srgbClr>
-                  </a:solidFill>
-                  <a:latin typeface="Times New Roman"/>
-                  <a:cs typeface="Times New Roman"/>
-                </a:rPr>
-                <a:t>HMMER Score</a:t>
-              </a:r>
-            </a:p>
-          </p:txBody>
-        </p:sp>
-        <p:sp>
-          <p:nvSpPr>
-            <p:cNvPr id="1156" name="rc1155"/>
-            <p:cNvSpPr/>
-            <p:nvPr/>
-          </p:nvSpPr>
-          <p:spPr>
-            <a:xfrm>
-              <a:off x="8885796" y="5268550"/>
-              <a:ext cx="219455" cy="219455"/>
-            </a:xfrm>
-            <a:prstGeom prst="rect">
-              <a:avLst/>
-            </a:prstGeom>
-            <a:solidFill>
-              <a:srgbClr val="FFFFFF">
-                <a:alpha val="100000"/>
-              </a:srgbClr>
-            </a:solidFill>
-            <a:ln w="13550" cap="rnd">
-              <a:solidFill>
-                <a:srgbClr val="FFFFFF">
-                  <a:alpha val="100000"/>
-                </a:srgbClr>
-              </a:solidFill>
-              <a:prstDash val="solid"/>
-              <a:round/>
-            </a:ln>
-          </p:spPr>
-          <p:txBody>
-            <a:bodyPr/>
-            <a:lstStyle/>
-            <a:p/>
-          </p:txBody>
-        </p:sp>
-        <p:sp>
-          <p:nvSpPr>
-            <p:cNvPr id="1157" name="rc1156"/>
-            <p:cNvSpPr/>
-            <p:nvPr/>
-          </p:nvSpPr>
-          <p:spPr>
-            <a:xfrm>
-              <a:off x="8887596" y="5270350"/>
-              <a:ext cx="215856" cy="215855"/>
-            </a:xfrm>
-            <a:prstGeom prst="rect">
-              <a:avLst/>
-            </a:prstGeom>
-            <a:solidFill>
-              <a:srgbClr val="AE5A41">
-                <a:alpha val="100000"/>
-              </a:srgbClr>
-            </a:solidFill>
-            <a:ln w="2710" cap="flat">
-              <a:solidFill>
-                <a:srgbClr val="FFFFFF">
-                  <a:alpha val="100000"/>
-                </a:srgbClr>
-              </a:solidFill>
-              <a:prstDash val="solid"/>
-              <a:miter/>
-            </a:ln>
-          </p:spPr>
-          <p:txBody>
-            <a:bodyPr/>
-            <a:lstStyle/>
-            <a:p/>
-          </p:txBody>
-        </p:sp>
-        <p:sp>
-          <p:nvSpPr>
-            <p:cNvPr id="1158" name="rc1157"/>
-            <p:cNvSpPr/>
-            <p:nvPr/>
-          </p:nvSpPr>
-          <p:spPr>
-            <a:xfrm>
-              <a:off x="8885796" y="5488006"/>
-              <a:ext cx="219455" cy="219455"/>
-            </a:xfrm>
-            <a:prstGeom prst="rect">
-              <a:avLst/>
-            </a:prstGeom>
-            <a:solidFill>
-              <a:srgbClr val="FFFFFF">
-                <a:alpha val="100000"/>
-              </a:srgbClr>
-            </a:solidFill>
-            <a:ln w="13550" cap="rnd">
-              <a:solidFill>
-                <a:srgbClr val="FFFFFF">
-                  <a:alpha val="100000"/>
-                </a:srgbClr>
-              </a:solidFill>
-              <a:prstDash val="solid"/>
-              <a:round/>
-            </a:ln>
-          </p:spPr>
-          <p:txBody>
-            <a:bodyPr/>
-            <a:lstStyle/>
-            <a:p/>
-          </p:txBody>
-        </p:sp>
-        <p:sp>
-          <p:nvSpPr>
-            <p:cNvPr id="1159" name="rc1158"/>
-            <p:cNvSpPr/>
-            <p:nvPr/>
-          </p:nvSpPr>
-          <p:spPr>
-            <a:xfrm>
-              <a:off x="8887596" y="5489806"/>
-              <a:ext cx="215856" cy="215855"/>
-            </a:xfrm>
-            <a:prstGeom prst="rect">
-              <a:avLst/>
-            </a:prstGeom>
-            <a:solidFill>
-              <a:srgbClr val="559E83">
-                <a:alpha val="100000"/>
-              </a:srgbClr>
-            </a:solidFill>
-            <a:ln w="2710" cap="flat">
-              <a:solidFill>
-                <a:srgbClr val="FFFFFF">
-                  <a:alpha val="100000"/>
-                </a:srgbClr>
-              </a:solidFill>
-              <a:prstDash val="solid"/>
-              <a:miter/>
-            </a:ln>
-          </p:spPr>
-          <p:txBody>
-            <a:bodyPr/>
-            <a:lstStyle/>
-            <a:p/>
-          </p:txBody>
-        </p:sp>
-        <p:sp>
-          <p:nvSpPr>
-            <p:cNvPr id="1160" name="rc1159"/>
-            <p:cNvSpPr/>
-            <p:nvPr/>
-          </p:nvSpPr>
-          <p:spPr>
-            <a:xfrm>
-              <a:off x="8885796" y="5707462"/>
-              <a:ext cx="219455" cy="219455"/>
-            </a:xfrm>
-            <a:prstGeom prst="rect">
-              <a:avLst/>
-            </a:prstGeom>
-            <a:solidFill>
-              <a:srgbClr val="FFFFFF">
-                <a:alpha val="100000"/>
-              </a:srgbClr>
-            </a:solidFill>
-            <a:ln w="13550" cap="rnd">
-              <a:solidFill>
-                <a:srgbClr val="FFFFFF">
-                  <a:alpha val="100000"/>
-                </a:srgbClr>
-              </a:solidFill>
-              <a:prstDash val="solid"/>
-              <a:round/>
-            </a:ln>
-          </p:spPr>
-          <p:txBody>
-            <a:bodyPr/>
-            <a:lstStyle/>
-            <a:p/>
-          </p:txBody>
-        </p:sp>
-        <p:sp>
-          <p:nvSpPr>
-            <p:cNvPr id="1161" name="rc1160"/>
-            <p:cNvSpPr/>
-            <p:nvPr/>
-          </p:nvSpPr>
-          <p:spPr>
-            <a:xfrm>
-              <a:off x="8887596" y="5709262"/>
-              <a:ext cx="215856" cy="215855"/>
-            </a:xfrm>
-            <a:prstGeom prst="rect">
-              <a:avLst/>
-            </a:prstGeom>
-            <a:solidFill>
-              <a:srgbClr val="B2D4AD">
-                <a:alpha val="100000"/>
-              </a:srgbClr>
-            </a:solidFill>
-            <a:ln w="2710" cap="flat">
-              <a:solidFill>
-                <a:srgbClr val="FFFFFF">
-                  <a:alpha val="100000"/>
-                </a:srgbClr>
-              </a:solidFill>
-              <a:prstDash val="solid"/>
-              <a:miter/>
-            </a:ln>
-          </p:spPr>
-          <p:txBody>
-            <a:bodyPr/>
-            <a:lstStyle/>
-            <a:p/>
-          </p:txBody>
-        </p:sp>
-        <p:sp>
-          <p:nvSpPr>
-            <p:cNvPr id="1162" name="rc1161"/>
-            <p:cNvSpPr/>
-            <p:nvPr/>
-          </p:nvSpPr>
-          <p:spPr>
-            <a:xfrm>
-              <a:off x="8885796" y="5926918"/>
-              <a:ext cx="219455" cy="219455"/>
-            </a:xfrm>
-            <a:prstGeom prst="rect">
-              <a:avLst/>
-            </a:prstGeom>
-            <a:solidFill>
-              <a:srgbClr val="FFFFFF">
-                <a:alpha val="100000"/>
-              </a:srgbClr>
-            </a:solidFill>
-            <a:ln w="13550" cap="rnd">
-              <a:solidFill>
-                <a:srgbClr val="FFFFFF">
-                  <a:alpha val="100000"/>
-                </a:srgbClr>
-              </a:solidFill>
-              <a:prstDash val="solid"/>
-              <a:round/>
-            </a:ln>
-          </p:spPr>
-          <p:txBody>
-            <a:bodyPr/>
-            <a:lstStyle/>
-            <a:p/>
-          </p:txBody>
-        </p:sp>
-        <p:sp>
-          <p:nvSpPr>
-            <p:cNvPr id="1163" name="rc1162"/>
-            <p:cNvSpPr/>
-            <p:nvPr/>
-          </p:nvSpPr>
-          <p:spPr>
-            <a:xfrm>
-              <a:off x="8887596" y="5928718"/>
-              <a:ext cx="215856" cy="215855"/>
-            </a:xfrm>
-            <a:prstGeom prst="rect">
-              <a:avLst/>
-            </a:prstGeom>
-            <a:solidFill>
-              <a:srgbClr val="DBC795">
-                <a:alpha val="100000"/>
-              </a:srgbClr>
-            </a:solidFill>
-            <a:ln w="2710" cap="flat">
-              <a:solidFill>
-                <a:srgbClr val="FFFFFF">
-                  <a:alpha val="100000"/>
-                </a:srgbClr>
-              </a:solidFill>
-              <a:prstDash val="solid"/>
-              <a:miter/>
-            </a:ln>
-          </p:spPr>
-          <p:txBody>
-            <a:bodyPr/>
-            <a:lstStyle/>
-            <a:p/>
-          </p:txBody>
-        </p:sp>
-        <p:sp>
-          <p:nvSpPr>
-            <p:cNvPr id="1164" name="rc1163"/>
-            <p:cNvSpPr/>
-            <p:nvPr/>
-          </p:nvSpPr>
-          <p:spPr>
-            <a:xfrm>
-              <a:off x="8885796" y="6146374"/>
-              <a:ext cx="219455" cy="219455"/>
-            </a:xfrm>
-            <a:prstGeom prst="rect">
-              <a:avLst/>
-            </a:prstGeom>
-            <a:solidFill>
-              <a:srgbClr val="FFFFFF">
-                <a:alpha val="100000"/>
-              </a:srgbClr>
-            </a:solidFill>
-            <a:ln w="13550" cap="rnd">
-              <a:solidFill>
-                <a:srgbClr val="FFFFFF">
-                  <a:alpha val="100000"/>
-                </a:srgbClr>
-              </a:solidFill>
-              <a:prstDash val="solid"/>
-              <a:round/>
-            </a:ln>
-          </p:spPr>
-          <p:txBody>
-            <a:bodyPr/>
-            <a:lstStyle/>
-            <a:p/>
-          </p:txBody>
-        </p:sp>
-        <p:sp>
-          <p:nvSpPr>
-            <p:cNvPr id="1165" name="rc1164"/>
-            <p:cNvSpPr/>
-            <p:nvPr/>
-          </p:nvSpPr>
-          <p:spPr>
-            <a:xfrm>
-              <a:off x="8887596" y="6148174"/>
-              <a:ext cx="215856" cy="215855"/>
-            </a:xfrm>
-            <a:prstGeom prst="rect">
-              <a:avLst/>
-            </a:prstGeom>
-            <a:solidFill>
-              <a:srgbClr val="FFFFFF">
-                <a:alpha val="100000"/>
-              </a:srgbClr>
-            </a:solidFill>
-            <a:ln w="2710" cap="flat">
-              <a:solidFill>
-                <a:srgbClr val="FFFFFF">
-                  <a:alpha val="100000"/>
-                </a:srgbClr>
-              </a:solidFill>
-              <a:prstDash val="solid"/>
-              <a:miter/>
-            </a:ln>
-          </p:spPr>
-          <p:txBody>
-            <a:bodyPr/>
-            <a:lstStyle/>
-            <a:p/>
-          </p:txBody>
-        </p:sp>
-        <p:sp>
-          <p:nvSpPr>
-            <p:cNvPr id="1166" name="tx1165"/>
-            <p:cNvSpPr/>
-            <p:nvPr/>
-          </p:nvSpPr>
-          <p:spPr>
-            <a:xfrm>
-              <a:off x="9174841" y="5355154"/>
-              <a:ext cx="50443" cy="46248"/>
-            </a:xfrm>
-            <a:prstGeom prst="rect">
-              <a:avLst/>
-            </a:prstGeom>
-            <a:noFill/>
-          </p:spPr>
-          <p:txBody>
-            <a:bodyPr lIns="0" rIns="0" tIns="0" bIns="0" anchorCtr="1" anchor="ctr" wrap="none"/>
-            <a:lstStyle/>
-            <a:p>
-              <a:pPr algn="l" marL="0" marR="0" indent="0">
-                <a:lnSpc>
-                  <a:spcPts val="550"/>
-                </a:lnSpc>
-                <a:spcBef>
-                  <a:spcPts val="0"/>
-                </a:spcBef>
-                <a:spcAft>
-                  <a:spcPts val="0"/>
-                </a:spcAft>
-              </a:pPr>
-              <a:r>
-                <a:rPr sz="550">
-                  <a:solidFill>
-                    <a:srgbClr val="000000">
-                      <a:alpha val="100000"/>
-                    </a:srgbClr>
-                  </a:solidFill>
-                  <a:latin typeface="Times New Roman"/>
-                  <a:cs typeface="Times New Roman"/>
-                </a:rPr>
-                <a:t>H</a:t>
-              </a:r>
-            </a:p>
-          </p:txBody>
-        </p:sp>
-        <p:sp>
-          <p:nvSpPr>
-            <p:cNvPr id="1167" name="tx1166"/>
-            <p:cNvSpPr/>
-            <p:nvPr/>
-          </p:nvSpPr>
-          <p:spPr>
-            <a:xfrm>
-              <a:off x="9174841" y="5574610"/>
-              <a:ext cx="62107" cy="46248"/>
-            </a:xfrm>
-            <a:prstGeom prst="rect">
-              <a:avLst/>
-            </a:prstGeom>
-            <a:noFill/>
-          </p:spPr>
-          <p:txBody>
-            <a:bodyPr lIns="0" rIns="0" tIns="0" bIns="0" anchorCtr="1" anchor="ctr" wrap="none"/>
-            <a:lstStyle/>
-            <a:p>
-              <a:pPr algn="l" marL="0" marR="0" indent="0">
-                <a:lnSpc>
-                  <a:spcPts val="550"/>
-                </a:lnSpc>
-                <a:spcBef>
-                  <a:spcPts val="0"/>
-                </a:spcBef>
-                <a:spcAft>
-                  <a:spcPts val="0"/>
-                </a:spcAft>
-              </a:pPr>
-              <a:r>
-                <a:rPr sz="550">
-                  <a:solidFill>
-                    <a:srgbClr val="000000">
-                      <a:alpha val="100000"/>
-                    </a:srgbClr>
-                  </a:solidFill>
-                  <a:latin typeface="Times New Roman"/>
-                  <a:cs typeface="Times New Roman"/>
-                </a:rPr>
-                <a:t>M</a:t>
-              </a:r>
-            </a:p>
-          </p:txBody>
-        </p:sp>
-        <p:sp>
-          <p:nvSpPr>
-            <p:cNvPr id="1168" name="tx1167"/>
-            <p:cNvSpPr/>
-            <p:nvPr/>
-          </p:nvSpPr>
-          <p:spPr>
-            <a:xfrm>
-              <a:off x="9174841" y="5794066"/>
-              <a:ext cx="42667" cy="46248"/>
-            </a:xfrm>
-            <a:prstGeom prst="rect">
-              <a:avLst/>
-            </a:prstGeom>
-            <a:noFill/>
-          </p:spPr>
-          <p:txBody>
-            <a:bodyPr lIns="0" rIns="0" tIns="0" bIns="0" anchorCtr="1" anchor="ctr" wrap="none"/>
-            <a:lstStyle/>
-            <a:p>
-              <a:pPr algn="l" marL="0" marR="0" indent="0">
-                <a:lnSpc>
-                  <a:spcPts val="550"/>
-                </a:lnSpc>
-                <a:spcBef>
-                  <a:spcPts val="0"/>
-                </a:spcBef>
-                <a:spcAft>
-                  <a:spcPts val="0"/>
-                </a:spcAft>
-              </a:pPr>
-              <a:r>
-                <a:rPr sz="550">
-                  <a:solidFill>
-                    <a:srgbClr val="000000">
-                      <a:alpha val="100000"/>
-                    </a:srgbClr>
-                  </a:solidFill>
-                  <a:latin typeface="Times New Roman"/>
-                  <a:cs typeface="Times New Roman"/>
-                </a:rPr>
-                <a:t>L</a:t>
-              </a:r>
-            </a:p>
-          </p:txBody>
-        </p:sp>
-        <p:sp>
-          <p:nvSpPr>
-            <p:cNvPr id="1169" name="tx1168"/>
-            <p:cNvSpPr/>
-            <p:nvPr/>
-          </p:nvSpPr>
-          <p:spPr>
-            <a:xfrm>
-              <a:off x="9174841" y="6013522"/>
-              <a:ext cx="38847" cy="46248"/>
-            </a:xfrm>
-            <a:prstGeom prst="rect">
-              <a:avLst/>
-            </a:prstGeom>
-            <a:noFill/>
-          </p:spPr>
-          <p:txBody>
-            <a:bodyPr lIns="0" rIns="0" tIns="0" bIns="0" anchorCtr="1" anchor="ctr" wrap="none"/>
-            <a:lstStyle/>
-            <a:p>
-              <a:pPr algn="l" marL="0" marR="0" indent="0">
-                <a:lnSpc>
-                  <a:spcPts val="550"/>
-                </a:lnSpc>
-                <a:spcBef>
-                  <a:spcPts val="0"/>
-                </a:spcBef>
-                <a:spcAft>
-                  <a:spcPts val="0"/>
-                </a:spcAft>
-              </a:pPr>
-              <a:r>
-                <a:rPr sz="550">
-                  <a:solidFill>
-                    <a:srgbClr val="000000">
-                      <a:alpha val="100000"/>
-                    </a:srgbClr>
-                  </a:solidFill>
-                  <a:latin typeface="Times New Roman"/>
-                  <a:cs typeface="Times New Roman"/>
-                </a:rPr>
-                <a:t>P</a:t>
-              </a:r>
-            </a:p>
-          </p:txBody>
-        </p:sp>
-        <p:sp>
-          <p:nvSpPr>
-            <p:cNvPr id="1170" name="tx1169"/>
-            <p:cNvSpPr/>
-            <p:nvPr/>
-          </p:nvSpPr>
-          <p:spPr>
-            <a:xfrm>
-              <a:off x="9174841" y="6231170"/>
-              <a:ext cx="100886" cy="48055"/>
-            </a:xfrm>
-            <a:prstGeom prst="rect">
-              <a:avLst/>
-            </a:prstGeom>
-            <a:noFill/>
-          </p:spPr>
-          <p:txBody>
-            <a:bodyPr lIns="0" rIns="0" tIns="0" bIns="0" anchorCtr="1" anchor="ctr" wrap="none"/>
-            <a:lstStyle/>
-            <a:p>
-              <a:pPr algn="l" marL="0" marR="0" indent="0">
-                <a:lnSpc>
-                  <a:spcPts val="550"/>
-                </a:lnSpc>
-                <a:spcBef>
-                  <a:spcPts val="0"/>
-                </a:spcBef>
-                <a:spcAft>
-                  <a:spcPts val="0"/>
-                </a:spcAft>
-              </a:pPr>
-              <a:r>
-                <a:rPr sz="550">
-                  <a:solidFill>
-                    <a:srgbClr val="000000">
-                      <a:alpha val="100000"/>
-                    </a:srgbClr>
-                  </a:solidFill>
-                  <a:latin typeface="Times New Roman"/>
-                  <a:cs typeface="Times New Roman"/>
-                </a:rPr>
-                <a:t>NA</a:t>
-              </a:r>
-            </a:p>
-          </p:txBody>
-        </p:sp>
-        <p:sp>
-          <p:nvSpPr>
-            <p:cNvPr id="1171" name="tx1170"/>
+            <p:cNvPr id="1175" name="tx1174"/>
             <p:cNvSpPr/>
             <p:nvPr/>
           </p:nvSpPr>
@@ -46494,7 +46656,7 @@
         </p:sp>
         <p:sp>
           <p:nvSpPr>
-            <p:cNvPr id="1172" name="tx1171"/>
+            <p:cNvPr id="1176" name="tx1175"/>
             <p:cNvSpPr/>
             <p:nvPr/>
           </p:nvSpPr>
